--- a/documents/posters/KH_MO_GRNmap_UCI_draft.pptx
+++ b/documents/posters/KH_MO_GRNmap_UCI_draft.pptx
@@ -106,7 +106,7 @@
   </p:defaultTextStyle>
   <p:extLst>
     <p:ext uri="{EFAFB233-063F-42B5-8137-9DF3F51BA10A}">
-      <p15:sldGuideLst xmlns:p15="http://schemas.microsoft.com/office/powerpoint/2012/main">
+      <p15:sldGuideLst xmlns="" xmlns:p15="http://schemas.microsoft.com/office/powerpoint/2012/main">
         <p15:guide id="1" orient="horz" pos="10368">
           <p15:clr>
             <a:srgbClr val="A4A3A4"/>
@@ -130,328 +130,6 @@
   <c:roundedCorners val="0"/>
   <mc:AlternateContent xmlns:mc="http://schemas.openxmlformats.org/markup-compatibility/2006">
     <mc:Choice xmlns:c14="http://schemas.microsoft.com/office/drawing/2007/8/2/chart" Requires="c14">
-      <c14:style val="102"/>
-    </mc:Choice>
-    <mc:Fallback>
-      <c:style val="2"/>
-    </mc:Fallback>
-  </mc:AlternateContent>
-  <c:chart>
-    <c:title>
-      <c:tx>
-        <c:rich>
-          <a:bodyPr/>
-          <a:lstStyle/>
-          <a:p>
-            <a:pPr>
-              <a:defRPr/>
-            </a:pPr>
-            <a:r>
-              <a:rPr lang="en-US" sz="1700" dirty="0">
-                <a:latin typeface="Arial" panose="020B0604020202020204" pitchFamily="34" charset="0"/>
-                <a:cs typeface="Arial" panose="020B0604020202020204" pitchFamily="34" charset="0"/>
-              </a:rPr>
-              <a:t>LSE</a:t>
-            </a:r>
-            <a:r>
-              <a:rPr lang="en-US" sz="1700" baseline="0" dirty="0">
-                <a:latin typeface="Arial" panose="020B0604020202020204" pitchFamily="34" charset="0"/>
-                <a:cs typeface="Arial" panose="020B0604020202020204" pitchFamily="34" charset="0"/>
-              </a:rPr>
-              <a:t> and Min LSE versus Total Number of Parameters Estimated </a:t>
-            </a:r>
-            <a:endParaRPr lang="en-US" sz="1700" dirty="0">
-              <a:latin typeface="Arial" panose="020B0604020202020204" pitchFamily="34" charset="0"/>
-              <a:cs typeface="Arial" panose="020B0604020202020204" pitchFamily="34" charset="0"/>
-            </a:endParaRPr>
-          </a:p>
-        </c:rich>
-      </c:tx>
-      <c:layout>
-        <c:manualLayout>
-          <c:xMode val="edge"/>
-          <c:yMode val="edge"/>
-          <c:x val="0.143687445319335"/>
-          <c:y val="0"/>
-        </c:manualLayout>
-      </c:layout>
-      <c:overlay val="0"/>
-    </c:title>
-    <c:autoTitleDeleted val="0"/>
-    <c:plotArea>
-      <c:layout>
-        <c:manualLayout>
-          <c:layoutTarget val="inner"/>
-          <c:xMode val="edge"/>
-          <c:yMode val="edge"/>
-          <c:x val="0.11032195975503099"/>
-          <c:y val="0.21714129483814501"/>
-          <c:w val="0.68787204724409501"/>
-          <c:h val="0.59648512685914301"/>
-        </c:manualLayout>
-      </c:layout>
-      <c:scatterChart>
-        <c:scatterStyle val="lineMarker"/>
-        <c:varyColors val="0"/>
-        <c:ser>
-          <c:idx val="0"/>
-          <c:order val="0"/>
-          <c:tx>
-            <c:v>LSE</c:v>
-          </c:tx>
-          <c:xVal>
-            <c:numRef>
-              <c:f>Num_Parameters_vs_stuff!$C$2:$C$6</c:f>
-              <c:numCache>
-                <c:formatCode>General</c:formatCode>
-                <c:ptCount val="5"/>
-                <c:pt idx="0">
-                  <c:v>58</c:v>
-                </c:pt>
-                <c:pt idx="1">
-                  <c:v>86</c:v>
-                </c:pt>
-                <c:pt idx="2">
-                  <c:v>118</c:v>
-                </c:pt>
-                <c:pt idx="3">
-                  <c:v>150</c:v>
-                </c:pt>
-                <c:pt idx="4">
-                  <c:v>170</c:v>
-                </c:pt>
-              </c:numCache>
-            </c:numRef>
-          </c:xVal>
-          <c:yVal>
-            <c:numRef>
-              <c:f>Num_Parameters_vs_stuff!$D$2:$D$6</c:f>
-              <c:numCache>
-                <c:formatCode>General</c:formatCode>
-                <c:ptCount val="5"/>
-                <c:pt idx="0">
-                  <c:v>0.7056</c:v>
-                </c:pt>
-                <c:pt idx="1">
-                  <c:v>0.68759999999999999</c:v>
-                </c:pt>
-                <c:pt idx="2">
-                  <c:v>0.70479999999999998</c:v>
-                </c:pt>
-                <c:pt idx="3">
-                  <c:v>0.75239999999999996</c:v>
-                </c:pt>
-                <c:pt idx="4">
-                  <c:v>0.79320000000000002</c:v>
-                </c:pt>
-              </c:numCache>
-            </c:numRef>
-          </c:yVal>
-          <c:smooth val="0"/>
-        </c:ser>
-        <c:ser>
-          <c:idx val="1"/>
-          <c:order val="1"/>
-          <c:tx>
-            <c:v>Min LSE</c:v>
-          </c:tx>
-          <c:xVal>
-            <c:numRef>
-              <c:f>Num_Parameters_vs_stuff!$C$2:$C$6</c:f>
-              <c:numCache>
-                <c:formatCode>General</c:formatCode>
-                <c:ptCount val="5"/>
-                <c:pt idx="0">
-                  <c:v>58</c:v>
-                </c:pt>
-                <c:pt idx="1">
-                  <c:v>86</c:v>
-                </c:pt>
-                <c:pt idx="2">
-                  <c:v>118</c:v>
-                </c:pt>
-                <c:pt idx="3">
-                  <c:v>150</c:v>
-                </c:pt>
-                <c:pt idx="4">
-                  <c:v>170</c:v>
-                </c:pt>
-              </c:numCache>
-            </c:numRef>
-          </c:xVal>
-          <c:yVal>
-            <c:numRef>
-              <c:f>Num_Parameters_vs_stuff!$E$2:$E$6</c:f>
-              <c:numCache>
-                <c:formatCode>General</c:formatCode>
-                <c:ptCount val="5"/>
-                <c:pt idx="0">
-                  <c:v>0.48499999999999999</c:v>
-                </c:pt>
-                <c:pt idx="1">
-                  <c:v>0.47760000000000002</c:v>
-                </c:pt>
-                <c:pt idx="2">
-                  <c:v>0.48980000000000001</c:v>
-                </c:pt>
-                <c:pt idx="3">
-                  <c:v>0.53310000000000002</c:v>
-                </c:pt>
-                <c:pt idx="4">
-                  <c:v>0.54669999999999996</c:v>
-                </c:pt>
-              </c:numCache>
-            </c:numRef>
-          </c:yVal>
-          <c:smooth val="0"/>
-        </c:ser>
-        <c:dLbls>
-          <c:showLegendKey val="0"/>
-          <c:showVal val="0"/>
-          <c:showCatName val="0"/>
-          <c:showSerName val="0"/>
-          <c:showPercent val="0"/>
-          <c:showBubbleSize val="0"/>
-        </c:dLbls>
-        <c:axId val="336866192"/>
-        <c:axId val="336859528"/>
-      </c:scatterChart>
-      <c:valAx>
-        <c:axId val="336866192"/>
-        <c:scaling>
-          <c:orientation val="minMax"/>
-          <c:min val="50"/>
-        </c:scaling>
-        <c:delete val="0"/>
-        <c:axPos val="b"/>
-        <c:title>
-          <c:tx>
-            <c:rich>
-              <a:bodyPr/>
-              <a:lstStyle/>
-              <a:p>
-                <a:pPr>
-                  <a:defRPr/>
-                </a:pPr>
-                <a:r>
-                  <a:rPr lang="en-US" sz="1400" dirty="0">
-                    <a:latin typeface="Arial" panose="020B0604020202020204" pitchFamily="34" charset="0"/>
-                    <a:cs typeface="Arial" panose="020B0604020202020204" pitchFamily="34" charset="0"/>
-                  </a:rPr>
-                  <a:t>Total</a:t>
-                </a:r>
-                <a:r>
-                  <a:rPr lang="en-US" sz="1400" baseline="0" dirty="0">
-                    <a:latin typeface="Arial" panose="020B0604020202020204" pitchFamily="34" charset="0"/>
-                    <a:cs typeface="Arial" panose="020B0604020202020204" pitchFamily="34" charset="0"/>
-                  </a:rPr>
-                  <a:t> Parameters Estimated</a:t>
-                </a:r>
-                <a:endParaRPr lang="en-US" sz="1400" dirty="0">
-                  <a:latin typeface="Arial" panose="020B0604020202020204" pitchFamily="34" charset="0"/>
-                  <a:cs typeface="Arial" panose="020B0604020202020204" pitchFamily="34" charset="0"/>
-                </a:endParaRPr>
-              </a:p>
-            </c:rich>
-          </c:tx>
-          <c:layout>
-            <c:manualLayout>
-              <c:xMode val="edge"/>
-              <c:yMode val="edge"/>
-              <c:x val="0.29520621959076232"/>
-              <c:y val="0.88608257682621827"/>
-            </c:manualLayout>
-          </c:layout>
-          <c:overlay val="0"/>
-        </c:title>
-        <c:numFmt formatCode="General" sourceLinked="1"/>
-        <c:majorTickMark val="out"/>
-        <c:minorTickMark val="none"/>
-        <c:tickLblPos val="nextTo"/>
-        <c:crossAx val="336859528"/>
-        <c:crosses val="autoZero"/>
-        <c:crossBetween val="midCat"/>
-      </c:valAx>
-      <c:valAx>
-        <c:axId val="336859528"/>
-        <c:scaling>
-          <c:orientation val="minMax"/>
-          <c:max val="0.8"/>
-          <c:min val="0.4"/>
-        </c:scaling>
-        <c:delete val="0"/>
-        <c:axPos val="l"/>
-        <c:majorGridlines/>
-        <c:title>
-          <c:tx>
-            <c:rich>
-              <a:bodyPr rot="-5400000" vert="horz"/>
-              <a:lstStyle/>
-              <a:p>
-                <a:pPr>
-                  <a:defRPr/>
-                </a:pPr>
-                <a:r>
-                  <a:rPr lang="en-US" sz="1400" dirty="0" smtClean="0">
-                    <a:latin typeface="Arial" panose="020B0604020202020204" pitchFamily="34" charset="0"/>
-                    <a:cs typeface="Arial" panose="020B0604020202020204" pitchFamily="34" charset="0"/>
-                  </a:rPr>
-                  <a:t>LSE value</a:t>
-                </a:r>
-                <a:endParaRPr lang="en-US" sz="1400" dirty="0">
-                  <a:latin typeface="Arial" panose="020B0604020202020204" pitchFamily="34" charset="0"/>
-                  <a:cs typeface="Arial" panose="020B0604020202020204" pitchFamily="34" charset="0"/>
-                </a:endParaRPr>
-              </a:p>
-            </c:rich>
-          </c:tx>
-          <c:layout/>
-          <c:overlay val="0"/>
-        </c:title>
-        <c:numFmt formatCode="General" sourceLinked="1"/>
-        <c:majorTickMark val="out"/>
-        <c:minorTickMark val="none"/>
-        <c:tickLblPos val="nextTo"/>
-        <c:crossAx val="336866192"/>
-        <c:crosses val="autoZero"/>
-        <c:crossBetween val="midCat"/>
-      </c:valAx>
-    </c:plotArea>
-    <c:legend>
-      <c:legendPos val="r"/>
-      <c:layout/>
-      <c:overlay val="0"/>
-      <c:txPr>
-        <a:bodyPr/>
-        <a:lstStyle/>
-        <a:p>
-          <a:pPr>
-            <a:defRPr>
-              <a:latin typeface="Arial" panose="020B0604020202020204" pitchFamily="34" charset="0"/>
-              <a:cs typeface="Arial" panose="020B0604020202020204" pitchFamily="34" charset="0"/>
-            </a:defRPr>
-          </a:pPr>
-          <a:endParaRPr lang="en-US"/>
-        </a:p>
-      </c:txPr>
-    </c:legend>
-    <c:plotVisOnly val="1"/>
-    <c:dispBlanksAs val="gap"/>
-    <c:showDLblsOverMax val="0"/>
-  </c:chart>
-  <c:externalData r:id="rId1">
-    <c:autoUpdate val="0"/>
-  </c:externalData>
-</c:chartSpace>
-</file>
-
-<file path=ppt/charts/chart2.xml><?xml version="1.0" encoding="utf-8"?>
-<c:chartSpace xmlns:c="http://schemas.openxmlformats.org/drawingml/2006/chart" xmlns:a="http://schemas.openxmlformats.org/drawingml/2006/main" xmlns:r="http://schemas.openxmlformats.org/officeDocument/2006/relationships">
-  <c:date1904 val="0"/>
-  <c:lang val="en-US"/>
-  <c:roundedCorners val="0"/>
-  <mc:AlternateContent xmlns:mc="http://schemas.openxmlformats.org/markup-compatibility/2006">
-    <mc:Choice xmlns:c14="http://schemas.microsoft.com/office/drawing/2007/8/2/chart" Requires="c14">
       <c14:style val="118"/>
     </mc:Choice>
     <mc:Fallback>
@@ -672,11 +350,11 @@
           <c:showBubbleSize val="0"/>
         </c:dLbls>
         <c:gapWidth val="150"/>
-        <c:axId val="336865016"/>
-        <c:axId val="336861096"/>
+        <c:axId val="102970880"/>
+        <c:axId val="99394112"/>
       </c:barChart>
       <c:catAx>
-        <c:axId val="336865016"/>
+        <c:axId val="102970880"/>
         <c:scaling>
           <c:orientation val="minMax"/>
         </c:scaling>
@@ -705,7 +383,7 @@
         <c:majorTickMark val="out"/>
         <c:minorTickMark val="none"/>
         <c:tickLblPos val="nextTo"/>
-        <c:crossAx val="336861096"/>
+        <c:crossAx val="99394112"/>
         <c:crosses val="autoZero"/>
         <c:auto val="1"/>
         <c:lblAlgn val="ctr"/>
@@ -713,7 +391,7 @@
         <c:noMultiLvlLbl val="0"/>
       </c:catAx>
       <c:valAx>
-        <c:axId val="336861096"/>
+        <c:axId val="99394112"/>
         <c:scaling>
           <c:orientation val="minMax"/>
         </c:scaling>
@@ -753,7 +431,7 @@
         <c:majorTickMark val="out"/>
         <c:minorTickMark val="none"/>
         <c:tickLblPos val="nextTo"/>
-        <c:crossAx val="336865016"/>
+        <c:crossAx val="102970880"/>
         <c:crosses val="autoZero"/>
         <c:crossBetween val="between"/>
       </c:valAx>
@@ -786,7 +464,7 @@
 </c:chartSpace>
 </file>
 
-<file path=ppt/charts/chart3.xml><?xml version="1.0" encoding="utf-8"?>
+<file path=ppt/charts/chart2.xml><?xml version="1.0" encoding="utf-8"?>
 <c:chartSpace xmlns:c="http://schemas.openxmlformats.org/drawingml/2006/chart" xmlns:a="http://schemas.openxmlformats.org/drawingml/2006/main" xmlns:r="http://schemas.openxmlformats.org/officeDocument/2006/relationships">
   <c:date1904 val="0"/>
   <c:lang val="en-US"/>
@@ -1046,11 +724,11 @@
           <c:showBubbleSize val="0"/>
         </c:dLbls>
         <c:gapWidth val="150"/>
-        <c:axId val="336865408"/>
-        <c:axId val="336861488"/>
+        <c:axId val="103972864"/>
+        <c:axId val="99395840"/>
       </c:barChart>
       <c:catAx>
-        <c:axId val="336865408"/>
+        <c:axId val="103972864"/>
         <c:scaling>
           <c:orientation val="minMax"/>
         </c:scaling>
@@ -1070,7 +748,7 @@
             <a:endParaRPr lang="en-US"/>
           </a:p>
         </c:txPr>
-        <c:crossAx val="336861488"/>
+        <c:crossAx val="99395840"/>
         <c:crosses val="autoZero"/>
         <c:auto val="1"/>
         <c:lblAlgn val="ctr"/>
@@ -1078,7 +756,7 @@
         <c:noMultiLvlLbl val="0"/>
       </c:catAx>
       <c:valAx>
-        <c:axId val="336861488"/>
+        <c:axId val="99395840"/>
         <c:scaling>
           <c:orientation val="minMax"/>
         </c:scaling>
@@ -1088,7 +766,240 @@
         <c:majorTickMark val="out"/>
         <c:minorTickMark val="none"/>
         <c:tickLblPos val="nextTo"/>
-        <c:crossAx val="336865408"/>
+        <c:crossAx val="103972864"/>
+        <c:crosses val="autoZero"/>
+        <c:crossBetween val="between"/>
+      </c:valAx>
+    </c:plotArea>
+    <c:plotVisOnly val="1"/>
+    <c:dispBlanksAs val="gap"/>
+    <c:showDLblsOverMax val="0"/>
+  </c:chart>
+  <c:txPr>
+    <a:bodyPr/>
+    <a:lstStyle/>
+    <a:p>
+      <a:pPr>
+        <a:defRPr>
+          <a:latin typeface="Arial" panose="020B0604020202020204" pitchFamily="34" charset="0"/>
+          <a:cs typeface="Arial" panose="020B0604020202020204" pitchFamily="34" charset="0"/>
+        </a:defRPr>
+      </a:pPr>
+      <a:endParaRPr lang="en-US"/>
+    </a:p>
+  </c:txPr>
+  <c:externalData r:id="rId1">
+    <c:autoUpdate val="0"/>
+  </c:externalData>
+</c:chartSpace>
+</file>
+
+<file path=ppt/charts/chart3.xml><?xml version="1.0" encoding="utf-8"?>
+<c:chartSpace xmlns:c="http://schemas.openxmlformats.org/drawingml/2006/chart" xmlns:a="http://schemas.openxmlformats.org/drawingml/2006/main" xmlns:r="http://schemas.openxmlformats.org/officeDocument/2006/relationships">
+  <c:date1904 val="0"/>
+  <c:lang val="en-US"/>
+  <c:roundedCorners val="0"/>
+  <mc:AlternateContent xmlns:mc="http://schemas.openxmlformats.org/markup-compatibility/2006">
+    <mc:Choice xmlns:c14="http://schemas.microsoft.com/office/drawing/2007/8/2/chart" Requires="c14">
+      <c14:style val="102"/>
+    </mc:Choice>
+    <mc:Fallback>
+      <c:style val="2"/>
+    </mc:Fallback>
+  </mc:AlternateContent>
+  <c:chart>
+    <c:title>
+      <c:tx>
+        <c:rich>
+          <a:bodyPr/>
+          <a:lstStyle/>
+          <a:p>
+            <a:pPr>
+              <a:defRPr/>
+            </a:pPr>
+            <a:r>
+              <a:rPr lang="en-US"/>
+              <a:t>Optimized Production Rates</a:t>
+            </a:r>
+          </a:p>
+        </c:rich>
+      </c:tx>
+      <c:layout/>
+      <c:overlay val="0"/>
+    </c:title>
+    <c:autoTitleDeleted val="0"/>
+    <c:plotArea>
+      <c:layout/>
+      <c:barChart>
+        <c:barDir val="col"/>
+        <c:grouping val="clustered"/>
+        <c:varyColors val="0"/>
+        <c:ser>
+          <c:idx val="0"/>
+          <c:order val="0"/>
+          <c:tx>
+            <c:strRef>
+              <c:f>'[Chart in Microsoft PowerPoint]optimized_production_rates'!$B$1</c:f>
+              <c:strCache>
+                <c:ptCount val="1"/>
+                <c:pt idx="0">
+                  <c:v>15_genes</c:v>
+                </c:pt>
+              </c:strCache>
+            </c:strRef>
+          </c:tx>
+          <c:invertIfNegative val="0"/>
+          <c:cat>
+            <c:strRef>
+              <c:f>'[Chart in Microsoft PowerPoint]optimized_production_rates'!$A$2:$A$16</c:f>
+              <c:strCache>
+                <c:ptCount val="15"/>
+                <c:pt idx="0">
+                  <c:v>ACE2</c:v>
+                </c:pt>
+                <c:pt idx="1">
+                  <c:v>ASH1</c:v>
+                </c:pt>
+                <c:pt idx="2">
+                  <c:v>CIN5</c:v>
+                </c:pt>
+                <c:pt idx="3">
+                  <c:v>GCR2</c:v>
+                </c:pt>
+                <c:pt idx="4">
+                  <c:v>GLN3</c:v>
+                </c:pt>
+                <c:pt idx="5">
+                  <c:v>HAP4</c:v>
+                </c:pt>
+                <c:pt idx="6">
+                  <c:v>HMO1</c:v>
+                </c:pt>
+                <c:pt idx="7">
+                  <c:v>MSN2</c:v>
+                </c:pt>
+                <c:pt idx="8">
+                  <c:v>SFP1</c:v>
+                </c:pt>
+                <c:pt idx="9">
+                  <c:v>STB5</c:v>
+                </c:pt>
+                <c:pt idx="10">
+                  <c:v>SWI4</c:v>
+                </c:pt>
+                <c:pt idx="11">
+                  <c:v>SWI5</c:v>
+                </c:pt>
+                <c:pt idx="12">
+                  <c:v>YHP1</c:v>
+                </c:pt>
+                <c:pt idx="13">
+                  <c:v>YOX1</c:v>
+                </c:pt>
+                <c:pt idx="14">
+                  <c:v>ZAP1</c:v>
+                </c:pt>
+              </c:strCache>
+            </c:strRef>
+          </c:cat>
+          <c:val>
+            <c:numRef>
+              <c:f>'[Chart in Microsoft PowerPoint]optimized_production_rates'!$B$2:$B$16</c:f>
+              <c:numCache>
+                <c:formatCode>General</c:formatCode>
+                <c:ptCount val="15"/>
+                <c:pt idx="0">
+                  <c:v>0.35516742653978156</c:v>
+                </c:pt>
+                <c:pt idx="1">
+                  <c:v>1.8962614800210664</c:v>
+                </c:pt>
+                <c:pt idx="2">
+                  <c:v>0.28689594163846527</c:v>
+                </c:pt>
+                <c:pt idx="3">
+                  <c:v>7.0183728219380237E-2</c:v>
+                </c:pt>
+                <c:pt idx="4">
+                  <c:v>0.57145610087495158</c:v>
+                </c:pt>
+                <c:pt idx="5">
+                  <c:v>1.447263834530683</c:v>
+                </c:pt>
+                <c:pt idx="6">
+                  <c:v>0.14131546653406893</c:v>
+                </c:pt>
+                <c:pt idx="7">
+                  <c:v>1.0154330034941059</c:v>
+                </c:pt>
+                <c:pt idx="8">
+                  <c:v>1.4100107312205792</c:v>
+                </c:pt>
+                <c:pt idx="9">
+                  <c:v>4.4695057437905333E-2</c:v>
+                </c:pt>
+                <c:pt idx="10">
+                  <c:v>9.5027339464695184E-3</c:v>
+                </c:pt>
+                <c:pt idx="11">
+                  <c:v>0.4566707739263276</c:v>
+                </c:pt>
+                <c:pt idx="12">
+                  <c:v>0.60358221822628377</c:v>
+                </c:pt>
+                <c:pt idx="13">
+                  <c:v>0.43142751851927963</c:v>
+                </c:pt>
+                <c:pt idx="14">
+                  <c:v>1.9681546502850804E-2</c:v>
+                </c:pt>
+              </c:numCache>
+            </c:numRef>
+          </c:val>
+        </c:ser>
+        <c:dLbls>
+          <c:showLegendKey val="0"/>
+          <c:showVal val="0"/>
+          <c:showCatName val="0"/>
+          <c:showSerName val="0"/>
+          <c:showPercent val="0"/>
+          <c:showBubbleSize val="0"/>
+        </c:dLbls>
+        <c:gapWidth val="150"/>
+        <c:axId val="103973376"/>
+        <c:axId val="99397568"/>
+      </c:barChart>
+      <c:catAx>
+        <c:axId val="103973376"/>
+        <c:scaling>
+          <c:orientation val="minMax"/>
+        </c:scaling>
+        <c:delete val="0"/>
+        <c:axPos val="b"/>
+        <c:numFmt formatCode="General" sourceLinked="0"/>
+        <c:majorTickMark val="out"/>
+        <c:minorTickMark val="none"/>
+        <c:tickLblPos val="nextTo"/>
+        <c:crossAx val="99397568"/>
+        <c:crosses val="autoZero"/>
+        <c:auto val="1"/>
+        <c:lblAlgn val="ctr"/>
+        <c:lblOffset val="100"/>
+        <c:noMultiLvlLbl val="0"/>
+      </c:catAx>
+      <c:valAx>
+        <c:axId val="99397568"/>
+        <c:scaling>
+          <c:orientation val="minMax"/>
+        </c:scaling>
+        <c:delete val="0"/>
+        <c:axPos val="l"/>
+        <c:majorGridlines/>
+        <c:numFmt formatCode="General" sourceLinked="1"/>
+        <c:majorTickMark val="out"/>
+        <c:minorTickMark val="none"/>
+        <c:tickLblPos val="nextTo"/>
+        <c:crossAx val="103973376"/>
         <c:crosses val="autoZero"/>
         <c:crossBetween val="between"/>
       </c:valAx>
@@ -1141,239 +1052,6 @@
             </a:pPr>
             <a:r>
               <a:rPr lang="en-US"/>
-              <a:t>Optimized Production Rates</a:t>
-            </a:r>
-          </a:p>
-        </c:rich>
-      </c:tx>
-      <c:layout/>
-      <c:overlay val="0"/>
-    </c:title>
-    <c:autoTitleDeleted val="0"/>
-    <c:plotArea>
-      <c:layout/>
-      <c:barChart>
-        <c:barDir val="col"/>
-        <c:grouping val="clustered"/>
-        <c:varyColors val="0"/>
-        <c:ser>
-          <c:idx val="0"/>
-          <c:order val="0"/>
-          <c:tx>
-            <c:strRef>
-              <c:f>'[Chart in Microsoft PowerPoint]optimized_production_rates'!$B$1</c:f>
-              <c:strCache>
-                <c:ptCount val="1"/>
-                <c:pt idx="0">
-                  <c:v>15_genes</c:v>
-                </c:pt>
-              </c:strCache>
-            </c:strRef>
-          </c:tx>
-          <c:invertIfNegative val="0"/>
-          <c:cat>
-            <c:strRef>
-              <c:f>'[Chart in Microsoft PowerPoint]optimized_production_rates'!$A$2:$A$16</c:f>
-              <c:strCache>
-                <c:ptCount val="15"/>
-                <c:pt idx="0">
-                  <c:v>ACE2</c:v>
-                </c:pt>
-                <c:pt idx="1">
-                  <c:v>ASH1</c:v>
-                </c:pt>
-                <c:pt idx="2">
-                  <c:v>CIN5</c:v>
-                </c:pt>
-                <c:pt idx="3">
-                  <c:v>GCR2</c:v>
-                </c:pt>
-                <c:pt idx="4">
-                  <c:v>GLN3</c:v>
-                </c:pt>
-                <c:pt idx="5">
-                  <c:v>HAP4</c:v>
-                </c:pt>
-                <c:pt idx="6">
-                  <c:v>HMO1</c:v>
-                </c:pt>
-                <c:pt idx="7">
-                  <c:v>MSN2</c:v>
-                </c:pt>
-                <c:pt idx="8">
-                  <c:v>SFP1</c:v>
-                </c:pt>
-                <c:pt idx="9">
-                  <c:v>STB5</c:v>
-                </c:pt>
-                <c:pt idx="10">
-                  <c:v>SWI4</c:v>
-                </c:pt>
-                <c:pt idx="11">
-                  <c:v>SWI5</c:v>
-                </c:pt>
-                <c:pt idx="12">
-                  <c:v>YHP1</c:v>
-                </c:pt>
-                <c:pt idx="13">
-                  <c:v>YOX1</c:v>
-                </c:pt>
-                <c:pt idx="14">
-                  <c:v>ZAP1</c:v>
-                </c:pt>
-              </c:strCache>
-            </c:strRef>
-          </c:cat>
-          <c:val>
-            <c:numRef>
-              <c:f>'[Chart in Microsoft PowerPoint]optimized_production_rates'!$B$2:$B$16</c:f>
-              <c:numCache>
-                <c:formatCode>General</c:formatCode>
-                <c:ptCount val="15"/>
-                <c:pt idx="0">
-                  <c:v>0.35516742653978156</c:v>
-                </c:pt>
-                <c:pt idx="1">
-                  <c:v>1.8962614800210664</c:v>
-                </c:pt>
-                <c:pt idx="2">
-                  <c:v>0.28689594163846527</c:v>
-                </c:pt>
-                <c:pt idx="3">
-                  <c:v>7.0183728219380237E-2</c:v>
-                </c:pt>
-                <c:pt idx="4">
-                  <c:v>0.57145610087495158</c:v>
-                </c:pt>
-                <c:pt idx="5">
-                  <c:v>1.447263834530683</c:v>
-                </c:pt>
-                <c:pt idx="6">
-                  <c:v>0.14131546653406893</c:v>
-                </c:pt>
-                <c:pt idx="7">
-                  <c:v>1.0154330034941059</c:v>
-                </c:pt>
-                <c:pt idx="8">
-                  <c:v>1.4100107312205792</c:v>
-                </c:pt>
-                <c:pt idx="9">
-                  <c:v>4.4695057437905333E-2</c:v>
-                </c:pt>
-                <c:pt idx="10">
-                  <c:v>9.5027339464695184E-3</c:v>
-                </c:pt>
-                <c:pt idx="11">
-                  <c:v>0.4566707739263276</c:v>
-                </c:pt>
-                <c:pt idx="12">
-                  <c:v>0.60358221822628377</c:v>
-                </c:pt>
-                <c:pt idx="13">
-                  <c:v>0.43142751851927963</c:v>
-                </c:pt>
-                <c:pt idx="14">
-                  <c:v>1.9681546502850804E-2</c:v>
-                </c:pt>
-              </c:numCache>
-            </c:numRef>
-          </c:val>
-        </c:ser>
-        <c:dLbls>
-          <c:showLegendKey val="0"/>
-          <c:showVal val="0"/>
-          <c:showCatName val="0"/>
-          <c:showSerName val="0"/>
-          <c:showPercent val="0"/>
-          <c:showBubbleSize val="0"/>
-        </c:dLbls>
-        <c:gapWidth val="150"/>
-        <c:axId val="336866584"/>
-        <c:axId val="336859920"/>
-      </c:barChart>
-      <c:catAx>
-        <c:axId val="336866584"/>
-        <c:scaling>
-          <c:orientation val="minMax"/>
-        </c:scaling>
-        <c:delete val="0"/>
-        <c:axPos val="b"/>
-        <c:numFmt formatCode="General" sourceLinked="0"/>
-        <c:majorTickMark val="out"/>
-        <c:minorTickMark val="none"/>
-        <c:tickLblPos val="nextTo"/>
-        <c:crossAx val="336859920"/>
-        <c:crosses val="autoZero"/>
-        <c:auto val="1"/>
-        <c:lblAlgn val="ctr"/>
-        <c:lblOffset val="100"/>
-        <c:noMultiLvlLbl val="0"/>
-      </c:catAx>
-      <c:valAx>
-        <c:axId val="336859920"/>
-        <c:scaling>
-          <c:orientation val="minMax"/>
-        </c:scaling>
-        <c:delete val="0"/>
-        <c:axPos val="l"/>
-        <c:majorGridlines/>
-        <c:numFmt formatCode="General" sourceLinked="1"/>
-        <c:majorTickMark val="out"/>
-        <c:minorTickMark val="none"/>
-        <c:tickLblPos val="nextTo"/>
-        <c:crossAx val="336866584"/>
-        <c:crosses val="autoZero"/>
-        <c:crossBetween val="between"/>
-      </c:valAx>
-    </c:plotArea>
-    <c:plotVisOnly val="1"/>
-    <c:dispBlanksAs val="gap"/>
-    <c:showDLblsOverMax val="0"/>
-  </c:chart>
-  <c:txPr>
-    <a:bodyPr/>
-    <a:lstStyle/>
-    <a:p>
-      <a:pPr>
-        <a:defRPr>
-          <a:latin typeface="Arial" panose="020B0604020202020204" pitchFamily="34" charset="0"/>
-          <a:cs typeface="Arial" panose="020B0604020202020204" pitchFamily="34" charset="0"/>
-        </a:defRPr>
-      </a:pPr>
-      <a:endParaRPr lang="en-US"/>
-    </a:p>
-  </c:txPr>
-  <c:externalData r:id="rId1">
-    <c:autoUpdate val="0"/>
-  </c:externalData>
-</c:chartSpace>
-</file>
-
-<file path=ppt/charts/chart5.xml><?xml version="1.0" encoding="utf-8"?>
-<c:chartSpace xmlns:c="http://schemas.openxmlformats.org/drawingml/2006/chart" xmlns:a="http://schemas.openxmlformats.org/drawingml/2006/main" xmlns:r="http://schemas.openxmlformats.org/officeDocument/2006/relationships">
-  <c:date1904 val="0"/>
-  <c:lang val="en-US"/>
-  <c:roundedCorners val="0"/>
-  <mc:AlternateContent xmlns:mc="http://schemas.openxmlformats.org/markup-compatibility/2006">
-    <mc:Choice xmlns:c14="http://schemas.microsoft.com/office/drawing/2007/8/2/chart" Requires="c14">
-      <c14:style val="102"/>
-    </mc:Choice>
-    <mc:Fallback>
-      <c:style val="2"/>
-    </mc:Fallback>
-  </mc:AlternateContent>
-  <c:chart>
-    <c:title>
-      <c:tx>
-        <c:rich>
-          <a:bodyPr/>
-          <a:lstStyle/>
-          <a:p>
-            <a:pPr>
-              <a:defRPr/>
-            </a:pPr>
-            <a:r>
-              <a:rPr lang="en-US"/>
               <a:t>Optimized Threshold b</a:t>
             </a:r>
           </a:p>
@@ -1521,11 +1199,11 @@
           <c:showBubbleSize val="0"/>
         </c:dLbls>
         <c:gapWidth val="150"/>
-        <c:axId val="336863840"/>
-        <c:axId val="336860312"/>
+        <c:axId val="103974400"/>
+        <c:axId val="99399296"/>
       </c:barChart>
       <c:catAx>
-        <c:axId val="336863840"/>
+        <c:axId val="103974400"/>
         <c:scaling>
           <c:orientation val="minMax"/>
         </c:scaling>
@@ -1535,7 +1213,7 @@
         <c:majorTickMark val="out"/>
         <c:minorTickMark val="none"/>
         <c:tickLblPos val="nextTo"/>
-        <c:crossAx val="336860312"/>
+        <c:crossAx val="99399296"/>
         <c:crosses val="autoZero"/>
         <c:auto val="1"/>
         <c:lblAlgn val="ctr"/>
@@ -1543,7 +1221,7 @@
         <c:noMultiLvlLbl val="0"/>
       </c:catAx>
       <c:valAx>
-        <c:axId val="336860312"/>
+        <c:axId val="99399296"/>
         <c:scaling>
           <c:orientation val="minMax"/>
         </c:scaling>
@@ -1554,7 +1232,7 @@
         <c:majorTickMark val="out"/>
         <c:minorTickMark val="none"/>
         <c:tickLblPos val="nextTo"/>
-        <c:crossAx val="336863840"/>
+        <c:crossAx val="103974400"/>
         <c:crosses val="autoZero"/>
         <c:crossBetween val="between"/>
       </c:valAx>
@@ -5307,7 +4985,7 @@
         <p:spPr>
           <a:xfrm>
             <a:off x="704708" y="26678609"/>
-            <a:ext cx="11607036" cy="892552"/>
+            <a:ext cx="11607036" cy="492443"/>
           </a:xfrm>
           <a:prstGeom prst="rect">
             <a:avLst/>
@@ -5335,35 +5013,7 @@
                 <a:latin typeface="Arial" panose="020B0604020202020204" pitchFamily="34" charset="0"/>
                 <a:cs typeface="Arial" panose="020B0604020202020204" pitchFamily="34" charset="0"/>
               </a:rPr>
-              <a:t>analysis </a:t>
-            </a:r>
-            <a:r>
-              <a:rPr lang="en-US" sz="2600" b="1" dirty="0">
-                <a:latin typeface="Arial" panose="020B0604020202020204" pitchFamily="34" charset="0"/>
-                <a:cs typeface="Arial" panose="020B0604020202020204" pitchFamily="34" charset="0"/>
-              </a:rPr>
-              <a:t>of the </a:t>
-            </a:r>
-            <a:r>
-              <a:rPr lang="en-US" sz="2600" b="1" dirty="0" smtClean="0">
-                <a:latin typeface="Arial" panose="020B0604020202020204" pitchFamily="34" charset="0"/>
-                <a:cs typeface="Arial" panose="020B0604020202020204" pitchFamily="34" charset="0"/>
-              </a:rPr>
-              <a:t>largest </a:t>
-            </a:r>
-            <a:r>
-              <a:rPr lang="en-US" sz="2600" b="1" dirty="0">
-                <a:latin typeface="Arial" panose="020B0604020202020204" pitchFamily="34" charset="0"/>
-                <a:cs typeface="Arial" panose="020B0604020202020204" pitchFamily="34" charset="0"/>
-              </a:rPr>
-              <a:t>and </a:t>
-            </a:r>
-            <a:r>
-              <a:rPr lang="en-US" sz="2600" b="1" dirty="0" smtClean="0">
-                <a:latin typeface="Arial" panose="020B0604020202020204" pitchFamily="34" charset="0"/>
-                <a:cs typeface="Arial" panose="020B0604020202020204" pitchFamily="34" charset="0"/>
-              </a:rPr>
-              <a:t>smallest GRNs suggests </a:t>
+              <a:t>analysis suggests </a:t>
             </a:r>
             <a:r>
               <a:rPr lang="en-US" sz="2600" b="1" dirty="0">
@@ -5534,90 +5184,104 @@
                 <a:latin typeface="Arial" panose="020B0604020202020204" pitchFamily="34" charset="0"/>
                 <a:cs typeface="Arial" panose="020B0604020202020204" pitchFamily="34" charset="0"/>
               </a:rPr>
-              <a:t>For their work on the </a:t>
+              <a:t>For their work on the GRNmap code, we would like to thank Juan S. Carrillo, Trixie Anne M. Roque, </a:t>
             </a:r>
             <a:r>
               <a:rPr lang="en-US" sz="1200" b="1" dirty="0" err="1">
                 <a:latin typeface="Arial" panose="020B0604020202020204" pitchFamily="34" charset="0"/>
                 <a:cs typeface="Arial" panose="020B0604020202020204" pitchFamily="34" charset="0"/>
               </a:rPr>
-              <a:t>GRNmap</a:t>
+              <a:t>Chukwuemeka</a:t>
             </a:r>
             <a:r>
               <a:rPr lang="en-US" sz="1200" b="1" dirty="0">
                 <a:latin typeface="Arial" panose="020B0604020202020204" pitchFamily="34" charset="0"/>
                 <a:cs typeface="Arial" panose="020B0604020202020204" pitchFamily="34" charset="0"/>
               </a:rPr>
-              <a:t> code, we would like to thank Juan S. Carrillo, Trixie Anne M. Roque, </a:t>
+              <a:t> E. </a:t>
             </a:r>
             <a:r>
               <a:rPr lang="en-US" sz="1200" b="1" dirty="0" err="1">
                 <a:latin typeface="Arial" panose="020B0604020202020204" pitchFamily="34" charset="0"/>
                 <a:cs typeface="Arial" panose="020B0604020202020204" pitchFamily="34" charset="0"/>
               </a:rPr>
-              <a:t>Chukwuemeka</a:t>
+              <a:t>Azinge</a:t>
             </a:r>
             <a:r>
               <a:rPr lang="en-US" sz="1200" b="1" dirty="0">
                 <a:latin typeface="Arial" panose="020B0604020202020204" pitchFamily="34" charset="0"/>
                 <a:cs typeface="Arial" panose="020B0604020202020204" pitchFamily="34" charset="0"/>
               </a:rPr>
-              <a:t> E. </a:t>
+              <a:t>, Katrina </a:t>
             </a:r>
             <a:r>
               <a:rPr lang="en-US" sz="1200" b="1" dirty="0" err="1">
                 <a:latin typeface="Arial" panose="020B0604020202020204" pitchFamily="34" charset="0"/>
                 <a:cs typeface="Arial" panose="020B0604020202020204" pitchFamily="34" charset="0"/>
               </a:rPr>
-              <a:t>Azinge</a:t>
+              <a:t>Sherbina</a:t>
             </a:r>
             <a:r>
               <a:rPr lang="en-US" sz="1200" b="1" dirty="0">
                 <a:latin typeface="Arial" panose="020B0604020202020204" pitchFamily="34" charset="0"/>
                 <a:cs typeface="Arial" panose="020B0604020202020204" pitchFamily="34" charset="0"/>
               </a:rPr>
-              <a:t>, Katrina </a:t>
+              <a:t>, and Nicholas A. </a:t>
             </a:r>
             <a:r>
               <a:rPr lang="en-US" sz="1200" b="1" dirty="0" err="1">
                 <a:latin typeface="Arial" panose="020B0604020202020204" pitchFamily="34" charset="0"/>
                 <a:cs typeface="Arial" panose="020B0604020202020204" pitchFamily="34" charset="0"/>
               </a:rPr>
-              <a:t>Sherbina</a:t>
+              <a:t>Rohacz</a:t>
             </a:r>
             <a:r>
               <a:rPr lang="en-US" sz="1200" b="1" dirty="0">
                 <a:latin typeface="Arial" panose="020B0604020202020204" pitchFamily="34" charset="0"/>
                 <a:cs typeface="Arial" panose="020B0604020202020204" pitchFamily="34" charset="0"/>
               </a:rPr>
-              <a:t>, and Nicholas A. </a:t>
+              <a:t>. We thank Nicole A. Anguiano,  </a:t>
             </a:r>
             <a:r>
               <a:rPr lang="en-US" sz="1200" b="1" dirty="0" err="1">
                 <a:latin typeface="Arial" panose="020B0604020202020204" pitchFamily="34" charset="0"/>
                 <a:cs typeface="Arial" panose="020B0604020202020204" pitchFamily="34" charset="0"/>
               </a:rPr>
-              <a:t>Rohacz</a:t>
+              <a:t>Anindita</a:t>
             </a:r>
             <a:r>
               <a:rPr lang="en-US" sz="1200" b="1" dirty="0">
                 <a:latin typeface="Arial" panose="020B0604020202020204" pitchFamily="34" charset="0"/>
                 <a:cs typeface="Arial" panose="020B0604020202020204" pitchFamily="34" charset="0"/>
               </a:rPr>
-              <a:t>. We thank Nicole A. Anguiano,  </a:t>
+              <a:t> </a:t>
             </a:r>
             <a:r>
               <a:rPr lang="en-US" sz="1200" b="1" dirty="0" err="1">
                 <a:latin typeface="Arial" panose="020B0604020202020204" pitchFamily="34" charset="0"/>
                 <a:cs typeface="Arial" panose="020B0604020202020204" pitchFamily="34" charset="0"/>
               </a:rPr>
-              <a:t>Anindita</a:t>
+              <a:t>Varshneya</a:t>
             </a:r>
             <a:r>
               <a:rPr lang="en-US" sz="1200" b="1" dirty="0">
                 <a:latin typeface="Arial" panose="020B0604020202020204" pitchFamily="34" charset="0"/>
                 <a:cs typeface="Arial" panose="020B0604020202020204" pitchFamily="34" charset="0"/>
               </a:rPr>
+              <a:t>, </a:t>
+            </a:r>
+            <a:r>
+              <a:rPr lang="en-US" sz="1200" b="1" dirty="0" err="1">
+                <a:latin typeface="Arial" panose="020B0604020202020204" pitchFamily="34" charset="0"/>
+                <a:cs typeface="Arial" panose="020B0604020202020204" pitchFamily="34" charset="0"/>
+              </a:rPr>
+              <a:t>Mihir</a:t>
+            </a:r>
+            <a:r>
+              <a:rPr lang="en-US" sz="1200" b="1" dirty="0">
+                <a:latin typeface="Arial" panose="020B0604020202020204" pitchFamily="34" charset="0"/>
+                <a:cs typeface="Arial" panose="020B0604020202020204" pitchFamily="34" charset="0"/>
+              </a:rPr>
               <a:t> </a:t>
             </a:r>
             <a:r>
@@ -5625,56 +5289,14 @@
                 <a:latin typeface="Arial" panose="020B0604020202020204" pitchFamily="34" charset="0"/>
                 <a:cs typeface="Arial" panose="020B0604020202020204" pitchFamily="34" charset="0"/>
               </a:rPr>
-              <a:t>Varshneya</a:t>
+              <a:t>Samdarshi</a:t>
             </a:r>
             <a:r>
               <a:rPr lang="en-US" sz="1200" b="1" dirty="0">
                 <a:latin typeface="Arial" panose="020B0604020202020204" pitchFamily="34" charset="0"/>
                 <a:cs typeface="Arial" panose="020B0604020202020204" pitchFamily="34" charset="0"/>
               </a:rPr>
-              <a:t>, </a:t>
-            </a:r>
-            <a:r>
-              <a:rPr lang="en-US" sz="1200" b="1" dirty="0" err="1">
-                <a:latin typeface="Arial" panose="020B0604020202020204" pitchFamily="34" charset="0"/>
-                <a:cs typeface="Arial" panose="020B0604020202020204" pitchFamily="34" charset="0"/>
-              </a:rPr>
-              <a:t>Mihir</a:t>
-            </a:r>
-            <a:r>
-              <a:rPr lang="en-US" sz="1200" b="1" dirty="0">
-                <a:latin typeface="Arial" panose="020B0604020202020204" pitchFamily="34" charset="0"/>
-                <a:cs typeface="Arial" panose="020B0604020202020204" pitchFamily="34" charset="0"/>
-              </a:rPr>
-              <a:t> </a:t>
-            </a:r>
-            <a:r>
-              <a:rPr lang="en-US" sz="1200" b="1" dirty="0" err="1">
-                <a:latin typeface="Arial" panose="020B0604020202020204" pitchFamily="34" charset="0"/>
-                <a:cs typeface="Arial" panose="020B0604020202020204" pitchFamily="34" charset="0"/>
-              </a:rPr>
-              <a:t>Samdarshi</a:t>
-            </a:r>
-            <a:r>
-              <a:rPr lang="en-US" sz="1200" b="1" dirty="0">
-                <a:latin typeface="Arial" panose="020B0604020202020204" pitchFamily="34" charset="0"/>
-                <a:cs typeface="Arial" panose="020B0604020202020204" pitchFamily="34" charset="0"/>
-              </a:rPr>
-              <a:t>, and Britain J. Southwick for their work on the </a:t>
-            </a:r>
-            <a:r>
-              <a:rPr lang="en-US" sz="1200" b="1" dirty="0" err="1">
-                <a:latin typeface="Arial" panose="020B0604020202020204" pitchFamily="34" charset="0"/>
-                <a:cs typeface="Arial" panose="020B0604020202020204" pitchFamily="34" charset="0"/>
-              </a:rPr>
-              <a:t>GRNsight</a:t>
-            </a:r>
-            <a:r>
-              <a:rPr lang="en-US" sz="1200" b="1" dirty="0">
-                <a:latin typeface="Arial" panose="020B0604020202020204" pitchFamily="34" charset="0"/>
-                <a:cs typeface="Arial" panose="020B0604020202020204" pitchFamily="34" charset="0"/>
-              </a:rPr>
-              <a:t> visualization software. Microarray data were collected by Cybele Arsan, Wesley </a:t>
+              <a:t>, and Britain J. Southwick for their work on the GRNsight visualization software. Microarray data were collected by Cybele Arsan, Wesley </a:t>
             </a:r>
             <a:r>
               <a:rPr lang="en-US" sz="1200" b="1" dirty="0" err="1">
@@ -5775,7 +5397,7 @@
         </p:nvSpPr>
         <p:spPr>
           <a:xfrm>
-            <a:off x="27071582" y="10498573"/>
+            <a:off x="27055749" y="8693603"/>
             <a:ext cx="16250103" cy="461665"/>
           </a:xfrm>
           <a:prstGeom prst="rect">
@@ -6190,7 +5812,7 @@
           <a:graphicData uri="http://schemas.openxmlformats.org/presentationml/2006/ole">
             <mc:AlternateContent xmlns:mc="http://schemas.openxmlformats.org/markup-compatibility/2006">
               <mc:Choice xmlns:v="urn:schemas-microsoft-com:vml" Requires="v">
-                <p:oleObj spid="_x0000_s6654" name="Equation" r:id="rId4" imgW="2108160" imgH="444240" progId="Equation.3">
+                <p:oleObj spid="_x0000_s6680" name="Equation" r:id="rId4" imgW="2108160" imgH="444240" progId="Equation.3">
                   <p:embed/>
                 </p:oleObj>
               </mc:Choice>
@@ -6258,7 +5880,7 @@
           <a:graphicData uri="http://schemas.openxmlformats.org/presentationml/2006/ole">
             <mc:AlternateContent xmlns:mc="http://schemas.openxmlformats.org/markup-compatibility/2006">
               <mc:Choice xmlns:v="urn:schemas-microsoft-com:vml" Requires="v">
-                <p:oleObj spid="_x0000_s6655" name="Equation" r:id="rId6" imgW="2743200" imgH="685800" progId="Equation.3">
+                <p:oleObj spid="_x0000_s6681" name="Equation" r:id="rId6" imgW="2743200" imgH="685800" progId="Equation.3">
                   <p:embed/>
                 </p:oleObj>
               </mc:Choice>
@@ -6387,15 +6009,15 @@
               <a:noFill/>
             </a:ln>
             <a:extLst>
-              <a:ext uri="{909E8E84-426E-40dd-AFC4-6F175D3DCCD1}">
-                <a14:hiddenFill xmlns:a14="http://schemas.microsoft.com/office/drawing/2010/main" xmlns="">
+              <a:ext uri="{909E8E84-426E-40DD-AFC4-6F175D3DCCD1}">
+                <a14:hiddenFill xmlns:a14="http://schemas.microsoft.com/office/drawing/2010/main">
                   <a:solidFill>
                     <a:srgbClr val="FFFFFF"/>
                   </a:solidFill>
                 </a14:hiddenFill>
               </a:ext>
-              <a:ext uri="{91240B29-F687-4f45-9708-019B960494DF}">
-                <a14:hiddenLine xmlns:a14="http://schemas.microsoft.com/office/drawing/2010/main" xmlns="" w="9525">
+              <a:ext uri="{91240B29-F687-4F45-9708-019B960494DF}">
+                <a14:hiddenLine xmlns:a14="http://schemas.microsoft.com/office/drawing/2010/main" w="9525">
                   <a:solidFill>
                     <a:srgbClr val="000000"/>
                   </a:solidFill>
@@ -6430,8 +6052,8 @@
               <a:noFill/>
             </a:ln>
             <a:extLst>
-              <a:ext uri="{91240B29-F687-4f45-9708-019B960494DF}">
-                <a14:hiddenLine xmlns:a14="http://schemas.microsoft.com/office/drawing/2010/main" xmlns="" w="9525">
+              <a:ext uri="{91240B29-F687-4F45-9708-019B960494DF}">
+                <a14:hiddenLine xmlns:a14="http://schemas.microsoft.com/office/drawing/2010/main" w="9525">
                   <a:solidFill>
                     <a:srgbClr val="000000"/>
                   </a:solidFill>
@@ -6560,7 +6182,7 @@
         <p:spPr>
           <a:xfrm>
             <a:off x="31577999" y="29836163"/>
-            <a:ext cx="11605156" cy="2499146"/>
+            <a:ext cx="11605156" cy="2529923"/>
           </a:xfrm>
           <a:prstGeom prst="rect">
             <a:avLst/>
@@ -6579,84 +6201,84 @@
               </a:lnSpc>
             </a:pPr>
             <a:r>
-              <a:rPr lang="en-US" sz="1150" b="1" dirty="0">
+              <a:rPr lang="en-US" sz="900" b="1" dirty="0">
                 <a:latin typeface="Arial" panose="020B0604020202020204" pitchFamily="34" charset="0"/>
                 <a:cs typeface="Arial" panose="020B0604020202020204" pitchFamily="34" charset="0"/>
               </a:rPr>
               <a:t>Belle, A., </a:t>
             </a:r>
             <a:r>
-              <a:rPr lang="en-US" sz="1150" b="1" dirty="0" err="1">
+              <a:rPr lang="en-US" sz="900" b="1" dirty="0" err="1">
                 <a:latin typeface="Arial" panose="020B0604020202020204" pitchFamily="34" charset="0"/>
                 <a:cs typeface="Arial" panose="020B0604020202020204" pitchFamily="34" charset="0"/>
               </a:rPr>
               <a:t>Tanay</a:t>
             </a:r>
             <a:r>
-              <a:rPr lang="en-US" sz="1150" b="1" dirty="0">
+              <a:rPr lang="en-US" sz="900" b="1" dirty="0">
                 <a:latin typeface="Arial" panose="020B0604020202020204" pitchFamily="34" charset="0"/>
                 <a:cs typeface="Arial" panose="020B0604020202020204" pitchFamily="34" charset="0"/>
               </a:rPr>
               <a:t>, A., </a:t>
             </a:r>
             <a:r>
-              <a:rPr lang="en-US" sz="1150" b="1" dirty="0" err="1">
+              <a:rPr lang="en-US" sz="900" b="1" dirty="0" err="1">
                 <a:latin typeface="Arial" panose="020B0604020202020204" pitchFamily="34" charset="0"/>
                 <a:cs typeface="Arial" panose="020B0604020202020204" pitchFamily="34" charset="0"/>
               </a:rPr>
               <a:t>Bitincka</a:t>
             </a:r>
             <a:r>
-              <a:rPr lang="en-US" sz="1150" b="1" dirty="0">
+              <a:rPr lang="en-US" sz="900" b="1" dirty="0">
                 <a:latin typeface="Arial" panose="020B0604020202020204" pitchFamily="34" charset="0"/>
                 <a:cs typeface="Arial" panose="020B0604020202020204" pitchFamily="34" charset="0"/>
               </a:rPr>
               <a:t>, L., Shamir, R., &amp; O’Shea, E. K. (2006). Quantification of protein half-lives in the budding yeast proteome</a:t>
             </a:r>
             <a:r>
-              <a:rPr lang="en-US" sz="1150" b="1" dirty="0" smtClean="0">
+              <a:rPr lang="en-US" sz="900" b="1" dirty="0" smtClean="0">
                 <a:latin typeface="Arial" panose="020B0604020202020204" pitchFamily="34" charset="0"/>
                 <a:cs typeface="Arial" panose="020B0604020202020204" pitchFamily="34" charset="0"/>
               </a:rPr>
               <a:t>. </a:t>
             </a:r>
             <a:r>
-              <a:rPr lang="en-US" sz="1150" b="1" i="1" dirty="0" smtClean="0">
+              <a:rPr lang="en-US" sz="900" b="1" i="1" dirty="0" smtClean="0">
                 <a:latin typeface="Arial" panose="020B0604020202020204" pitchFamily="34" charset="0"/>
                 <a:cs typeface="Arial" panose="020B0604020202020204" pitchFamily="34" charset="0"/>
               </a:rPr>
               <a:t>Proceedings </a:t>
             </a:r>
             <a:r>
-              <a:rPr lang="en-US" sz="1150" b="1" i="1" dirty="0">
+              <a:rPr lang="en-US" sz="900" b="1" i="1" dirty="0">
                 <a:latin typeface="Arial" panose="020B0604020202020204" pitchFamily="34" charset="0"/>
                 <a:cs typeface="Arial" panose="020B0604020202020204" pitchFamily="34" charset="0"/>
               </a:rPr>
               <a:t>of the National Academy of Sciences</a:t>
             </a:r>
             <a:r>
-              <a:rPr lang="en-US" sz="1150" b="1" dirty="0">
+              <a:rPr lang="en-US" sz="900" b="1" dirty="0">
                 <a:latin typeface="Arial" panose="020B0604020202020204" pitchFamily="34" charset="0"/>
                 <a:cs typeface="Arial" panose="020B0604020202020204" pitchFamily="34" charset="0"/>
               </a:rPr>
               <a:t>, </a:t>
             </a:r>
             <a:r>
-              <a:rPr lang="en-US" sz="1150" b="1" i="1" dirty="0">
+              <a:rPr lang="en-US" sz="900" b="1" i="1" dirty="0">
                 <a:latin typeface="Arial" panose="020B0604020202020204" pitchFamily="34" charset="0"/>
                 <a:cs typeface="Arial" panose="020B0604020202020204" pitchFamily="34" charset="0"/>
               </a:rPr>
               <a:t>103</a:t>
             </a:r>
             <a:r>
-              <a:rPr lang="en-US" sz="1150" b="1" dirty="0">
+              <a:rPr lang="en-US" sz="900" b="1" dirty="0">
                 <a:latin typeface="Arial" panose="020B0604020202020204" pitchFamily="34" charset="0"/>
                 <a:cs typeface="Arial" panose="020B0604020202020204" pitchFamily="34" charset="0"/>
               </a:rPr>
               <a:t>(35), 13004-13009</a:t>
             </a:r>
             <a:r>
-              <a:rPr lang="en-US" sz="1150" b="1" dirty="0" smtClean="0">
+              <a:rPr lang="en-US" sz="900" b="1" dirty="0" smtClean="0">
                 <a:latin typeface="Arial" panose="020B0604020202020204" pitchFamily="34" charset="0"/>
                 <a:cs typeface="Arial" panose="020B0604020202020204" pitchFamily="34" charset="0"/>
               </a:rPr>
@@ -6669,7 +6291,7 @@
                 <a:spcPct val="80000"/>
               </a:lnSpc>
             </a:pPr>
-            <a:endParaRPr lang="en-US" sz="1150" b="1" dirty="0" smtClean="0">
+            <a:endParaRPr lang="en-US" sz="900" b="1" dirty="0" smtClean="0">
               <a:latin typeface="Arial" panose="020B0604020202020204" pitchFamily="34" charset="0"/>
               <a:cs typeface="Arial" panose="020B0604020202020204" pitchFamily="34" charset="0"/>
             </a:endParaRPr>
@@ -6681,89 +6303,89 @@
               </a:lnSpc>
             </a:pPr>
             <a:r>
-              <a:rPr lang="en-US" sz="1150" b="1" dirty="0" err="1" smtClean="0">
+              <a:rPr lang="en-US" sz="900" b="1" dirty="0" err="1" smtClean="0">
                 <a:latin typeface="Arial" panose="020B0604020202020204" pitchFamily="34" charset="0"/>
                 <a:cs typeface="Arial" panose="020B0604020202020204" pitchFamily="34" charset="0"/>
               </a:rPr>
               <a:t>Dahlquist</a:t>
             </a:r>
             <a:r>
-              <a:rPr lang="en-US" sz="1150" b="1" dirty="0">
+              <a:rPr lang="en-US" sz="900" b="1" dirty="0">
                 <a:latin typeface="Arial" panose="020B0604020202020204" pitchFamily="34" charset="0"/>
                 <a:cs typeface="Arial" panose="020B0604020202020204" pitchFamily="34" charset="0"/>
               </a:rPr>
               <a:t>, K., Fitzpatrick, B., Camacho, E., </a:t>
             </a:r>
             <a:r>
-              <a:rPr lang="en-US" sz="1150" b="1" dirty="0" err="1">
+              <a:rPr lang="en-US" sz="900" b="1" dirty="0" err="1">
                 <a:latin typeface="Arial" panose="020B0604020202020204" pitchFamily="34" charset="0"/>
                 <a:cs typeface="Arial" panose="020B0604020202020204" pitchFamily="34" charset="0"/>
               </a:rPr>
               <a:t>Entzminger</a:t>
             </a:r>
             <a:r>
-              <a:rPr lang="en-US" sz="1150" b="1" dirty="0">
+              <a:rPr lang="en-US" sz="900" b="1" dirty="0">
                 <a:latin typeface="Arial" panose="020B0604020202020204" pitchFamily="34" charset="0"/>
                 <a:cs typeface="Arial" panose="020B0604020202020204" pitchFamily="34" charset="0"/>
               </a:rPr>
               <a:t>, S., &amp; </a:t>
             </a:r>
             <a:r>
-              <a:rPr lang="en-US" sz="1150" b="1" dirty="0" err="1">
+              <a:rPr lang="en-US" sz="900" b="1" dirty="0" err="1">
                 <a:latin typeface="Arial" panose="020B0604020202020204" pitchFamily="34" charset="0"/>
                 <a:cs typeface="Arial" panose="020B0604020202020204" pitchFamily="34" charset="0"/>
               </a:rPr>
               <a:t>Wanner</a:t>
             </a:r>
             <a:r>
-              <a:rPr lang="en-US" sz="1150" b="1" dirty="0">
+              <a:rPr lang="en-US" sz="900" b="1" dirty="0">
                 <a:latin typeface="Arial" panose="020B0604020202020204" pitchFamily="34" charset="0"/>
                 <a:cs typeface="Arial" panose="020B0604020202020204" pitchFamily="34" charset="0"/>
               </a:rPr>
               <a:t>, N. (2015). Parameter Estimation for Gene Regulatory Networks from Microarray Data: Cold Shock Response in Saccharomyces cerevisiae. </a:t>
             </a:r>
             <a:r>
-              <a:rPr lang="en-US" sz="1150" b="1" i="1" dirty="0">
+              <a:rPr lang="en-US" sz="900" b="1" i="1" dirty="0">
                 <a:latin typeface="Arial" panose="020B0604020202020204" pitchFamily="34" charset="0"/>
                 <a:cs typeface="Arial" panose="020B0604020202020204" pitchFamily="34" charset="0"/>
               </a:rPr>
               <a:t>Bulletin Of Mathematical Biology</a:t>
             </a:r>
             <a:r>
-              <a:rPr lang="en-US" sz="1150" b="1" dirty="0">
+              <a:rPr lang="en-US" sz="900" b="1" dirty="0">
                 <a:latin typeface="Arial" panose="020B0604020202020204" pitchFamily="34" charset="0"/>
                 <a:cs typeface="Arial" panose="020B0604020202020204" pitchFamily="34" charset="0"/>
               </a:rPr>
               <a:t>, </a:t>
             </a:r>
             <a:r>
-              <a:rPr lang="en-US" sz="1150" b="1" i="1" dirty="0">
+              <a:rPr lang="en-US" sz="900" b="1" i="1" dirty="0">
                 <a:latin typeface="Arial" panose="020B0604020202020204" pitchFamily="34" charset="0"/>
                 <a:cs typeface="Arial" panose="020B0604020202020204" pitchFamily="34" charset="0"/>
               </a:rPr>
               <a:t>77</a:t>
             </a:r>
             <a:r>
-              <a:rPr lang="en-US" sz="1150" b="1" dirty="0">
+              <a:rPr lang="en-US" sz="900" b="1" dirty="0">
                 <a:latin typeface="Arial" panose="020B0604020202020204" pitchFamily="34" charset="0"/>
                 <a:cs typeface="Arial" panose="020B0604020202020204" pitchFamily="34" charset="0"/>
               </a:rPr>
               <a:t>(8), 1457-1492. http://</a:t>
             </a:r>
             <a:r>
-              <a:rPr lang="en-US" sz="1150" b="1" dirty="0" smtClean="0">
+              <a:rPr lang="en-US" sz="900" b="1" dirty="0" smtClean="0">
                 <a:latin typeface="Arial" panose="020B0604020202020204" pitchFamily="34" charset="0"/>
                 <a:cs typeface="Arial" panose="020B0604020202020204" pitchFamily="34" charset="0"/>
               </a:rPr>
               <a:t>dx.doi.org/10.1007/s11538-015-0092-6.</a:t>
             </a:r>
             <a:br>
-              <a:rPr lang="en-US" sz="1150" b="1" dirty="0" smtClean="0">
+              <a:rPr lang="en-US" sz="900" b="1" dirty="0" smtClean="0">
                 <a:latin typeface="Arial" panose="020B0604020202020204" pitchFamily="34" charset="0"/>
                 <a:cs typeface="Arial" panose="020B0604020202020204" pitchFamily="34" charset="0"/>
               </a:rPr>
             </a:br>
-            <a:endParaRPr lang="en-US" sz="1150" b="1" dirty="0" smtClean="0">
+            <a:endParaRPr lang="en-US" sz="900" b="1" dirty="0" smtClean="0">
               <a:latin typeface="Arial" panose="020B0604020202020204" pitchFamily="34" charset="0"/>
               <a:cs typeface="Arial" panose="020B0604020202020204" pitchFamily="34" charset="0"/>
             </a:endParaRPr>
@@ -6775,161 +6397,161 @@
               </a:lnSpc>
             </a:pPr>
             <a:r>
-              <a:rPr lang="en-US" sz="1150" b="1" dirty="0" err="1">
+              <a:rPr lang="en-US" sz="900" b="1" dirty="0" err="1">
                 <a:latin typeface="Arial" panose="020B0604020202020204" pitchFamily="34" charset="0"/>
                 <a:cs typeface="Arial" panose="020B0604020202020204" pitchFamily="34" charset="0"/>
               </a:rPr>
               <a:t>Dário</a:t>
             </a:r>
             <a:r>
-              <a:rPr lang="en-US" sz="1150" b="1" dirty="0">
+              <a:rPr lang="en-US" sz="900" b="1" dirty="0">
                 <a:latin typeface="Arial" panose="020B0604020202020204" pitchFamily="34" charset="0"/>
                 <a:cs typeface="Arial" panose="020B0604020202020204" pitchFamily="34" charset="0"/>
               </a:rPr>
               <a:t> </a:t>
             </a:r>
             <a:r>
-              <a:rPr lang="en-US" sz="1150" b="1" dirty="0" err="1">
+              <a:rPr lang="en-US" sz="900" b="1" dirty="0" err="1">
                 <a:latin typeface="Arial" panose="020B0604020202020204" pitchFamily="34" charset="0"/>
                 <a:cs typeface="Arial" panose="020B0604020202020204" pitchFamily="34" charset="0"/>
               </a:rPr>
               <a:t>Abdulrehman</a:t>
             </a:r>
             <a:r>
-              <a:rPr lang="en-US" sz="1150" b="1" dirty="0">
+              <a:rPr lang="en-US" sz="900" b="1" dirty="0">
                 <a:latin typeface="Arial" panose="020B0604020202020204" pitchFamily="34" charset="0"/>
                 <a:cs typeface="Arial" panose="020B0604020202020204" pitchFamily="34" charset="0"/>
               </a:rPr>
               <a:t>, Pedro T. Monteiro, Miguel C. Teixeira, </a:t>
             </a:r>
             <a:r>
-              <a:rPr lang="en-US" sz="1150" b="1" dirty="0" err="1">
+              <a:rPr lang="en-US" sz="900" b="1" dirty="0" err="1">
                 <a:latin typeface="Arial" panose="020B0604020202020204" pitchFamily="34" charset="0"/>
                 <a:cs typeface="Arial" panose="020B0604020202020204" pitchFamily="34" charset="0"/>
               </a:rPr>
               <a:t>Nuno</a:t>
             </a:r>
             <a:r>
-              <a:rPr lang="en-US" sz="1150" b="1" dirty="0">
+              <a:rPr lang="en-US" sz="900" b="1" dirty="0">
                 <a:latin typeface="Arial" panose="020B0604020202020204" pitchFamily="34" charset="0"/>
                 <a:cs typeface="Arial" panose="020B0604020202020204" pitchFamily="34" charset="0"/>
               </a:rPr>
               <a:t> P. Mira, </a:t>
             </a:r>
             <a:r>
-              <a:rPr lang="en-US" sz="1150" b="1" dirty="0" err="1">
+              <a:rPr lang="en-US" sz="900" b="1" dirty="0" err="1">
                 <a:latin typeface="Arial" panose="020B0604020202020204" pitchFamily="34" charset="0"/>
                 <a:cs typeface="Arial" panose="020B0604020202020204" pitchFamily="34" charset="0"/>
               </a:rPr>
               <a:t>Artur</a:t>
             </a:r>
             <a:r>
-              <a:rPr lang="en-US" sz="1150" b="1" dirty="0">
+              <a:rPr lang="en-US" sz="900" b="1" dirty="0">
                 <a:latin typeface="Arial" panose="020B0604020202020204" pitchFamily="34" charset="0"/>
                 <a:cs typeface="Arial" panose="020B0604020202020204" pitchFamily="34" charset="0"/>
               </a:rPr>
               <a:t> B. </a:t>
             </a:r>
             <a:r>
-              <a:rPr lang="en-US" sz="1150" b="1" dirty="0" err="1">
+              <a:rPr lang="en-US" sz="900" b="1" dirty="0" err="1">
                 <a:latin typeface="Arial" panose="020B0604020202020204" pitchFamily="34" charset="0"/>
                 <a:cs typeface="Arial" panose="020B0604020202020204" pitchFamily="34" charset="0"/>
               </a:rPr>
               <a:t>Lourenço</a:t>
             </a:r>
             <a:r>
-              <a:rPr lang="en-US" sz="1150" b="1" dirty="0">
+              <a:rPr lang="en-US" sz="900" b="1" dirty="0">
                 <a:latin typeface="Arial" panose="020B0604020202020204" pitchFamily="34" charset="0"/>
                 <a:cs typeface="Arial" panose="020B0604020202020204" pitchFamily="34" charset="0"/>
               </a:rPr>
               <a:t>, Sandra C. dos Santos, </a:t>
             </a:r>
             <a:r>
-              <a:rPr lang="en-US" sz="1150" b="1" dirty="0" err="1">
+              <a:rPr lang="en-US" sz="900" b="1" dirty="0" err="1">
                 <a:latin typeface="Arial" panose="020B0604020202020204" pitchFamily="34" charset="0"/>
                 <a:cs typeface="Arial" panose="020B0604020202020204" pitchFamily="34" charset="0"/>
               </a:rPr>
               <a:t>Tânia</a:t>
             </a:r>
             <a:r>
-              <a:rPr lang="en-US" sz="1150" b="1" dirty="0">
+              <a:rPr lang="en-US" sz="900" b="1" dirty="0">
                 <a:latin typeface="Arial" panose="020B0604020202020204" pitchFamily="34" charset="0"/>
                 <a:cs typeface="Arial" panose="020B0604020202020204" pitchFamily="34" charset="0"/>
               </a:rPr>
               <a:t> R. </a:t>
             </a:r>
             <a:r>
-              <a:rPr lang="en-US" sz="1150" b="1" dirty="0" err="1">
+              <a:rPr lang="en-US" sz="900" b="1" dirty="0" err="1">
                 <a:latin typeface="Arial" panose="020B0604020202020204" pitchFamily="34" charset="0"/>
                 <a:cs typeface="Arial" panose="020B0604020202020204" pitchFamily="34" charset="0"/>
               </a:rPr>
               <a:t>Cabrito</a:t>
             </a:r>
             <a:r>
-              <a:rPr lang="en-US" sz="1150" b="1" dirty="0">
+              <a:rPr lang="en-US" sz="900" b="1" dirty="0">
                 <a:latin typeface="Arial" panose="020B0604020202020204" pitchFamily="34" charset="0"/>
                 <a:cs typeface="Arial" panose="020B0604020202020204" pitchFamily="34" charset="0"/>
               </a:rPr>
               <a:t>, Alexandre P. Francisco, Sara C. Madeira, Ricardo S. Aires, </a:t>
             </a:r>
             <a:r>
-              <a:rPr lang="en-US" sz="1150" b="1" dirty="0" err="1">
+              <a:rPr lang="en-US" sz="900" b="1" dirty="0" err="1">
                 <a:latin typeface="Arial" panose="020B0604020202020204" pitchFamily="34" charset="0"/>
                 <a:cs typeface="Arial" panose="020B0604020202020204" pitchFamily="34" charset="0"/>
               </a:rPr>
               <a:t>Arlindo</a:t>
             </a:r>
             <a:r>
-              <a:rPr lang="en-US" sz="1150" b="1" dirty="0">
+              <a:rPr lang="en-US" sz="900" b="1" dirty="0">
                 <a:latin typeface="Arial" panose="020B0604020202020204" pitchFamily="34" charset="0"/>
                 <a:cs typeface="Arial" panose="020B0604020202020204" pitchFamily="34" charset="0"/>
               </a:rPr>
               <a:t> L. Oliveira, Isabel </a:t>
             </a:r>
             <a:r>
-              <a:rPr lang="en-US" sz="1150" b="1" dirty="0" err="1">
+              <a:rPr lang="en-US" sz="900" b="1" dirty="0" err="1">
                 <a:latin typeface="Arial" panose="020B0604020202020204" pitchFamily="34" charset="0"/>
                 <a:cs typeface="Arial" panose="020B0604020202020204" pitchFamily="34" charset="0"/>
               </a:rPr>
               <a:t>Sá-Correia</a:t>
             </a:r>
             <a:r>
-              <a:rPr lang="en-US" sz="1150" b="1" dirty="0">
+              <a:rPr lang="en-US" sz="900" b="1" dirty="0">
                 <a:latin typeface="Arial" panose="020B0604020202020204" pitchFamily="34" charset="0"/>
                 <a:cs typeface="Arial" panose="020B0604020202020204" pitchFamily="34" charset="0"/>
               </a:rPr>
               <a:t>, Ana T. Freitas (2011). YEASTRACT: providing a programmatic access to curated transcriptional regulatory associations in </a:t>
             </a:r>
             <a:r>
-              <a:rPr lang="en-US" sz="1150" b="1" i="1" dirty="0">
+              <a:rPr lang="en-US" sz="900" b="1" i="1" dirty="0">
                 <a:latin typeface="Arial" panose="020B0604020202020204" pitchFamily="34" charset="0"/>
                 <a:cs typeface="Arial" panose="020B0604020202020204" pitchFamily="34" charset="0"/>
               </a:rPr>
               <a:t>Saccharomyces cerevisiae</a:t>
             </a:r>
             <a:r>
-              <a:rPr lang="en-US" sz="1150" b="1" dirty="0">
+              <a:rPr lang="en-US" sz="900" b="1" dirty="0">
                 <a:latin typeface="Arial" panose="020B0604020202020204" pitchFamily="34" charset="0"/>
                 <a:cs typeface="Arial" panose="020B0604020202020204" pitchFamily="34" charset="0"/>
               </a:rPr>
               <a:t> through a web services interface </a:t>
             </a:r>
             <a:r>
-              <a:rPr lang="en-US" sz="1150" b="1" dirty="0" err="1">
+              <a:rPr lang="en-US" sz="900" b="1" dirty="0" err="1">
                 <a:latin typeface="Arial" panose="020B0604020202020204" pitchFamily="34" charset="0"/>
                 <a:cs typeface="Arial" panose="020B0604020202020204" pitchFamily="34" charset="0"/>
               </a:rPr>
               <a:t>Nucl</a:t>
             </a:r>
             <a:r>
-              <a:rPr lang="en-US" sz="1150" b="1" dirty="0">
+              <a:rPr lang="en-US" sz="900" b="1" dirty="0">
                 <a:latin typeface="Arial" panose="020B0604020202020204" pitchFamily="34" charset="0"/>
                 <a:cs typeface="Arial" panose="020B0604020202020204" pitchFamily="34" charset="0"/>
               </a:rPr>
               <a:t>. Acids Res., 39: D136-D140, Oxford University Press</a:t>
             </a:r>
             <a:r>
-              <a:rPr lang="en-US" sz="1150" b="1" dirty="0" smtClean="0">
+              <a:rPr lang="en-US" sz="900" b="1" dirty="0" smtClean="0">
                 <a:latin typeface="Arial" panose="020B0604020202020204" pitchFamily="34" charset="0"/>
                 <a:cs typeface="Arial" panose="020B0604020202020204" pitchFamily="34" charset="0"/>
               </a:rPr>
@@ -6942,7 +6564,7 @@
                 <a:spcPct val="80000"/>
               </a:lnSpc>
             </a:pPr>
-            <a:endParaRPr lang="en-US" sz="1150" b="1" dirty="0" smtClean="0">
+            <a:endParaRPr lang="en-US" sz="900" b="1" dirty="0" smtClean="0">
               <a:latin typeface="Arial" panose="020B0604020202020204" pitchFamily="34" charset="0"/>
               <a:cs typeface="Arial" panose="020B0604020202020204" pitchFamily="34" charset="0"/>
             </a:endParaRPr>
@@ -6954,27 +6576,27 @@
               </a:lnSpc>
             </a:pPr>
             <a:r>
-              <a:rPr lang="en-US" sz="1150" b="1" dirty="0">
+              <a:rPr lang="en-US" sz="900" b="1" dirty="0">
                 <a:latin typeface="Arial" panose="020B0604020202020204" pitchFamily="34" charset="0"/>
                 <a:cs typeface="Arial" panose="020B0604020202020204" pitchFamily="34" charset="0"/>
               </a:rPr>
               <a:t>Freeman, S. (2002). </a:t>
             </a:r>
             <a:r>
-              <a:rPr lang="en-US" sz="1150" b="1" i="1" dirty="0">
+              <a:rPr lang="en-US" sz="900" b="1" i="1" dirty="0">
                 <a:latin typeface="Arial" panose="020B0604020202020204" pitchFamily="34" charset="0"/>
                 <a:cs typeface="Arial" panose="020B0604020202020204" pitchFamily="34" charset="0"/>
               </a:rPr>
               <a:t>Biological science</a:t>
             </a:r>
             <a:r>
-              <a:rPr lang="en-US" sz="1150" b="1" dirty="0">
+              <a:rPr lang="en-US" sz="900" b="1" dirty="0">
                 <a:latin typeface="Arial" panose="020B0604020202020204" pitchFamily="34" charset="0"/>
                 <a:cs typeface="Arial" panose="020B0604020202020204" pitchFamily="34" charset="0"/>
               </a:rPr>
               <a:t> (First ed.). Prentice Hall.</a:t>
             </a:r>
-            <a:endParaRPr lang="en-US" sz="1150" b="1" dirty="0" smtClean="0">
+            <a:endParaRPr lang="en-US" sz="900" b="1" dirty="0" smtClean="0">
               <a:latin typeface="Arial" panose="020B0604020202020204" pitchFamily="34" charset="0"/>
               <a:cs typeface="Arial" panose="020B0604020202020204" pitchFamily="34" charset="0"/>
             </a:endParaRPr>
@@ -6985,7 +6607,7 @@
                 <a:spcPct val="80000"/>
               </a:lnSpc>
             </a:pPr>
-            <a:endParaRPr lang="en-US" sz="1150" b="1" dirty="0">
+            <a:endParaRPr lang="en-US" sz="900" b="1" dirty="0">
               <a:latin typeface="Arial" panose="020B0604020202020204" pitchFamily="34" charset="0"/>
               <a:cs typeface="Arial" panose="020B0604020202020204" pitchFamily="34" charset="0"/>
             </a:endParaRPr>
@@ -6997,42 +6619,35 @@
               </a:lnSpc>
             </a:pPr>
             <a:r>
-              <a:rPr lang="en-US" sz="1150" b="1" dirty="0" err="1">
-                <a:latin typeface="Arial" panose="020B0604020202020204" pitchFamily="34" charset="0"/>
-                <a:cs typeface="Arial" panose="020B0604020202020204" pitchFamily="34" charset="0"/>
-              </a:rPr>
-              <a:t>GRNsight</a:t>
-            </a:r>
-            <a:r>
-              <a:rPr lang="en-US" sz="1150" b="1" dirty="0">
-                <a:latin typeface="Arial" panose="020B0604020202020204" pitchFamily="34" charset="0"/>
-                <a:cs typeface="Arial" panose="020B0604020202020204" pitchFamily="34" charset="0"/>
-              </a:rPr>
-              <a:t> - Home. (</a:t>
-            </a:r>
-            <a:r>
-              <a:rPr lang="en-US" sz="1150" b="1" dirty="0" err="1">
+              <a:rPr lang="en-US" sz="900" b="1" dirty="0">
+                <a:latin typeface="Arial" panose="020B0604020202020204" pitchFamily="34" charset="0"/>
+                <a:cs typeface="Arial" panose="020B0604020202020204" pitchFamily="34" charset="0"/>
+              </a:rPr>
+              <a:t>GRNsight - Home. (</a:t>
+            </a:r>
+            <a:r>
+              <a:rPr lang="en-US" sz="900" b="1" dirty="0" err="1">
                 <a:latin typeface="Arial" panose="020B0604020202020204" pitchFamily="34" charset="0"/>
                 <a:cs typeface="Arial" panose="020B0604020202020204" pitchFamily="34" charset="0"/>
               </a:rPr>
               <a:t>n.d.</a:t>
             </a:r>
             <a:r>
-              <a:rPr lang="en-US" sz="1150" b="1" dirty="0">
+              <a:rPr lang="en-US" sz="900" b="1" dirty="0">
                 <a:latin typeface="Arial" panose="020B0604020202020204" pitchFamily="34" charset="0"/>
                 <a:cs typeface="Arial" panose="020B0604020202020204" pitchFamily="34" charset="0"/>
               </a:rPr>
               <a:t>). Retrieved March 10, </a:t>
             </a:r>
             <a:r>
-              <a:rPr lang="en-US" sz="1150" b="1" dirty="0" smtClean="0">
+              <a:rPr lang="en-US" sz="900" b="1" dirty="0" smtClean="0">
                 <a:latin typeface="Arial" panose="020B0604020202020204" pitchFamily="34" charset="0"/>
                 <a:cs typeface="Arial" panose="020B0604020202020204" pitchFamily="34" charset="0"/>
               </a:rPr>
               <a:t>2016, from </a:t>
             </a:r>
             <a:r>
-              <a:rPr lang="en-US" sz="1150" b="1" dirty="0">
+              <a:rPr lang="en-US" sz="900" b="1" dirty="0">
                 <a:latin typeface="Arial" panose="020B0604020202020204" pitchFamily="34" charset="0"/>
                 <a:cs typeface="Arial" panose="020B0604020202020204" pitchFamily="34" charset="0"/>
                 <a:hlinkClick r:id="rId10"/>
@@ -7040,7 +6655,7 @@
               <a:t>http://dondi.github.io/GRNsight</a:t>
             </a:r>
             <a:r>
-              <a:rPr lang="en-US" sz="1150" b="1" dirty="0" smtClean="0">
+              <a:rPr lang="en-US" sz="900" b="1" dirty="0" smtClean="0">
                 <a:latin typeface="Arial" panose="020B0604020202020204" pitchFamily="34" charset="0"/>
                 <a:cs typeface="Arial" panose="020B0604020202020204" pitchFamily="34" charset="0"/>
                 <a:hlinkClick r:id="rId10"/>
@@ -7048,7 +6663,7 @@
               <a:t>/</a:t>
             </a:r>
             <a:r>
-              <a:rPr lang="en-US" sz="1150" b="1" dirty="0" smtClean="0">
+              <a:rPr lang="en-US" sz="900" b="1" dirty="0" smtClean="0">
                 <a:latin typeface="Arial" panose="020B0604020202020204" pitchFamily="34" charset="0"/>
                 <a:cs typeface="Arial" panose="020B0604020202020204" pitchFamily="34" charset="0"/>
               </a:rPr>
@@ -7061,7 +6676,7 @@
                 <a:spcPct val="80000"/>
               </a:lnSpc>
             </a:pPr>
-            <a:endParaRPr lang="en-US" sz="1150" b="1" dirty="0">
+            <a:endParaRPr lang="en-US" sz="900" b="1" dirty="0">
               <a:latin typeface="Arial" panose="020B0604020202020204" pitchFamily="34" charset="0"/>
               <a:cs typeface="Arial" panose="020B0604020202020204" pitchFamily="34" charset="0"/>
             </a:endParaRPr>
@@ -7073,42 +6688,35 @@
               </a:lnSpc>
             </a:pPr>
             <a:r>
-              <a:rPr lang="en-US" sz="1150" b="1" dirty="0" err="1" smtClean="0">
-                <a:latin typeface="Arial" panose="020B0604020202020204" pitchFamily="34" charset="0"/>
-                <a:cs typeface="Arial" panose="020B0604020202020204" pitchFamily="34" charset="0"/>
-              </a:rPr>
-              <a:t>Gephi</a:t>
-            </a:r>
-            <a:r>
-              <a:rPr lang="en-US" sz="1150" b="1" dirty="0" smtClean="0">
-                <a:latin typeface="Arial" panose="020B0604020202020204" pitchFamily="34" charset="0"/>
-                <a:cs typeface="Arial" panose="020B0604020202020204" pitchFamily="34" charset="0"/>
-              </a:rPr>
-              <a:t> – Home. (</a:t>
-            </a:r>
-            <a:r>
-              <a:rPr lang="en-US" sz="1150" b="1" dirty="0" err="1" smtClean="0">
+              <a:rPr lang="en-US" sz="900" b="1" dirty="0" smtClean="0">
+                <a:latin typeface="Arial" panose="020B0604020202020204" pitchFamily="34" charset="0"/>
+                <a:cs typeface="Arial" panose="020B0604020202020204" pitchFamily="34" charset="0"/>
+              </a:rPr>
+              <a:t>Gephi – Home. (</a:t>
+            </a:r>
+            <a:r>
+              <a:rPr lang="en-US" sz="900" b="1" dirty="0" err="1" smtClean="0">
                 <a:latin typeface="Arial" panose="020B0604020202020204" pitchFamily="34" charset="0"/>
                 <a:cs typeface="Arial" panose="020B0604020202020204" pitchFamily="34" charset="0"/>
               </a:rPr>
               <a:t>n.d.</a:t>
             </a:r>
             <a:r>
-              <a:rPr lang="en-US" sz="1150" b="1" dirty="0" smtClean="0">
+              <a:rPr lang="en-US" sz="900" b="1" dirty="0" smtClean="0">
                 <a:latin typeface="Arial" panose="020B0604020202020204" pitchFamily="34" charset="0"/>
                 <a:cs typeface="Arial" panose="020B0604020202020204" pitchFamily="34" charset="0"/>
               </a:rPr>
               <a:t>). </a:t>
             </a:r>
             <a:r>
-              <a:rPr lang="en-US" sz="1150" b="1" dirty="0">
+              <a:rPr lang="en-US" sz="900" b="1" dirty="0">
                 <a:latin typeface="Arial" panose="020B0604020202020204" pitchFamily="34" charset="0"/>
                 <a:cs typeface="Arial" panose="020B0604020202020204" pitchFamily="34" charset="0"/>
               </a:rPr>
               <a:t>Retrieved November 15, 2016, from </a:t>
             </a:r>
             <a:r>
-              <a:rPr lang="en-US" sz="1150" b="1" dirty="0">
+              <a:rPr lang="en-US" sz="900" b="1" dirty="0">
                 <a:latin typeface="Arial" panose="020B0604020202020204" pitchFamily="34" charset="0"/>
                 <a:cs typeface="Arial" panose="020B0604020202020204" pitchFamily="34" charset="0"/>
                 <a:hlinkClick r:id="rId11"/>
@@ -7116,7 +6724,7 @@
               <a:t>https://gephi.org</a:t>
             </a:r>
             <a:r>
-              <a:rPr lang="en-US" sz="1150" b="1" dirty="0" smtClean="0">
+              <a:rPr lang="en-US" sz="900" b="1" dirty="0" smtClean="0">
                 <a:latin typeface="Arial" panose="020B0604020202020204" pitchFamily="34" charset="0"/>
                 <a:cs typeface="Arial" panose="020B0604020202020204" pitchFamily="34" charset="0"/>
                 <a:hlinkClick r:id="rId11"/>
@@ -7124,19 +6732,19 @@
               <a:t>/</a:t>
             </a:r>
             <a:r>
-              <a:rPr lang="en-US" sz="1150" b="1" dirty="0" smtClean="0">
+              <a:rPr lang="en-US" sz="900" b="1" dirty="0" smtClean="0">
                 <a:latin typeface="Arial" panose="020B0604020202020204" pitchFamily="34" charset="0"/>
                 <a:cs typeface="Arial" panose="020B0604020202020204" pitchFamily="34" charset="0"/>
               </a:rPr>
               <a:t>. </a:t>
             </a:r>
             <a:br>
-              <a:rPr lang="en-US" sz="1150" b="1" dirty="0" smtClean="0">
+              <a:rPr lang="en-US" sz="900" b="1" dirty="0" smtClean="0">
                 <a:latin typeface="Arial" panose="020B0604020202020204" pitchFamily="34" charset="0"/>
                 <a:cs typeface="Arial" panose="020B0604020202020204" pitchFamily="34" charset="0"/>
               </a:rPr>
             </a:br>
-            <a:endParaRPr lang="en-US" sz="1150" b="1" dirty="0" smtClean="0">
+            <a:endParaRPr lang="en-US" sz="900" b="1" dirty="0" smtClean="0">
               <a:latin typeface="Arial" panose="020B0604020202020204" pitchFamily="34" charset="0"/>
               <a:cs typeface="Arial" panose="020B0604020202020204" pitchFamily="34" charset="0"/>
             </a:endParaRPr>
@@ -7148,62 +6756,294 @@
               </a:lnSpc>
             </a:pPr>
             <a:r>
-              <a:rPr lang="en-US" sz="1150" b="1" dirty="0" err="1">
+              <a:rPr lang="en-US" sz="900" b="1" dirty="0" err="1">
                 <a:latin typeface="Arial" panose="020B0604020202020204" pitchFamily="34" charset="0"/>
                 <a:cs typeface="Arial" panose="020B0604020202020204" pitchFamily="34" charset="0"/>
               </a:rPr>
               <a:t>Kdahlquist</a:t>
             </a:r>
             <a:r>
-              <a:rPr lang="en-US" sz="1150" b="1" dirty="0">
+              <a:rPr lang="en-US" sz="900" b="1" dirty="0">
                 <a:latin typeface="Arial" panose="020B0604020202020204" pitchFamily="34" charset="0"/>
                 <a:cs typeface="Arial" panose="020B0604020202020204" pitchFamily="34" charset="0"/>
               </a:rPr>
               <a:t>/</a:t>
             </a:r>
             <a:r>
-              <a:rPr lang="en-US" sz="1150" b="1" dirty="0" err="1">
+              <a:rPr lang="en-US" sz="900" b="1" dirty="0" err="1">
                 <a:latin typeface="Arial" panose="020B0604020202020204" pitchFamily="34" charset="0"/>
                 <a:cs typeface="Arial" panose="020B0604020202020204" pitchFamily="34" charset="0"/>
               </a:rPr>
               <a:t>GRNmap</a:t>
             </a:r>
             <a:r>
-              <a:rPr lang="en-US" sz="1150" b="1" dirty="0">
+              <a:rPr lang="en-US" sz="900" b="1" dirty="0">
                 <a:latin typeface="Arial" panose="020B0604020202020204" pitchFamily="34" charset="0"/>
                 <a:cs typeface="Arial" panose="020B0604020202020204" pitchFamily="34" charset="0"/>
               </a:rPr>
               <a:t>. (</a:t>
             </a:r>
             <a:r>
-              <a:rPr lang="en-US" sz="1150" b="1" dirty="0" err="1">
+              <a:rPr lang="en-US" sz="900" b="1" dirty="0" err="1">
                 <a:latin typeface="Arial" panose="020B0604020202020204" pitchFamily="34" charset="0"/>
                 <a:cs typeface="Arial" panose="020B0604020202020204" pitchFamily="34" charset="0"/>
               </a:rPr>
               <a:t>n.d.</a:t>
             </a:r>
             <a:r>
-              <a:rPr lang="en-US" sz="1150" b="1" dirty="0">
+              <a:rPr lang="en-US" sz="900" b="1" dirty="0">
                 <a:latin typeface="Arial" panose="020B0604020202020204" pitchFamily="34" charset="0"/>
                 <a:cs typeface="Arial" panose="020B0604020202020204" pitchFamily="34" charset="0"/>
               </a:rPr>
               <a:t>). Retrieved March </a:t>
             </a:r>
             <a:r>
-              <a:rPr lang="en-US" sz="1150" b="1" dirty="0" smtClean="0">
+              <a:rPr lang="en-US" sz="900" b="1" dirty="0" smtClean="0">
                 <a:latin typeface="Arial" panose="020B0604020202020204" pitchFamily="34" charset="0"/>
                 <a:cs typeface="Arial" panose="020B0604020202020204" pitchFamily="34" charset="0"/>
               </a:rPr>
               <a:t>10, 2016</a:t>
             </a:r>
             <a:r>
-              <a:rPr lang="en-US" sz="1150" b="1" dirty="0">
-                <a:latin typeface="Arial" panose="020B0604020202020204" pitchFamily="34" charset="0"/>
-                <a:cs typeface="Arial" panose="020B0604020202020204" pitchFamily="34" charset="0"/>
-              </a:rPr>
-              <a:t>, from https://github.com/kdahlquist/GRNmap</a:t>
-            </a:r>
-            <a:endParaRPr lang="en-US" sz="1150" b="1" dirty="0" smtClean="0">
+              <a:rPr lang="en-US" sz="900" b="1" dirty="0">
+                <a:latin typeface="Arial" panose="020B0604020202020204" pitchFamily="34" charset="0"/>
+                <a:cs typeface="Arial" panose="020B0604020202020204" pitchFamily="34" charset="0"/>
+              </a:rPr>
+              <a:t>, from </a:t>
+            </a:r>
+            <a:r>
+              <a:rPr lang="en-US" sz="900" b="1" dirty="0">
+                <a:latin typeface="Arial" panose="020B0604020202020204" pitchFamily="34" charset="0"/>
+                <a:cs typeface="Arial" panose="020B0604020202020204" pitchFamily="34" charset="0"/>
+                <a:hlinkClick r:id="rId12"/>
+              </a:rPr>
+              <a:t>https://</a:t>
+            </a:r>
+            <a:r>
+              <a:rPr lang="en-US" sz="900" b="1" dirty="0" smtClean="0">
+                <a:latin typeface="Arial" panose="020B0604020202020204" pitchFamily="34" charset="0"/>
+                <a:cs typeface="Arial" panose="020B0604020202020204" pitchFamily="34" charset="0"/>
+                <a:hlinkClick r:id="rId12"/>
+              </a:rPr>
+              <a:t>github.com/kdahlquist/GRNmap</a:t>
+            </a:r>
+            <a:endParaRPr lang="en-US" sz="900" b="1" dirty="0" smtClean="0">
+              <a:latin typeface="Arial" panose="020B0604020202020204" pitchFamily="34" charset="0"/>
+              <a:cs typeface="Arial" panose="020B0604020202020204" pitchFamily="34" charset="0"/>
+            </a:endParaRPr>
+          </a:p>
+          <a:p>
+            <a:pPr>
+              <a:lnSpc>
+                <a:spcPct val="80000"/>
+              </a:lnSpc>
+            </a:pPr>
+            <a:endParaRPr lang="en-US" sz="900" b="1" dirty="0">
+              <a:latin typeface="Arial" panose="020B0604020202020204" pitchFamily="34" charset="0"/>
+              <a:cs typeface="Arial" panose="020B0604020202020204" pitchFamily="34" charset="0"/>
+            </a:endParaRPr>
+          </a:p>
+          <a:p>
+            <a:pPr>
+              <a:lnSpc>
+                <a:spcPct val="80000"/>
+              </a:lnSpc>
+            </a:pPr>
+            <a:r>
+              <a:rPr lang="en-US" sz="900" b="1" dirty="0">
+                <a:latin typeface="Arial" panose="020B0604020202020204" pitchFamily="34" charset="0"/>
+                <a:cs typeface="Arial" panose="020B0604020202020204" pitchFamily="34" charset="0"/>
+              </a:rPr>
+              <a:t>Ma, H. W., &amp; Zeng, A. P. (2003). The connectivity structure, giant strong component and centrality of metabolic networks. Bioinformatics, 19(11), 1423-1430</a:t>
+            </a:r>
+            <a:r>
+              <a:rPr lang="en-US" sz="900" b="1" dirty="0" smtClean="0">
+                <a:latin typeface="Arial" panose="020B0604020202020204" pitchFamily="34" charset="0"/>
+                <a:cs typeface="Arial" panose="020B0604020202020204" pitchFamily="34" charset="0"/>
+              </a:rPr>
+              <a:t>.</a:t>
+            </a:r>
+          </a:p>
+          <a:p>
+            <a:pPr>
+              <a:lnSpc>
+                <a:spcPct val="80000"/>
+              </a:lnSpc>
+            </a:pPr>
+            <a:endParaRPr lang="en-US" sz="900" b="1" dirty="0">
+              <a:latin typeface="Arial" panose="020B0604020202020204" pitchFamily="34" charset="0"/>
+              <a:cs typeface="Arial" panose="020B0604020202020204" pitchFamily="34" charset="0"/>
+            </a:endParaRPr>
+          </a:p>
+          <a:p>
+            <a:pPr>
+              <a:lnSpc>
+                <a:spcPct val="80000"/>
+              </a:lnSpc>
+            </a:pPr>
+            <a:r>
+              <a:rPr lang="en-US" sz="900" b="1" dirty="0" err="1" smtClean="0">
+                <a:latin typeface="Arial" panose="020B0604020202020204" pitchFamily="34" charset="0"/>
+                <a:cs typeface="Arial" panose="020B0604020202020204" pitchFamily="34" charset="0"/>
+              </a:rPr>
+              <a:t>McSweeney</a:t>
+            </a:r>
+            <a:r>
+              <a:rPr lang="en-US" sz="900" b="1" dirty="0" smtClean="0">
+                <a:latin typeface="Arial" panose="020B0604020202020204" pitchFamily="34" charset="0"/>
+                <a:cs typeface="Arial" panose="020B0604020202020204" pitchFamily="34" charset="0"/>
+              </a:rPr>
+              <a:t>, Patrick J. (2009). Gephi Network Statistics: Google Summer of Code 2009 </a:t>
+            </a:r>
+            <a:r>
+              <a:rPr lang="en-US" sz="900" b="1" dirty="0">
+                <a:latin typeface="Arial" panose="020B0604020202020204" pitchFamily="34" charset="0"/>
+                <a:cs typeface="Arial" panose="020B0604020202020204" pitchFamily="34" charset="0"/>
+              </a:rPr>
+              <a:t>Project Proposal. http://web.ecs.syr.edu/~pjmcswee/gephi.pdf</a:t>
+            </a:r>
+            <a:endParaRPr lang="en-US" sz="900" b="1" dirty="0" smtClean="0">
+              <a:latin typeface="Arial" panose="020B0604020202020204" pitchFamily="34" charset="0"/>
+              <a:cs typeface="Arial" panose="020B0604020202020204" pitchFamily="34" charset="0"/>
+            </a:endParaRPr>
+          </a:p>
+          <a:p>
+            <a:pPr>
+              <a:lnSpc>
+                <a:spcPct val="80000"/>
+              </a:lnSpc>
+            </a:pPr>
+            <a:endParaRPr lang="en-US" sz="900" b="1" dirty="0" smtClean="0">
+              <a:latin typeface="Arial" panose="020B0604020202020204" pitchFamily="34" charset="0"/>
+              <a:cs typeface="Arial" panose="020B0604020202020204" pitchFamily="34" charset="0"/>
+            </a:endParaRPr>
+          </a:p>
+          <a:p>
+            <a:pPr>
+              <a:lnSpc>
+                <a:spcPct val="80000"/>
+              </a:lnSpc>
+            </a:pPr>
+            <a:r>
+              <a:rPr lang="en-US" sz="900" b="1" dirty="0" err="1">
+                <a:latin typeface="Arial" panose="020B0604020202020204" pitchFamily="34" charset="0"/>
+                <a:cs typeface="Arial" panose="020B0604020202020204" pitchFamily="34" charset="0"/>
+              </a:rPr>
+              <a:t>Pavlopoulos</a:t>
+            </a:r>
+            <a:r>
+              <a:rPr lang="en-US" sz="900" b="1" dirty="0">
+                <a:latin typeface="Arial" panose="020B0604020202020204" pitchFamily="34" charset="0"/>
+                <a:cs typeface="Arial" panose="020B0604020202020204" pitchFamily="34" charset="0"/>
+              </a:rPr>
+              <a:t>, G. A., </a:t>
+            </a:r>
+            <a:r>
+              <a:rPr lang="en-US" sz="900" b="1" dirty="0" err="1">
+                <a:latin typeface="Arial" panose="020B0604020202020204" pitchFamily="34" charset="0"/>
+                <a:cs typeface="Arial" panose="020B0604020202020204" pitchFamily="34" charset="0"/>
+              </a:rPr>
+              <a:t>Secrier</a:t>
+            </a:r>
+            <a:r>
+              <a:rPr lang="en-US" sz="900" b="1" dirty="0">
+                <a:latin typeface="Arial" panose="020B0604020202020204" pitchFamily="34" charset="0"/>
+                <a:cs typeface="Arial" panose="020B0604020202020204" pitchFamily="34" charset="0"/>
+              </a:rPr>
+              <a:t>, M., </a:t>
+            </a:r>
+            <a:r>
+              <a:rPr lang="en-US" sz="900" b="1" dirty="0" err="1">
+                <a:latin typeface="Arial" panose="020B0604020202020204" pitchFamily="34" charset="0"/>
+                <a:cs typeface="Arial" panose="020B0604020202020204" pitchFamily="34" charset="0"/>
+              </a:rPr>
+              <a:t>Moschopoulos</a:t>
+            </a:r>
+            <a:r>
+              <a:rPr lang="en-US" sz="900" b="1" dirty="0">
+                <a:latin typeface="Arial" panose="020B0604020202020204" pitchFamily="34" charset="0"/>
+                <a:cs typeface="Arial" panose="020B0604020202020204" pitchFamily="34" charset="0"/>
+              </a:rPr>
+              <a:t>, C. N., </a:t>
+            </a:r>
+            <a:r>
+              <a:rPr lang="en-US" sz="900" b="1" dirty="0" err="1">
+                <a:latin typeface="Arial" panose="020B0604020202020204" pitchFamily="34" charset="0"/>
+                <a:cs typeface="Arial" panose="020B0604020202020204" pitchFamily="34" charset="0"/>
+              </a:rPr>
+              <a:t>Soldatos</a:t>
+            </a:r>
+            <a:r>
+              <a:rPr lang="en-US" sz="900" b="1" dirty="0">
+                <a:latin typeface="Arial" panose="020B0604020202020204" pitchFamily="34" charset="0"/>
+                <a:cs typeface="Arial" panose="020B0604020202020204" pitchFamily="34" charset="0"/>
+              </a:rPr>
+              <a:t>, T. G., </a:t>
+            </a:r>
+            <a:r>
+              <a:rPr lang="en-US" sz="900" b="1" dirty="0" err="1">
+                <a:latin typeface="Arial" panose="020B0604020202020204" pitchFamily="34" charset="0"/>
+                <a:cs typeface="Arial" panose="020B0604020202020204" pitchFamily="34" charset="0"/>
+              </a:rPr>
+              <a:t>Kossida</a:t>
+            </a:r>
+            <a:r>
+              <a:rPr lang="en-US" sz="900" b="1" dirty="0">
+                <a:latin typeface="Arial" panose="020B0604020202020204" pitchFamily="34" charset="0"/>
+                <a:cs typeface="Arial" panose="020B0604020202020204" pitchFamily="34" charset="0"/>
+              </a:rPr>
+              <a:t>, S., </a:t>
+            </a:r>
+            <a:r>
+              <a:rPr lang="en-US" sz="900" b="1" dirty="0" err="1">
+                <a:latin typeface="Arial" panose="020B0604020202020204" pitchFamily="34" charset="0"/>
+                <a:cs typeface="Arial" panose="020B0604020202020204" pitchFamily="34" charset="0"/>
+              </a:rPr>
+              <a:t>Aerts</a:t>
+            </a:r>
+            <a:r>
+              <a:rPr lang="en-US" sz="900" b="1" dirty="0">
+                <a:latin typeface="Arial" panose="020B0604020202020204" pitchFamily="34" charset="0"/>
+                <a:cs typeface="Arial" panose="020B0604020202020204" pitchFamily="34" charset="0"/>
+              </a:rPr>
+              <a:t>, J., ... &amp; </a:t>
+            </a:r>
+            <a:r>
+              <a:rPr lang="en-US" sz="900" b="1" dirty="0" err="1">
+                <a:latin typeface="Arial" panose="020B0604020202020204" pitchFamily="34" charset="0"/>
+                <a:cs typeface="Arial" panose="020B0604020202020204" pitchFamily="34" charset="0"/>
+              </a:rPr>
+              <a:t>Bagos</a:t>
+            </a:r>
+            <a:r>
+              <a:rPr lang="en-US" sz="900" b="1" dirty="0">
+                <a:latin typeface="Arial" panose="020B0604020202020204" pitchFamily="34" charset="0"/>
+                <a:cs typeface="Arial" panose="020B0604020202020204" pitchFamily="34" charset="0"/>
+              </a:rPr>
+              <a:t>, P. G. (2011). Using graph theory to analyze biological networks. </a:t>
+            </a:r>
+            <a:r>
+              <a:rPr lang="en-US" sz="900" b="1" dirty="0" err="1">
+                <a:latin typeface="Arial" panose="020B0604020202020204" pitchFamily="34" charset="0"/>
+                <a:cs typeface="Arial" panose="020B0604020202020204" pitchFamily="34" charset="0"/>
+              </a:rPr>
+              <a:t>BioData</a:t>
+            </a:r>
+            <a:r>
+              <a:rPr lang="en-US" sz="900" b="1" dirty="0">
+                <a:latin typeface="Arial" panose="020B0604020202020204" pitchFamily="34" charset="0"/>
+                <a:cs typeface="Arial" panose="020B0604020202020204" pitchFamily="34" charset="0"/>
+              </a:rPr>
+              <a:t> mining, 4(1), 10</a:t>
+            </a:r>
+            <a:r>
+              <a:rPr lang="en-US" sz="900" b="1" dirty="0" smtClean="0">
+                <a:latin typeface="Arial" panose="020B0604020202020204" pitchFamily="34" charset="0"/>
+                <a:cs typeface="Arial" panose="020B0604020202020204" pitchFamily="34" charset="0"/>
+              </a:rPr>
+              <a:t>.</a:t>
+            </a:r>
+            <a:endParaRPr lang="en-US" sz="900" b="1" dirty="0">
               <a:latin typeface="Arial" panose="020B0604020202020204" pitchFamily="34" charset="0"/>
               <a:cs typeface="Arial" panose="020B0604020202020204" pitchFamily="34" charset="0"/>
             </a:endParaRPr>
@@ -7687,7 +7527,7 @@
           <p:nvPr/>
         </p:nvPicPr>
         <p:blipFill>
-          <a:blip r:embed="rId12">
+          <a:blip r:embed="rId13">
             <a:extLst>
               <a:ext uri="{28A0092B-C50C-407E-A947-70E740481C1C}">
                 <a14:useLocalDpi xmlns:a14="http://schemas.microsoft.com/office/drawing/2010/main" val="0"/>
@@ -8120,26 +7960,29 @@
                 <a:latin typeface="Arial"/>
                 <a:cs typeface="Arial"/>
               </a:rPr>
-              <a:t>parameter estimation) was implemented </a:t>
-            </a:r>
-            <a:r>
-              <a:rPr lang="en-US" sz="1700" b="1">
+              <a:t>parameter estimation) was implemented in </a:t>
+            </a:r>
+            <a:r>
+              <a:rPr lang="en-US" sz="1700" b="1" dirty="0" smtClean="0">
                 <a:latin typeface="Arial"/>
                 <a:cs typeface="Arial"/>
               </a:rPr>
-              <a:t>in </a:t>
-            </a:r>
-            <a:r>
-              <a:rPr lang="en-US" sz="1700" b="1" smtClean="0">
+              <a:t>MATLAB (</a:t>
+            </a:r>
+            <a:r>
+              <a:rPr lang="en-US" sz="1700" b="1" dirty="0" err="1" smtClean="0">
                 <a:latin typeface="Arial"/>
                 <a:cs typeface="Arial"/>
               </a:rPr>
-              <a:t>MATLAB (Dahlquist et al. 2015).</a:t>
-            </a:r>
-            <a:endParaRPr lang="en-US" sz="1700" b="1" dirty="0" smtClean="0">
-              <a:latin typeface="Arial"/>
-              <a:cs typeface="Arial"/>
-            </a:endParaRPr>
+              <a:t>Dahlquist</a:t>
+            </a:r>
+            <a:r>
+              <a:rPr lang="en-US" sz="1700" b="1" dirty="0" smtClean="0">
+                <a:latin typeface="Arial"/>
+                <a:cs typeface="Arial"/>
+              </a:rPr>
+              <a:t> et al. 2015).</a:t>
+            </a:r>
           </a:p>
           <a:p>
             <a:pPr marL="285750" indent="-285750">
@@ -8292,7 +8135,7 @@
           <p:nvPr/>
         </p:nvPicPr>
         <p:blipFill>
-          <a:blip r:embed="rId13">
+          <a:blip r:embed="rId14">
             <a:extLst>
               <a:ext uri="{28A0092B-C50C-407E-A947-70E740481C1C}">
                 <a14:useLocalDpi xmlns:a14="http://schemas.microsoft.com/office/drawing/2010/main" val="0"/>
@@ -8431,7 +8274,7 @@
           <p:nvPr/>
         </p:nvPicPr>
         <p:blipFill rotWithShape="1">
-          <a:blip r:embed="rId14">
+          <a:blip r:embed="rId15">
             <a:extLst>
               <a:ext uri="{28A0092B-C50C-407E-A947-70E740481C1C}">
                 <a14:useLocalDpi xmlns:a14="http://schemas.microsoft.com/office/drawing/2010/main" val="0"/>
@@ -8454,15 +8297,15 @@
             <a:noFill/>
           </a:ln>
           <a:extLst>
-            <a:ext uri="{909E8E84-426E-40dd-AFC4-6F175D3DCCD1}">
-              <a14:hiddenFill xmlns:a14="http://schemas.microsoft.com/office/drawing/2010/main" xmlns="">
+            <a:ext uri="{909E8E84-426E-40DD-AFC4-6F175D3DCCD1}">
+              <a14:hiddenFill xmlns:a14="http://schemas.microsoft.com/office/drawing/2010/main">
                 <a:solidFill>
                   <a:schemeClr val="accent1"/>
                 </a:solidFill>
               </a14:hiddenFill>
             </a:ext>
-            <a:ext uri="{91240B29-F687-4f45-9708-019B960494DF}">
-              <a14:hiddenLine xmlns:a14="http://schemas.microsoft.com/office/drawing/2010/main" xmlns="" w="9525">
+            <a:ext uri="{91240B29-F687-4F45-9708-019B960494DF}">
+              <a14:hiddenLine xmlns:a14="http://schemas.microsoft.com/office/drawing/2010/main" w="9525">
                 <a:solidFill>
                   <a:schemeClr val="tx1"/>
                 </a:solidFill>
@@ -8501,32 +8344,11 @@
               <a:buChar char="•"/>
             </a:pPr>
             <a:r>
-              <a:rPr lang="en-US" sz="1800" b="1" dirty="0" err="1" smtClean="0">
-                <a:latin typeface="Arial"/>
-                <a:cs typeface="Arial"/>
-              </a:rPr>
-              <a:t>GRNsight</a:t>
-            </a:r>
-            <a:r>
               <a:rPr lang="en-US" sz="1800" b="1" dirty="0" smtClean="0">
                 <a:latin typeface="Arial"/>
                 <a:cs typeface="Arial"/>
               </a:rPr>
-              <a:t> generates weighted network graphs using the output spreadsheets produced by </a:t>
-            </a:r>
-            <a:r>
-              <a:rPr lang="en-US" sz="1800" b="1" dirty="0" err="1" smtClean="0">
-                <a:latin typeface="Arial"/>
-                <a:cs typeface="Arial"/>
-              </a:rPr>
-              <a:t>GRNmap</a:t>
-            </a:r>
-            <a:r>
-              <a:rPr lang="en-US" sz="1800" b="1" dirty="0" smtClean="0">
-                <a:latin typeface="Arial"/>
-                <a:cs typeface="Arial"/>
-              </a:rPr>
-              <a:t>.</a:t>
+              <a:t>GRNsight generates weighted network graphs using the output spreadsheets produced by GRNmap.</a:t>
             </a:r>
           </a:p>
           <a:p>
@@ -8616,7 +8438,7 @@
           <p:nvPr/>
         </p:nvPicPr>
         <p:blipFill rotWithShape="1">
-          <a:blip r:embed="rId15">
+          <a:blip r:embed="rId16">
             <a:extLst>
               <a:ext uri="{28A0092B-C50C-407E-A947-70E740481C1C}">
                 <a14:useLocalDpi xmlns:a14="http://schemas.microsoft.com/office/drawing/2010/main" val="0"/>
@@ -8676,30 +8498,6 @@
           </a:p>
         </p:txBody>
       </p:sp>
-      <p:graphicFrame>
-        <p:nvGraphicFramePr>
-          <p:cNvPr id="105" name="Chart 104"/>
-          <p:cNvGraphicFramePr>
-            <a:graphicFrameLocks/>
-          </p:cNvGraphicFramePr>
-          <p:nvPr>
-            <p:extLst>
-              <p:ext uri="{D42A27DB-BD31-4B8C-83A1-F6EECF244321}">
-                <p14:modId xmlns:p14="http://schemas.microsoft.com/office/powerpoint/2010/main" val="3644409207"/>
-              </p:ext>
-            </p:extLst>
-          </p:nvPr>
-        </p:nvGraphicFramePr>
-        <p:xfrm>
-          <a:off x="36630967" y="5759458"/>
-          <a:ext cx="6325175" cy="4391014"/>
-        </p:xfrm>
-        <a:graphic>
-          <a:graphicData uri="http://schemas.openxmlformats.org/drawingml/2006/chart">
-            <c:chart xmlns:c="http://schemas.openxmlformats.org/drawingml/2006/chart" xmlns:r="http://schemas.openxmlformats.org/officeDocument/2006/relationships" r:id="rId16"/>
-          </a:graphicData>
-        </a:graphic>
-      </p:graphicFrame>
       <p:sp>
         <p:nvSpPr>
           <p:cNvPr id="112" name="TextBox 111"/>
@@ -8708,8 +8506,8 @@
         </p:nvSpPr>
         <p:spPr>
           <a:xfrm>
-            <a:off x="35434115" y="17761930"/>
-            <a:ext cx="7522027" cy="1400383"/>
+            <a:off x="35675410" y="16541770"/>
+            <a:ext cx="7021989" cy="2708434"/>
           </a:xfrm>
           <a:prstGeom prst="rect">
             <a:avLst/>
@@ -8728,13 +8526,10 @@
             </a:pPr>
             <a:r>
               <a:rPr lang="en-US" sz="1700" b="1" dirty="0" smtClean="0">
-                <a:solidFill>
-                  <a:srgbClr val="FF0000"/>
-                </a:solidFill>
-                <a:latin typeface="Arial" panose="020B0604020202020204" pitchFamily="34" charset="0"/>
-                <a:cs typeface="Arial" panose="020B0604020202020204" pitchFamily="34" charset="0"/>
-              </a:rPr>
-              <a:t>The threshold of the sigmoid model for each gene changed when key nodes and edges were removed from the network.</a:t>
+                <a:latin typeface="Arial" panose="020B0604020202020204" pitchFamily="34" charset="0"/>
+                <a:cs typeface="Arial" panose="020B0604020202020204" pitchFamily="34" charset="0"/>
+              </a:rPr>
+              <a:t>ASH1 had the highest production rate and threshold b for this network, possibly due to the high activation of it by SWI5. </a:t>
             </a:r>
           </a:p>
           <a:p>
@@ -8744,27 +8539,37 @@
             </a:pPr>
             <a:r>
               <a:rPr lang="en-US" sz="1700" b="1" dirty="0" smtClean="0">
-                <a:solidFill>
-                  <a:srgbClr val="FF0000"/>
-                </a:solidFill>
-                <a:latin typeface="Arial" panose="020B0604020202020204" pitchFamily="34" charset="0"/>
-                <a:cs typeface="Arial" panose="020B0604020202020204" pitchFamily="34" charset="0"/>
-              </a:rPr>
-              <a:t>Again, genes that are modeled poorly in individual gene plots exhibit the  most fluctuation in estimated parameter values (ASH1, CIN5, MSN2). </a:t>
+                <a:latin typeface="Arial" panose="020B0604020202020204" pitchFamily="34" charset="0"/>
+                <a:cs typeface="Arial" panose="020B0604020202020204" pitchFamily="34" charset="0"/>
+              </a:rPr>
+              <a:t>When looking at the expression output plot of the gene with the five deletion strain data, the model did not fit to the data well. </a:t>
+            </a:r>
+          </a:p>
+          <a:p>
+            <a:pPr marL="285750" indent="-285750">
+              <a:buFont typeface="Arial" panose="020B0604020202020204" pitchFamily="34" charset="0"/>
+              <a:buChar char="•"/>
+            </a:pPr>
+            <a:r>
+              <a:rPr lang="en-US" sz="1700" b="1" dirty="0" smtClean="0">
+                <a:latin typeface="Arial" panose="020B0604020202020204" pitchFamily="34" charset="0"/>
+                <a:cs typeface="Arial" panose="020B0604020202020204" pitchFamily="34" charset="0"/>
+              </a:rPr>
+              <a:t>This needs further investigation as the rates and threshold b may not be accurate due to the misalignment of the model to the data. It is possible the network was too small for ASH1 to be appropriately modeled, or perhaps ASH1 has an important input or output gene that was deleted before the model was run.</a:t>
             </a:r>
           </a:p>
         </p:txBody>
       </p:sp>
       <p:sp>
         <p:nvSpPr>
-          <p:cNvPr id="113" name="TextBox 112"/>
+          <p:cNvPr id="114" name="TextBox 113"/>
           <p:cNvSpPr txBox="1"/>
           <p:nvPr/>
         </p:nvSpPr>
         <p:spPr>
           <a:xfrm>
-            <a:off x="27746053" y="17839135"/>
-            <a:ext cx="7381807" cy="1661993"/>
+            <a:off x="35991704" y="9729045"/>
+            <a:ext cx="6964438" cy="2446824"/>
           </a:xfrm>
           <a:prstGeom prst="rect">
             <a:avLst/>
@@ -8783,13 +8588,10 @@
             </a:pPr>
             <a:r>
               <a:rPr lang="en-US" sz="1700" b="1" dirty="0" smtClean="0">
-                <a:solidFill>
-                  <a:srgbClr val="FF0000"/>
-                </a:solidFill>
-                <a:latin typeface="Arial" panose="020B0604020202020204" pitchFamily="34" charset="0"/>
-                <a:cs typeface="Arial" panose="020B0604020202020204" pitchFamily="34" charset="0"/>
-              </a:rPr>
-              <a:t>Estimated production rates remain relatively consistent for all genes in the five networks modeled. </a:t>
+                <a:latin typeface="Arial" panose="020B0604020202020204" pitchFamily="34" charset="0"/>
+                <a:cs typeface="Arial" panose="020B0604020202020204" pitchFamily="34" charset="0"/>
+              </a:rPr>
+              <a:t>The 28 edges in the network, with the node performing the action listed first, and the affected node listed second.</a:t>
             </a:r>
           </a:p>
           <a:p>
@@ -8799,31 +8601,38 @@
             </a:pPr>
             <a:r>
               <a:rPr lang="en-US" sz="1700" b="1" dirty="0" smtClean="0">
-                <a:solidFill>
-                  <a:srgbClr val="FF0000"/>
-                </a:solidFill>
-                <a:latin typeface="Arial" panose="020B0604020202020204" pitchFamily="34" charset="0"/>
-                <a:cs typeface="Arial" panose="020B0604020202020204" pitchFamily="34" charset="0"/>
-              </a:rPr>
-              <a:t>Poorly modeled genes as identified from individual gene plots (for example, CIN5, ASH1, and MSN2) exhibit fluctuating production rates. </a:t>
-            </a:r>
-            <a:endParaRPr lang="en-US" sz="1700" b="1" dirty="0">
-              <a:solidFill>
-                <a:srgbClr val="FF0000"/>
-              </a:solidFill>
-              <a:latin typeface="Arial" panose="020B0604020202020204" pitchFamily="34" charset="0"/>
-              <a:cs typeface="Arial" panose="020B0604020202020204" pitchFamily="34" charset="0"/>
-            </a:endParaRPr>
+                <a:latin typeface="Arial" panose="020B0604020202020204" pitchFamily="34" charset="0"/>
+                <a:cs typeface="Arial" panose="020B0604020202020204" pitchFamily="34" charset="0"/>
+              </a:rPr>
+              <a:t>Negative weight values signify repression, whereas positive values signify activation.</a:t>
+            </a:r>
           </a:p>
           <a:p>
             <a:pPr marL="285750" indent="-285750">
               <a:buFont typeface="Arial" panose="020B0604020202020204" pitchFamily="34" charset="0"/>
               <a:buChar char="•"/>
             </a:pPr>
-            <a:endParaRPr lang="en-US" sz="1700" b="1" dirty="0" smtClean="0">
-              <a:solidFill>
-                <a:srgbClr val="FF0000"/>
-              </a:solidFill>
+            <a:r>
+              <a:rPr lang="en-US" sz="1700" b="1" dirty="0" smtClean="0">
+                <a:latin typeface="Arial" panose="020B0604020202020204" pitchFamily="34" charset="0"/>
+                <a:cs typeface="Arial" panose="020B0604020202020204" pitchFamily="34" charset="0"/>
+              </a:rPr>
+              <a:t>MSN2 -&gt; HAP4 is the strongest relationship within the network, with a repression weight of nearly 6. This can also be visually confirmed in the GRNsight network. </a:t>
+            </a:r>
+          </a:p>
+          <a:p>
+            <a:pPr marL="285750" indent="-285750">
+              <a:buFont typeface="Arial" panose="020B0604020202020204" pitchFamily="34" charset="0"/>
+              <a:buChar char="•"/>
+            </a:pPr>
+            <a:r>
+              <a:rPr lang="en-US" sz="1700" b="1" dirty="0" smtClean="0">
+                <a:latin typeface="Arial" panose="020B0604020202020204" pitchFamily="34" charset="0"/>
+                <a:cs typeface="Arial" panose="020B0604020202020204" pitchFamily="34" charset="0"/>
+              </a:rPr>
+              <a:t>SWI5 -&gt; ASH1 is the largest activation relationship, with an estimated weight of 4. </a:t>
+            </a:r>
+            <a:endParaRPr lang="en-US" sz="1700" b="1" dirty="0">
               <a:latin typeface="Arial" panose="020B0604020202020204" pitchFamily="34" charset="0"/>
               <a:cs typeface="Arial" panose="020B0604020202020204" pitchFamily="34" charset="0"/>
             </a:endParaRPr>
@@ -8832,14 +8641,14 @@
       </p:sp>
       <p:sp>
         <p:nvSpPr>
-          <p:cNvPr id="114" name="TextBox 113"/>
+          <p:cNvPr id="115" name="TextBox 114"/>
           <p:cNvSpPr txBox="1"/>
           <p:nvPr/>
         </p:nvSpPr>
         <p:spPr>
           <a:xfrm>
-            <a:off x="36382678" y="11639048"/>
-            <a:ext cx="6093915" cy="2708434"/>
+            <a:off x="31577998" y="21388252"/>
+            <a:ext cx="11621948" cy="6286336"/>
           </a:xfrm>
           <a:prstGeom prst="rect">
             <a:avLst/>
@@ -8852,137 +8661,30 @@
           </a:bodyPr>
           <a:lstStyle/>
           <a:p>
-            <a:pPr marL="285750" indent="-285750">
-              <a:buFont typeface="Arial" panose="020B0604020202020204" pitchFamily="34" charset="0"/>
-              <a:buChar char="•"/>
-            </a:pPr>
-            <a:r>
-              <a:rPr lang="en-US" sz="1700" b="1" dirty="0" smtClean="0">
-                <a:latin typeface="Arial" panose="020B0604020202020204" pitchFamily="34" charset="0"/>
-                <a:cs typeface="Arial" panose="020B0604020202020204" pitchFamily="34" charset="0"/>
-              </a:rPr>
-              <a:t>The 28 edges in the network, with the node performing the action listed first, and the affected node listed second.</a:t>
-            </a:r>
-          </a:p>
-          <a:p>
-            <a:pPr marL="285750" indent="-285750">
-              <a:buFont typeface="Arial" panose="020B0604020202020204" pitchFamily="34" charset="0"/>
-              <a:buChar char="•"/>
-            </a:pPr>
-            <a:r>
-              <a:rPr lang="en-US" sz="1700" b="1" dirty="0" smtClean="0">
-                <a:latin typeface="Arial" panose="020B0604020202020204" pitchFamily="34" charset="0"/>
-                <a:cs typeface="Arial" panose="020B0604020202020204" pitchFamily="34" charset="0"/>
-              </a:rPr>
-              <a:t>Negative weight values signify repression, whereas positive values signify activation.</a:t>
-            </a:r>
-          </a:p>
-          <a:p>
-            <a:pPr marL="285750" indent="-285750">
-              <a:buFont typeface="Arial" panose="020B0604020202020204" pitchFamily="34" charset="0"/>
-              <a:buChar char="•"/>
-            </a:pPr>
-            <a:r>
-              <a:rPr lang="en-US" sz="1700" b="1" dirty="0" smtClean="0">
-                <a:latin typeface="Arial" panose="020B0604020202020204" pitchFamily="34" charset="0"/>
-                <a:cs typeface="Arial" panose="020B0604020202020204" pitchFamily="34" charset="0"/>
-              </a:rPr>
-              <a:t>MSN2 -&gt; HAP4 is the strongest relationship within the network, with a repression weight of nearly 6. This can also be visually confirmed in the </a:t>
-            </a:r>
-            <a:r>
-              <a:rPr lang="en-US" sz="1700" b="1" dirty="0" err="1" smtClean="0">
-                <a:latin typeface="Arial" panose="020B0604020202020204" pitchFamily="34" charset="0"/>
-                <a:cs typeface="Arial" panose="020B0604020202020204" pitchFamily="34" charset="0"/>
-              </a:rPr>
-              <a:t>GRNsight</a:t>
-            </a:r>
-            <a:r>
-              <a:rPr lang="en-US" sz="1700" b="1" dirty="0" smtClean="0">
-                <a:latin typeface="Arial" panose="020B0604020202020204" pitchFamily="34" charset="0"/>
-                <a:cs typeface="Arial" panose="020B0604020202020204" pitchFamily="34" charset="0"/>
-              </a:rPr>
-              <a:t> network. </a:t>
-            </a:r>
-          </a:p>
-          <a:p>
-            <a:pPr marL="285750" indent="-285750">
-              <a:buFont typeface="Arial" panose="020B0604020202020204" pitchFamily="34" charset="0"/>
-              <a:buChar char="•"/>
-            </a:pPr>
-            <a:r>
-              <a:rPr lang="en-US" sz="1700" b="1" dirty="0" smtClean="0">
-                <a:latin typeface="Arial" panose="020B0604020202020204" pitchFamily="34" charset="0"/>
-                <a:cs typeface="Arial" panose="020B0604020202020204" pitchFamily="34" charset="0"/>
-              </a:rPr>
-              <a:t>SWI5 -&gt; ASH1 is the largest activation relationship, with an estimated weight of 4. </a:t>
-            </a:r>
-            <a:endParaRPr lang="en-US" sz="1700" b="1" dirty="0">
-              <a:latin typeface="Arial" panose="020B0604020202020204" pitchFamily="34" charset="0"/>
-              <a:cs typeface="Arial" panose="020B0604020202020204" pitchFamily="34" charset="0"/>
-            </a:endParaRPr>
-          </a:p>
-        </p:txBody>
-      </p:sp>
-      <p:sp>
-        <p:nvSpPr>
-          <p:cNvPr id="115" name="TextBox 114"/>
-          <p:cNvSpPr txBox="1"/>
-          <p:nvPr/>
-        </p:nvSpPr>
-        <p:spPr>
-          <a:xfrm>
-            <a:off x="31577998" y="21388252"/>
-            <a:ext cx="11621948" cy="5632311"/>
-          </a:xfrm>
-          <a:prstGeom prst="rect">
-            <a:avLst/>
-          </a:prstGeom>
-          <a:noFill/>
-        </p:spPr>
-        <p:txBody>
-          <a:bodyPr wrap="square" rtlCol="0">
-            <a:spAutoFit/>
-          </a:bodyPr>
-          <a:lstStyle/>
-          <a:p>
             <a:pPr marL="342900" indent="-342900">
               <a:buFont typeface="Arial"/>
               <a:buChar char="•"/>
             </a:pPr>
             <a:r>
-              <a:rPr lang="en-US" sz="1800" b="1" dirty="0" smtClean="0">
+              <a:rPr lang="en-US" sz="1750" b="1" dirty="0" smtClean="0">
                 <a:latin typeface="Arial"/>
                 <a:cs typeface="Arial"/>
               </a:rPr>
               <a:t>DNA microarray data from the </a:t>
             </a:r>
             <a:r>
-              <a:rPr lang="en-US" sz="1800" b="1" i="1" dirty="0">
+              <a:rPr lang="en-US" sz="1750" b="1" i="1" dirty="0" smtClean="0">
                 <a:latin typeface="Arial"/>
                 <a:cs typeface="Arial"/>
               </a:rPr>
               <a:t>Δhap4</a:t>
             </a:r>
             <a:r>
-              <a:rPr lang="en-US" sz="1800" b="1" dirty="0" smtClean="0">
+              <a:rPr lang="en-US" sz="1750" b="1" dirty="0" smtClean="0">
                 <a:latin typeface="Arial"/>
                 <a:cs typeface="Arial"/>
               </a:rPr>
-              <a:t>  deletion strain subjected to cold shock was analyzed using an ANOVA test, the YEASTRACT database, and an ordinary differential equations model called </a:t>
-            </a:r>
-            <a:r>
-              <a:rPr lang="en-US" sz="1800" b="1" dirty="0" err="1" smtClean="0">
-                <a:latin typeface="Arial"/>
-                <a:cs typeface="Arial"/>
-              </a:rPr>
-              <a:t>GRNmap</a:t>
-            </a:r>
-            <a:r>
-              <a:rPr lang="en-US" sz="1800" b="1" dirty="0" smtClean="0">
-                <a:latin typeface="Arial"/>
-                <a:cs typeface="Arial"/>
-              </a:rPr>
-              <a:t> that modeled the dynamics of each gene in candidate gene regulatory networks. From larger networks, the 15 gene, 28 edges network was determined to be the best candidate for data analysis.</a:t>
+              <a:t>  deletion strain subjected to cold shock was analyzed using an ANOVA test, the YEASTRACT database, and an ordinary differential equations model called GRNmap that modeled the dynamics of each gene in candidate gene regulatory networks. From larger networks, the 15 gene, 28 edges network was determined to be the best candidate for data analysis.</a:t>
             </a:r>
           </a:p>
           <a:p>
@@ -8991,25 +8693,11 @@
               <a:buChar char="•"/>
             </a:pPr>
             <a:r>
-              <a:rPr lang="en-US" sz="1800" b="1" dirty="0" smtClean="0">
+              <a:rPr lang="en-US" sz="1750" b="1" dirty="0" smtClean="0">
                 <a:latin typeface="Arial"/>
                 <a:cs typeface="Arial"/>
               </a:rPr>
-              <a:t>The weighted output network was visualized using </a:t>
-            </a:r>
-            <a:r>
-              <a:rPr lang="en-US" sz="1800" b="1" dirty="0" err="1" smtClean="0">
-                <a:latin typeface="Arial"/>
-                <a:cs typeface="Arial"/>
-              </a:rPr>
-              <a:t>GRNsight</a:t>
-            </a:r>
-            <a:r>
-              <a:rPr lang="en-US" sz="1800" b="1" dirty="0" smtClean="0">
-                <a:latin typeface="Arial"/>
-                <a:cs typeface="Arial"/>
-              </a:rPr>
-              <a:t>.</a:t>
+              <a:t>The weighted output network was visualized using GRNsight.</a:t>
             </a:r>
           </a:p>
           <a:p>
@@ -9018,46 +8706,20 @@
               <a:buChar char="•"/>
             </a:pPr>
             <a:r>
-              <a:rPr lang="en-US" sz="1800" b="1" dirty="0" smtClean="0">
-                <a:solidFill>
-                  <a:srgbClr val="FF0000"/>
-                </a:solidFill>
+              <a:rPr lang="en-US" sz="1750" b="1" dirty="0" smtClean="0">
                 <a:latin typeface="Arial"/>
                 <a:cs typeface="Arial"/>
               </a:rPr>
-              <a:t>Enter </a:t>
-            </a:r>
-            <a:r>
-              <a:rPr lang="en-US" sz="1800" b="1" dirty="0" err="1" smtClean="0">
-                <a:solidFill>
-                  <a:srgbClr val="FF0000"/>
-                </a:solidFill>
+              <a:t>The Gephi</a:t>
+            </a:r>
+            <a:r>
+              <a:rPr lang="en-US" sz="1750" b="1" dirty="0" smtClean="0">
                 <a:latin typeface="Arial"/>
                 <a:cs typeface="Arial"/>
               </a:rPr>
-              <a:t>Gephi</a:t>
-            </a:r>
-            <a:r>
-              <a:rPr lang="en-US" sz="1800" b="1" dirty="0" smtClean="0">
-                <a:solidFill>
-                  <a:srgbClr val="FF0000"/>
-                </a:solidFill>
-                <a:latin typeface="Arial"/>
-                <a:cs typeface="Arial"/>
-              </a:rPr>
-              <a:t> </a:t>
-            </a:r>
-            <a:r>
-              <a:rPr lang="en-US" sz="1800" b="1" dirty="0" smtClean="0">
-                <a:solidFill>
-                  <a:srgbClr val="FF0000"/>
-                </a:solidFill>
-                <a:latin typeface="Arial"/>
-                <a:cs typeface="Arial"/>
-              </a:rPr>
-              <a:t>conclusions</a:t>
-            </a:r>
-            <a:endParaRPr lang="en-US" sz="1800" b="1" dirty="0">
+              <a:t> statistics are consistent with the in-degree, out-degree statistics, where the genes with the highest degree and overall degree measures are also found to have the highest betweenness centrality measures, and those nodes with the lowest degree measures also have the lowest betweenness centrality. The statistics from Gephi provided useful information through which to view the graph. While MSN2 has the highest betweenness centrality and the highest degree measure, it only has the second highest closeness centrality measure, which indicates that while it is a very important node in the graph, SWI4 is more centralized in the graph. </a:t>
+            </a:r>
+            <a:endParaRPr lang="en-US" sz="1750" b="1" dirty="0" smtClean="0">
               <a:solidFill>
                 <a:srgbClr val="FF0000"/>
               </a:solidFill>
@@ -9070,124 +8732,54 @@
               <a:buFont typeface="Arial"/>
               <a:buChar char="•"/>
             </a:pPr>
-            <a:endParaRPr lang="en-US" sz="1800" b="1" dirty="0" smtClean="0">
-              <a:solidFill>
-                <a:srgbClr val="FF0000"/>
-              </a:solidFill>
-              <a:latin typeface="Arial"/>
-              <a:cs typeface="Arial"/>
-            </a:endParaRPr>
+            <a:r>
+              <a:rPr lang="en-US" sz="1750" b="1" dirty="0" smtClean="0">
+                <a:latin typeface="Arial"/>
+                <a:cs typeface="Arial"/>
+              </a:rPr>
+              <a:t>The LSE and the ratio of output LSE to theoretical minimum LSE for the network demonstrated that the model has more errors than a theoretically ideal run. However, this is to be expected for any model run, and the ratio demonstrates a close fit as it was only slightly above 1.</a:t>
+            </a:r>
           </a:p>
           <a:p>
             <a:pPr marL="342900" indent="-342900">
               <a:buFont typeface="Arial"/>
               <a:buChar char="•"/>
             </a:pPr>
-            <a:endParaRPr lang="en-US" sz="1800" b="1" dirty="0">
-              <a:solidFill>
-                <a:srgbClr val="FF0000"/>
-              </a:solidFill>
-              <a:latin typeface="Arial"/>
-              <a:cs typeface="Arial"/>
-            </a:endParaRPr>
+            <a:r>
+              <a:rPr lang="en-US" sz="1750" b="1" dirty="0" smtClean="0">
+                <a:latin typeface="Arial"/>
+                <a:cs typeface="Arial"/>
+              </a:rPr>
+              <a:t>ASH1 had the strongest activation input in the network, from SWI5. This may have affected the size of the production rate and optimized threshold b levels. However, when examining the expression rate output, the model did not fit the data well, which suggests this gene needs to be studied further.</a:t>
+            </a:r>
           </a:p>
           <a:p>
             <a:pPr marL="342900" indent="-342900">
               <a:buFont typeface="Arial"/>
               <a:buChar char="•"/>
             </a:pPr>
-            <a:endParaRPr lang="en-US" sz="1800" b="1" dirty="0" smtClean="0">
-              <a:solidFill>
-                <a:srgbClr val="FF0000"/>
-              </a:solidFill>
-              <a:latin typeface="Arial"/>
-              <a:cs typeface="Arial"/>
-            </a:endParaRPr>
-          </a:p>
-          <a:p>
-            <a:pPr marL="342900" indent="-342900">
-              <a:buFont typeface="Arial"/>
-              <a:buChar char="•"/>
-            </a:pPr>
-            <a:r>
-              <a:rPr lang="en-US" sz="1800" b="1" dirty="0" smtClean="0">
+            <a:r>
+              <a:rPr lang="en-US" sz="1750" b="1" dirty="0" smtClean="0">
                 <a:latin typeface="Arial"/>
                 <a:cs typeface="Arial"/>
               </a:rPr>
-              <a:t>The LSE and the ratio of output LSE to theoretical minimum LSE for the network demonstrated that the model has more errors than a theoretically ideal run. However, this is to be expected for any model run, and the ratio demonstrates a close fit as it was only slightly above 1.</a:t>
-            </a:r>
-          </a:p>
-          <a:p>
-            <a:pPr marL="342900" indent="-342900">
-              <a:buFont typeface="Arial"/>
-              <a:buChar char="•"/>
-            </a:pPr>
-            <a:r>
-              <a:rPr lang="en-US" sz="1800" b="1" dirty="0" smtClean="0">
-                <a:solidFill>
-                  <a:srgbClr val="FF0000"/>
-                </a:solidFill>
+              <a:t>In addition to the above, future directions include running Gephi statistical analysis on the other gene family networks. Then, comparisons of the </a:t>
+            </a:r>
+            <a:r>
+              <a:rPr lang="en-US" sz="1750" b="1" i="1" dirty="0" smtClean="0">
                 <a:latin typeface="Arial"/>
                 <a:cs typeface="Arial"/>
               </a:rPr>
-              <a:t>Estimated parameter comparisons showed how the parameters can change with node/edge deletion between networks. Extreme fluctuation in estimated parameter outputs was especially frequent with genes shown in the individual gene plots to be modeled poorly, namely ASH1 and CIN5. </a:t>
-            </a:r>
-          </a:p>
-          <a:p>
-            <a:pPr marL="342900" indent="-342900">
-              <a:buFont typeface="Arial"/>
-              <a:buChar char="•"/>
-            </a:pPr>
-            <a:r>
-              <a:rPr lang="en-US" sz="1800" b="1" dirty="0" smtClean="0">
+              <a:t>Δhap4</a:t>
+            </a:r>
+            <a:r>
+              <a:rPr lang="en-US" sz="1750" b="1" dirty="0" smtClean="0">
                 <a:latin typeface="Arial"/>
                 <a:cs typeface="Arial"/>
               </a:rPr>
-              <a:t>In addition to the above, future directions include running </a:t>
-            </a:r>
-            <a:r>
-              <a:rPr lang="en-US" sz="1800" b="1" dirty="0" err="1" smtClean="0">
-                <a:latin typeface="Arial"/>
-                <a:cs typeface="Arial"/>
-              </a:rPr>
-              <a:t>Gephi</a:t>
-            </a:r>
-            <a:r>
-              <a:rPr lang="en-US" sz="1800" b="1" dirty="0" smtClean="0">
-                <a:latin typeface="Arial"/>
-                <a:cs typeface="Arial"/>
-              </a:rPr>
-              <a:t> statistical analysis on the other gene family networks. Then, comparisons of the </a:t>
-            </a:r>
-            <a:r>
-              <a:rPr lang="en-US" sz="1800" b="1" i="1" dirty="0">
-                <a:latin typeface="Arial"/>
-                <a:cs typeface="Arial"/>
-              </a:rPr>
-              <a:t>Δhap4</a:t>
-            </a:r>
-            <a:r>
-              <a:rPr lang="en-US" sz="1800" b="1" dirty="0" smtClean="0">
-                <a:latin typeface="Arial"/>
-                <a:cs typeface="Arial"/>
-              </a:rPr>
-              <a:t> network statistics to the other deletion gene networks could be done. It would also be interesting to run </a:t>
-            </a:r>
-            <a:r>
-              <a:rPr lang="en-US" sz="1800" b="1" dirty="0" err="1" smtClean="0">
-                <a:latin typeface="Arial"/>
-                <a:cs typeface="Arial"/>
-              </a:rPr>
-              <a:t>Gephi</a:t>
-            </a:r>
-            <a:r>
-              <a:rPr lang="en-US" sz="1800" b="1" dirty="0" smtClean="0">
-                <a:latin typeface="Arial"/>
-                <a:cs typeface="Arial"/>
-              </a:rPr>
-              <a:t> analysis on networks of larger size in order to see how the centrality of nodes and connections change with the deletion of important nodes and edges.</a:t>
-            </a:r>
-            <a:endParaRPr lang="en-US" sz="1900" b="1" dirty="0" smtClean="0">
+              <a:t> network statistics to the other deletion gene networks could be done. It would also be interesting to run Gephi analysis on networks of larger size in order to see how the centrality of nodes and connections change with the deletion of important nodes and edges.</a:t>
+            </a:r>
+            <a:endParaRPr lang="en-US" sz="1750" b="1" dirty="0" smtClean="0">
               <a:latin typeface="Arial"/>
               <a:cs typeface="Arial"/>
             </a:endParaRPr>
@@ -9224,8 +8816,8 @@
         </p:nvSpPr>
         <p:spPr>
           <a:xfrm>
-            <a:off x="27411292" y="7181698"/>
-            <a:ext cx="8813236" cy="3400931"/>
+            <a:off x="34139743" y="5688224"/>
+            <a:ext cx="9181942" cy="3123932"/>
           </a:xfrm>
           <a:prstGeom prst="rect">
             <a:avLst/>
@@ -9286,20 +8878,7 @@
                 <a:latin typeface="Arial" panose="020B0604020202020204" pitchFamily="34" charset="0"/>
                 <a:cs typeface="Arial" panose="020B0604020202020204" pitchFamily="34" charset="0"/>
               </a:rPr>
-              <a:t>As the LSE is fairly small, the model fit well, but did not fit the exact minimum theoretical LSE, as the ratio is larger than 1.</a:t>
-            </a:r>
-          </a:p>
-          <a:p>
-            <a:pPr marL="342900" indent="-342900">
-              <a:buFont typeface="Arial" panose="020B0604020202020204" pitchFamily="34" charset="0"/>
-              <a:buChar char="•"/>
-            </a:pPr>
-            <a:r>
-              <a:rPr lang="en-US" sz="1800" b="1" dirty="0" smtClean="0">
-                <a:latin typeface="Arial" panose="020B0604020202020204" pitchFamily="34" charset="0"/>
-                <a:cs typeface="Arial" panose="020B0604020202020204" pitchFamily="34" charset="0"/>
-              </a:rPr>
-              <a:t>This shows the model had more errors than the ideal theoretical model, but is still considered a good fit on the network.</a:t>
+              <a:t>As the LSE is fairly small, the model fit well, but did not fit the exact minimum theoretical LSE, as the ratio is larger than 1. So the model had more errors than the ideal theoretical model, but is still considered a good fit on the network.</a:t>
             </a:r>
           </a:p>
           <a:p>
@@ -9326,14 +8905,14 @@
           <p:nvPr>
             <p:extLst>
               <p:ext uri="{D42A27DB-BD31-4B8C-83A1-F6EECF244321}">
-                <p14:modId xmlns:p14="http://schemas.microsoft.com/office/powerpoint/2010/main" val="2687870067"/>
+                <p14:modId xmlns:p14="http://schemas.microsoft.com/office/powerpoint/2010/main" val="2519609754"/>
               </p:ext>
             </p:extLst>
           </p:nvPr>
         </p:nvGraphicFramePr>
         <p:xfrm>
-          <a:off x="27462189" y="5818251"/>
-          <a:ext cx="8311705" cy="1101403"/>
+          <a:off x="27215590" y="6224181"/>
+          <a:ext cx="6764311" cy="1158240"/>
         </p:xfrm>
         <a:graphic>
           <a:graphicData uri="http://schemas.openxmlformats.org/drawingml/2006/table">
@@ -9342,11 +8921,11 @@
                 <a:tableStyleId>{5C22544A-7EE6-4342-B048-85BDC9FD1C3A}</a:tableStyleId>
               </a:tblPr>
               <a:tblGrid>
-                <a:gridCol w="2424253"/>
-                <a:gridCol w="1475874"/>
-                <a:gridCol w="1122947"/>
-                <a:gridCol w="2229853"/>
-                <a:gridCol w="1058778"/>
+                <a:gridCol w="1239809"/>
+                <a:gridCol w="1308100"/>
+                <a:gridCol w="1079500"/>
+                <a:gridCol w="2159000"/>
+                <a:gridCol w="977902"/>
               </a:tblGrid>
               <a:tr h="389429">
                 <a:tc>
@@ -9356,13 +8935,13 @@
                     <a:p>
                       <a:pPr algn="ctr"/>
                       <a:r>
-                        <a:rPr lang="en-US" sz="1800" dirty="0" smtClean="0">
+                        <a:rPr lang="en-US" sz="1600" dirty="0" smtClean="0">
                           <a:latin typeface="Arial" panose="020B0604020202020204" pitchFamily="34" charset="0"/>
                           <a:cs typeface="Arial" panose="020B0604020202020204" pitchFamily="34" charset="0"/>
                         </a:rPr>
                         <a:t>Network</a:t>
                       </a:r>
-                      <a:endParaRPr lang="en-US" sz="1800" dirty="0">
+                      <a:endParaRPr lang="en-US" sz="1600" dirty="0">
                         <a:latin typeface="Arial" panose="020B0604020202020204" pitchFamily="34" charset="0"/>
                         <a:cs typeface="Arial" panose="020B0604020202020204" pitchFamily="34" charset="0"/>
                       </a:endParaRPr>
@@ -9377,13 +8956,13 @@
                     <a:p>
                       <a:pPr algn="ctr"/>
                       <a:r>
-                        <a:rPr lang="en-US" sz="1800" dirty="0" smtClean="0">
+                        <a:rPr lang="en-US" sz="1600" dirty="0" smtClean="0">
                           <a:latin typeface="Arial" panose="020B0604020202020204" pitchFamily="34" charset="0"/>
                           <a:cs typeface="Arial" panose="020B0604020202020204" pitchFamily="34" charset="0"/>
                         </a:rPr>
                         <a:t>Parameters</a:t>
                       </a:r>
-                      <a:endParaRPr lang="en-US" sz="1800" dirty="0">
+                      <a:endParaRPr lang="en-US" sz="1600" dirty="0">
                         <a:latin typeface="Arial" panose="020B0604020202020204" pitchFamily="34" charset="0"/>
                         <a:cs typeface="Arial" panose="020B0604020202020204" pitchFamily="34" charset="0"/>
                       </a:endParaRPr>
@@ -9398,13 +8977,13 @@
                     <a:p>
                       <a:pPr algn="ctr"/>
                       <a:r>
-                        <a:rPr lang="en-US" sz="1800" dirty="0" smtClean="0">
+                        <a:rPr lang="en-US" sz="1600" dirty="0" smtClean="0">
                           <a:latin typeface="Arial" panose="020B0604020202020204" pitchFamily="34" charset="0"/>
                           <a:cs typeface="Arial" panose="020B0604020202020204" pitchFamily="34" charset="0"/>
                         </a:rPr>
                         <a:t>LSE</a:t>
                       </a:r>
-                      <a:endParaRPr lang="en-US" sz="1800" dirty="0">
+                      <a:endParaRPr lang="en-US" sz="1600" dirty="0">
                         <a:latin typeface="Arial" panose="020B0604020202020204" pitchFamily="34" charset="0"/>
                         <a:cs typeface="Arial" panose="020B0604020202020204" pitchFamily="34" charset="0"/>
                       </a:endParaRPr>
@@ -9419,13 +8998,13 @@
                     <a:p>
                       <a:pPr algn="ctr"/>
                       <a:r>
-                        <a:rPr lang="en-US" sz="1800" dirty="0" smtClean="0">
+                        <a:rPr lang="en-US" sz="1600" dirty="0" smtClean="0">
                           <a:latin typeface="Arial" panose="020B0604020202020204" pitchFamily="34" charset="0"/>
                           <a:cs typeface="Arial" panose="020B0604020202020204" pitchFamily="34" charset="0"/>
                         </a:rPr>
                         <a:t>Minimum theoretical LSE</a:t>
                       </a:r>
-                      <a:endParaRPr lang="en-US" sz="1800" dirty="0">
+                      <a:endParaRPr lang="en-US" sz="1600" dirty="0">
                         <a:latin typeface="Arial" panose="020B0604020202020204" pitchFamily="34" charset="0"/>
                         <a:cs typeface="Arial" panose="020B0604020202020204" pitchFamily="34" charset="0"/>
                       </a:endParaRPr>
@@ -9440,13 +9019,13 @@
                     <a:p>
                       <a:pPr algn="ctr"/>
                       <a:r>
-                        <a:rPr lang="en-US" sz="1800" dirty="0" smtClean="0">
+                        <a:rPr lang="en-US" sz="1600" dirty="0" smtClean="0">
                           <a:latin typeface="Arial" panose="020B0604020202020204" pitchFamily="34" charset="0"/>
                           <a:cs typeface="Arial" panose="020B0604020202020204" pitchFamily="34" charset="0"/>
                         </a:rPr>
                         <a:t>Ratio</a:t>
                       </a:r>
-                      <a:endParaRPr lang="en-US" sz="1800" dirty="0">
+                      <a:endParaRPr lang="en-US" sz="1600" dirty="0">
                         <a:latin typeface="Arial" panose="020B0604020202020204" pitchFamily="34" charset="0"/>
                         <a:cs typeface="Arial" panose="020B0604020202020204" pitchFamily="34" charset="0"/>
                       </a:endParaRPr>
@@ -9463,13 +9042,13 @@
                     <a:p>
                       <a:pPr algn="ctr"/>
                       <a:r>
-                        <a:rPr lang="en-US" sz="1800" b="1" dirty="0" smtClean="0">
+                        <a:rPr lang="en-US" sz="1600" b="1" dirty="0" smtClean="0">
                           <a:latin typeface="Arial" panose="020B0604020202020204" pitchFamily="34" charset="0"/>
                           <a:cs typeface="Arial" panose="020B0604020202020204" pitchFamily="34" charset="0"/>
                         </a:rPr>
                         <a:t>15 genes, 28 edges</a:t>
                       </a:r>
-                      <a:endParaRPr lang="en-US" sz="1800" b="1" dirty="0">
+                      <a:endParaRPr lang="en-US" sz="1600" b="1" dirty="0">
                         <a:latin typeface="Arial" panose="020B0604020202020204" pitchFamily="34" charset="0"/>
                         <a:cs typeface="Arial" panose="020B0604020202020204" pitchFamily="34" charset="0"/>
                       </a:endParaRPr>
@@ -9484,13 +9063,13 @@
                     <a:p>
                       <a:pPr algn="ctr"/>
                       <a:r>
-                        <a:rPr lang="en-US" sz="1800" b="1" dirty="0" smtClean="0">
+                        <a:rPr lang="en-US" sz="1600" b="1" dirty="0" smtClean="0">
                           <a:latin typeface="Arial" panose="020B0604020202020204" pitchFamily="34" charset="0"/>
                           <a:cs typeface="Arial" panose="020B0604020202020204" pitchFamily="34" charset="0"/>
                         </a:rPr>
                         <a:t>58</a:t>
                       </a:r>
-                      <a:endParaRPr lang="en-US" sz="1800" b="1" dirty="0">
+                      <a:endParaRPr lang="en-US" sz="1600" b="1" dirty="0">
                         <a:latin typeface="Arial" panose="020B0604020202020204" pitchFamily="34" charset="0"/>
                         <a:cs typeface="Arial" panose="020B0604020202020204" pitchFamily="34" charset="0"/>
                       </a:endParaRPr>
@@ -9505,13 +9084,13 @@
                     <a:p>
                       <a:pPr algn="ctr"/>
                       <a:r>
-                        <a:rPr lang="en-US" sz="1800" b="1" dirty="0" smtClean="0">
+                        <a:rPr lang="en-US" sz="1600" b="1" dirty="0" smtClean="0">
                           <a:latin typeface="Arial" panose="020B0604020202020204" pitchFamily="34" charset="0"/>
                           <a:cs typeface="Arial" panose="020B0604020202020204" pitchFamily="34" charset="0"/>
                         </a:rPr>
                         <a:t>0.706</a:t>
                       </a:r>
-                      <a:endParaRPr lang="en-US" sz="1800" b="1" dirty="0">
+                      <a:endParaRPr lang="en-US" sz="1600" b="1" dirty="0">
                         <a:latin typeface="Arial" panose="020B0604020202020204" pitchFamily="34" charset="0"/>
                         <a:cs typeface="Arial" panose="020B0604020202020204" pitchFamily="34" charset="0"/>
                       </a:endParaRPr>
@@ -9526,13 +9105,13 @@
                     <a:p>
                       <a:pPr algn="ctr"/>
                       <a:r>
-                        <a:rPr lang="en-US" sz="1800" b="1" dirty="0" smtClean="0">
+                        <a:rPr lang="en-US" sz="1600" b="1" dirty="0" smtClean="0">
                           <a:latin typeface="Arial" panose="020B0604020202020204" pitchFamily="34" charset="0"/>
                           <a:cs typeface="Arial" panose="020B0604020202020204" pitchFamily="34" charset="0"/>
                         </a:rPr>
                         <a:t>0.485</a:t>
                       </a:r>
-                      <a:endParaRPr lang="en-US" sz="1800" b="1" dirty="0">
+                      <a:endParaRPr lang="en-US" sz="1600" b="1" dirty="0">
                         <a:latin typeface="Arial" panose="020B0604020202020204" pitchFamily="34" charset="0"/>
                         <a:cs typeface="Arial" panose="020B0604020202020204" pitchFamily="34" charset="0"/>
                       </a:endParaRPr>
@@ -9547,13 +9126,13 @@
                     <a:p>
                       <a:pPr algn="ctr"/>
                       <a:r>
-                        <a:rPr lang="en-US" sz="1800" b="1" dirty="0" smtClean="0">
+                        <a:rPr lang="en-US" sz="1600" b="1" dirty="0" smtClean="0">
                           <a:latin typeface="Arial" panose="020B0604020202020204" pitchFamily="34" charset="0"/>
                           <a:cs typeface="Arial" panose="020B0604020202020204" pitchFamily="34" charset="0"/>
                         </a:rPr>
                         <a:t>1.455</a:t>
                       </a:r>
-                      <a:endParaRPr lang="en-US" sz="1800" b="1" dirty="0">
+                      <a:endParaRPr lang="en-US" sz="1600" b="1" dirty="0">
                         <a:latin typeface="Arial" panose="020B0604020202020204" pitchFamily="34" charset="0"/>
                         <a:cs typeface="Arial" panose="020B0604020202020204" pitchFamily="34" charset="0"/>
                       </a:endParaRPr>
@@ -9575,13 +9154,13 @@
           <p:nvPr>
             <p:extLst>
               <p:ext uri="{D42A27DB-BD31-4B8C-83A1-F6EECF244321}">
-                <p14:modId xmlns:p14="http://schemas.microsoft.com/office/powerpoint/2010/main" val="3649326649"/>
+                <p14:modId xmlns:p14="http://schemas.microsoft.com/office/powerpoint/2010/main" val="561706164"/>
               </p:ext>
             </p:extLst>
           </p:nvPr>
         </p:nvGraphicFramePr>
         <p:xfrm>
-          <a:off x="27411292" y="11227173"/>
+          <a:off x="27322848" y="9296584"/>
           <a:ext cx="8362602" cy="3647137"/>
         </p:xfrm>
         <a:graphic>
@@ -9599,13 +9178,13 @@
           <p:nvPr>
             <p:extLst>
               <p:ext uri="{D42A27DB-BD31-4B8C-83A1-F6EECF244321}">
-                <p14:modId xmlns:p14="http://schemas.microsoft.com/office/powerpoint/2010/main" val="903895774"/>
+                <p14:modId xmlns:p14="http://schemas.microsoft.com/office/powerpoint/2010/main" val="98943821"/>
               </p:ext>
             </p:extLst>
           </p:nvPr>
         </p:nvGraphicFramePr>
         <p:xfrm>
-          <a:off x="27746054" y="14719793"/>
+          <a:off x="27827500" y="12918008"/>
           <a:ext cx="7353300" cy="2977657"/>
         </p:xfrm>
         <a:graphic>
@@ -9623,13 +9202,13 @@
           <p:nvPr>
             <p:extLst>
               <p:ext uri="{D42A27DB-BD31-4B8C-83A1-F6EECF244321}">
-                <p14:modId xmlns:p14="http://schemas.microsoft.com/office/powerpoint/2010/main" val="3533671541"/>
+                <p14:modId xmlns:p14="http://schemas.microsoft.com/office/powerpoint/2010/main" val="414601563"/>
               </p:ext>
             </p:extLst>
           </p:nvPr>
         </p:nvGraphicFramePr>
         <p:xfrm>
-          <a:off x="35434115" y="14721167"/>
+          <a:off x="27678518" y="16372899"/>
           <a:ext cx="7651263" cy="2928483"/>
         </p:xfrm>
         <a:graphic>
@@ -9777,14 +9356,14 @@
           <p:nvPr>
             <p:extLst>
               <p:ext uri="{D42A27DB-BD31-4B8C-83A1-F6EECF244321}">
-                <p14:modId xmlns:p14="http://schemas.microsoft.com/office/powerpoint/2010/main" val="2799249558"/>
+                <p14:modId xmlns:p14="http://schemas.microsoft.com/office/powerpoint/2010/main" val="3784081059"/>
               </p:ext>
             </p:extLst>
           </p:nvPr>
         </p:nvGraphicFramePr>
         <p:xfrm>
           <a:off x="21365611" y="11783380"/>
-          <a:ext cx="5193207" cy="6400649"/>
+          <a:ext cx="5193207" cy="6174407"/>
         </p:xfrm>
         <a:graphic>
           <a:graphicData uri="http://schemas.openxmlformats.org/drawingml/2006/table">
@@ -9806,39 +9385,18 @@
                     <a:p>
                       <a:pPr marL="0" algn="ctr" defTabSz="2194560" rtl="0" eaLnBrk="1" fontAlgn="b" latinLnBrk="0" hangingPunct="1"/>
                       <a:r>
-                        <a:rPr lang="en-US" sz="1800" b="1" kern="1200" dirty="0" smtClean="0">
-                          <a:solidFill>
-                            <a:schemeClr val="lt1"/>
-                          </a:solidFill>
-                          <a:latin typeface="Arial" panose="020B0604020202020204" pitchFamily="34" charset="0"/>
-                          <a:ea typeface="+mn-ea"/>
-                          <a:cs typeface="Arial" panose="020B0604020202020204" pitchFamily="34" charset="0"/>
-                        </a:rPr>
+                        <a:rPr lang="en-US" sz="1800" kern="1200" dirty="0" smtClean="0"/>
                         <a:t>In Degree,</a:t>
                       </a:r>
                       <a:r>
-                        <a:rPr lang="en-US" sz="1800" b="1" kern="1200" baseline="0" dirty="0" smtClean="0">
-                          <a:solidFill>
-                            <a:schemeClr val="lt1"/>
-                          </a:solidFill>
-                          <a:latin typeface="Arial" panose="020B0604020202020204" pitchFamily="34" charset="0"/>
-                          <a:ea typeface="+mn-ea"/>
-                          <a:cs typeface="Arial" panose="020B0604020202020204" pitchFamily="34" charset="0"/>
-                        </a:rPr>
+                        <a:rPr lang="en-US" sz="1800" kern="1200" baseline="0" dirty="0" smtClean="0"/>
                         <a:t> Out Degree, and Total Degrees </a:t>
                       </a:r>
                     </a:p>
                     <a:p>
                       <a:pPr marL="0" algn="ctr" defTabSz="2194560" rtl="0" eaLnBrk="1" fontAlgn="b" latinLnBrk="0" hangingPunct="1"/>
                       <a:r>
-                        <a:rPr lang="en-US" sz="1800" b="1" kern="1200" baseline="0" dirty="0" smtClean="0">
-                          <a:solidFill>
-                            <a:schemeClr val="lt1"/>
-                          </a:solidFill>
-                          <a:latin typeface="Arial" panose="020B0604020202020204" pitchFamily="34" charset="0"/>
-                          <a:ea typeface="+mn-ea"/>
-                          <a:cs typeface="Arial" panose="020B0604020202020204" pitchFamily="34" charset="0"/>
-                        </a:rPr>
+                        <a:rPr lang="en-US" sz="1800" kern="1200" baseline="0" dirty="0" smtClean="0"/>
                         <a:t>for all 15 Genes in the GRN</a:t>
                       </a:r>
                       <a:endParaRPr lang="en-US" sz="1800" b="1" kern="1200" dirty="0">
@@ -9851,17 +9409,7 @@
                       </a:endParaRPr>
                     </a:p>
                   </a:txBody>
-                  <a:tcPr marL="9525" marR="9525" marT="9525" marB="0" anchor="b">
-                    <a:lnB w="12700" cap="flat" cmpd="sng" algn="ctr">
-                      <a:solidFill>
-                        <a:schemeClr val="tx1"/>
-                      </a:solidFill>
-                      <a:prstDash val="solid"/>
-                      <a:round/>
-                      <a:headEnd type="none" w="med" len="med"/>
-                      <a:tailEnd type="none" w="med" len="med"/>
-                    </a:lnB>
-                  </a:tcPr>
+                  <a:tcPr marL="9525" marR="9525" marT="9525" marB="0" anchor="b"/>
                 </a:tc>
                 <a:tc hMerge="1">
                   <a:txBody>
@@ -9927,68 +9475,6 @@
                       <a:pPr marL="0" algn="ctr" defTabSz="2194560" rtl="0" eaLnBrk="1" fontAlgn="b" latinLnBrk="0" hangingPunct="1"/>
                       <a:endParaRPr lang="en-US" sz="1800" b="1" kern="1200" dirty="0">
                         <a:solidFill>
-                          <a:schemeClr val="tx1"/>
-                        </a:solidFill>
-                        <a:latin typeface="Arial" panose="020B0604020202020204" pitchFamily="34" charset="0"/>
-                        <a:ea typeface="+mn-ea"/>
-                        <a:cs typeface="Arial" panose="020B0604020202020204" pitchFamily="34" charset="0"/>
-                      </a:endParaRPr>
-                    </a:p>
-                  </a:txBody>
-                  <a:tcPr marL="9525" marR="9525" marT="9525" marB="0" anchor="b">
-                    <a:lnL w="12700" cap="flat" cmpd="sng" algn="ctr">
-                      <a:noFill/>
-                      <a:prstDash val="solid"/>
-                      <a:round/>
-                      <a:headEnd type="none" w="med" len="med"/>
-                      <a:tailEnd type="none" w="med" len="med"/>
-                    </a:lnL>
-                    <a:lnR w="12700" cap="flat" cmpd="sng" algn="ctr">
-                      <a:solidFill>
-                        <a:schemeClr val="tx1"/>
-                      </a:solidFill>
-                      <a:prstDash val="solid"/>
-                      <a:round/>
-                      <a:headEnd type="none" w="med" len="med"/>
-                      <a:tailEnd type="none" w="med" len="med"/>
-                    </a:lnR>
-                    <a:lnT w="12700" cap="flat" cmpd="sng" algn="ctr">
-                      <a:solidFill>
-                        <a:schemeClr val="tx1"/>
-                      </a:solidFill>
-                      <a:prstDash val="solid"/>
-                      <a:round/>
-                      <a:headEnd type="none" w="med" len="med"/>
-                      <a:tailEnd type="none" w="med" len="med"/>
-                    </a:lnT>
-                    <a:lnB w="12700" cap="flat" cmpd="sng" algn="ctr">
-                      <a:noFill/>
-                      <a:prstDash val="solid"/>
-                      <a:round/>
-                      <a:headEnd type="none" w="med" len="med"/>
-                      <a:tailEnd type="none" w="med" len="med"/>
-                    </a:lnB>
-                    <a:lnTlToBr w="12700" cmpd="sng">
-                      <a:noFill/>
-                      <a:prstDash val="solid"/>
-                    </a:lnTlToBr>
-                    <a:lnBlToTr w="12700" cmpd="sng">
-                      <a:noFill/>
-                      <a:prstDash val="solid"/>
-                    </a:lnBlToTr>
-                    <a:solidFill>
-                      <a:schemeClr val="accent1"/>
-                    </a:solidFill>
-                  </a:tcPr>
-                </a:tc>
-                <a:tc>
-                  <a:txBody>
-                    <a:bodyPr/>
-                    <a:lstStyle/>
-                    <a:p>
-                      <a:pPr marL="0" algn="ctr" defTabSz="2194560" rtl="0" eaLnBrk="1" fontAlgn="b" latinLnBrk="0" hangingPunct="1"/>
-                      <a:endParaRPr lang="en-US" sz="1800" b="1" kern="1200" dirty="0" smtClean="0">
-                        <a:solidFill>
                           <a:schemeClr val="bg1"/>
                         </a:solidFill>
                         <a:latin typeface="Arial" panose="020B0604020202020204" pitchFamily="34" charset="0"/>
@@ -9996,22 +9482,127 @@
                         <a:cs typeface="Arial" panose="020B0604020202020204" pitchFamily="34" charset="0"/>
                       </a:endParaRPr>
                     </a:p>
-                    <a:p>
-                      <a:pPr marL="0" algn="ctr" defTabSz="2194560" rtl="0" eaLnBrk="1" fontAlgn="b" latinLnBrk="0" hangingPunct="1"/>
-                      <a:r>
-                        <a:rPr lang="en-US" sz="1800" b="1" kern="1200" dirty="0" smtClean="0">
+                  </a:txBody>
+                  <a:tcPr marL="9525" marR="9525" marT="9525" marB="0">
+                    <a:solidFill>
+                      <a:schemeClr val="accent1"/>
+                    </a:solidFill>
+                  </a:tcPr>
+                </a:tc>
+                <a:tc>
+                  <a:txBody>
+                    <a:bodyPr/>
+                    <a:lstStyle/>
+                    <a:p>
+                      <a:pPr marL="0" algn="ctr" defTabSz="2194560" rtl="0" eaLnBrk="1" fontAlgn="b" latinLnBrk="0" hangingPunct="1"/>
+                      <a:r>
+                        <a:rPr lang="en-US" sz="1800" b="1" kern="1200" baseline="0" dirty="0" smtClean="0">
                           <a:solidFill>
-                            <a:schemeClr val="bg1"/>
+                            <a:schemeClr val="lt1"/>
                           </a:solidFill>
-                          <a:latin typeface="Arial" panose="020B0604020202020204" pitchFamily="34" charset="0"/>
+                          <a:latin typeface="+mn-lt"/>
                           <a:ea typeface="+mn-ea"/>
-                          <a:cs typeface="Arial" panose="020B0604020202020204" pitchFamily="34" charset="0"/>
+                          <a:cs typeface="+mn-cs"/>
                         </a:rPr>
                         <a:t>In-Degree</a:t>
                       </a:r>
+                      <a:endParaRPr lang="en-US" sz="1800" b="1" kern="1200" baseline="0" dirty="0">
+                        <a:solidFill>
+                          <a:schemeClr val="lt1"/>
+                        </a:solidFill>
+                        <a:latin typeface="+mn-lt"/>
+                        <a:ea typeface="+mn-ea"/>
+                        <a:cs typeface="+mn-cs"/>
+                      </a:endParaRPr>
+                    </a:p>
+                  </a:txBody>
+                  <a:tcPr marL="9525" marR="9525" marT="9525" marB="0" anchor="ctr">
+                    <a:solidFill>
+                      <a:schemeClr val="accent1"/>
+                    </a:solidFill>
+                  </a:tcPr>
+                </a:tc>
+                <a:tc>
+                  <a:txBody>
+                    <a:bodyPr/>
+                    <a:lstStyle/>
+                    <a:p>
+                      <a:pPr marL="0" algn="ctr" defTabSz="2194560" rtl="0" eaLnBrk="1" fontAlgn="b" latinLnBrk="0" hangingPunct="1"/>
+                      <a:r>
+                        <a:rPr lang="en-US" sz="1800" b="1" kern="1200" baseline="0" dirty="0" smtClean="0">
+                          <a:solidFill>
+                            <a:schemeClr val="lt1"/>
+                          </a:solidFill>
+                          <a:latin typeface="+mn-lt"/>
+                          <a:ea typeface="+mn-ea"/>
+                          <a:cs typeface="+mn-cs"/>
+                        </a:rPr>
+                        <a:t>Out-Degree</a:t>
+                      </a:r>
+                      <a:endParaRPr lang="en-US" sz="1800" b="1" kern="1200" baseline="0" dirty="0">
+                        <a:solidFill>
+                          <a:schemeClr val="lt1"/>
+                        </a:solidFill>
+                        <a:latin typeface="+mn-lt"/>
+                        <a:ea typeface="+mn-ea"/>
+                        <a:cs typeface="+mn-cs"/>
+                      </a:endParaRPr>
+                    </a:p>
+                  </a:txBody>
+                  <a:tcPr marL="9525" marR="9525" marT="9525" marB="0" anchor="ctr">
+                    <a:solidFill>
+                      <a:schemeClr val="accent1"/>
+                    </a:solidFill>
+                  </a:tcPr>
+                </a:tc>
+                <a:tc>
+                  <a:txBody>
+                    <a:bodyPr/>
+                    <a:lstStyle/>
+                    <a:p>
+                      <a:pPr marL="0" algn="ctr" defTabSz="2194560" rtl="0" eaLnBrk="1" fontAlgn="b" latinLnBrk="0" hangingPunct="1"/>
+                      <a:r>
+                        <a:rPr lang="en-US" sz="1800" b="1" kern="1200" baseline="0" dirty="0" smtClean="0">
+                          <a:solidFill>
+                            <a:schemeClr val="lt1"/>
+                          </a:solidFill>
+                          <a:latin typeface="+mn-lt"/>
+                          <a:ea typeface="+mn-ea"/>
+                          <a:cs typeface="+mn-cs"/>
+                        </a:rPr>
+                        <a:t>Degree</a:t>
+                      </a:r>
+                      <a:endParaRPr lang="en-US" sz="1800" b="1" kern="1200" baseline="0" dirty="0">
+                        <a:solidFill>
+                          <a:schemeClr val="lt1"/>
+                        </a:solidFill>
+                        <a:latin typeface="+mn-lt"/>
+                        <a:ea typeface="+mn-ea"/>
+                        <a:cs typeface="+mn-cs"/>
+                      </a:endParaRPr>
+                    </a:p>
+                  </a:txBody>
+                  <a:tcPr marL="9525" marR="9525" marT="9525" marB="0" anchor="ctr">
+                    <a:solidFill>
+                      <a:schemeClr val="accent1"/>
+                    </a:solidFill>
+                  </a:tcPr>
+                </a:tc>
+              </a:tr>
+              <a:tr h="310913">
+                <a:tc>
+                  <a:txBody>
+                    <a:bodyPr/>
+                    <a:lstStyle/>
+                    <a:p>
+                      <a:pPr marL="0" algn="ctr" defTabSz="2194560" rtl="0" eaLnBrk="1" fontAlgn="b" latinLnBrk="0" hangingPunct="1"/>
+                      <a:r>
+                        <a:rPr lang="en-US" sz="1800" kern="1200" dirty="0"/>
+                        <a:t>ACE2</a:t>
+                      </a:r>
                       <a:endParaRPr lang="en-US" sz="1800" b="1" kern="1200" dirty="0">
                         <a:solidFill>
-                          <a:schemeClr val="bg1"/>
+                          <a:schemeClr val="dk1"/>
                         </a:solidFill>
                         <a:latin typeface="Arial" panose="020B0604020202020204" pitchFamily="34" charset="0"/>
                         <a:ea typeface="+mn-ea"/>
@@ -10019,85 +9610,43 @@
                       </a:endParaRPr>
                     </a:p>
                   </a:txBody>
-                  <a:tcPr marL="9525" marR="9525" marT="9525" marB="0" anchor="b">
-                    <a:lnL w="12700" cap="flat" cmpd="sng" algn="ctr">
-                      <a:solidFill>
-                        <a:schemeClr val="tx1"/>
-                      </a:solidFill>
-                      <a:prstDash val="solid"/>
-                      <a:round/>
-                      <a:headEnd type="none" w="med" len="med"/>
-                      <a:tailEnd type="none" w="med" len="med"/>
-                    </a:lnL>
-                    <a:lnR w="12700" cap="flat" cmpd="sng" algn="ctr">
-                      <a:solidFill>
-                        <a:schemeClr val="tx1"/>
-                      </a:solidFill>
-                      <a:prstDash val="solid"/>
-                      <a:round/>
-                      <a:headEnd type="none" w="med" len="med"/>
-                      <a:tailEnd type="none" w="med" len="med"/>
-                    </a:lnR>
-                    <a:lnT w="12700" cap="flat" cmpd="sng" algn="ctr">
-                      <a:solidFill>
-                        <a:schemeClr val="tx1"/>
-                      </a:solidFill>
-                      <a:prstDash val="solid"/>
-                      <a:round/>
-                      <a:headEnd type="none" w="med" len="med"/>
-                      <a:tailEnd type="none" w="med" len="med"/>
-                    </a:lnT>
-                    <a:lnB w="12700" cap="flat" cmpd="sng" algn="ctr">
-                      <a:noFill/>
-                      <a:prstDash val="solid"/>
-                      <a:round/>
-                      <a:headEnd type="none" w="med" len="med"/>
-                      <a:tailEnd type="none" w="med" len="med"/>
-                    </a:lnB>
-                    <a:lnTlToBr w="12700" cmpd="sng">
-                      <a:noFill/>
-                      <a:prstDash val="solid"/>
-                    </a:lnTlToBr>
-                    <a:lnBlToTr w="12700" cmpd="sng">
-                      <a:noFill/>
-                      <a:prstDash val="solid"/>
-                    </a:lnBlToTr>
-                    <a:solidFill>
-                      <a:schemeClr val="accent1"/>
-                    </a:solidFill>
-                  </a:tcPr>
-                </a:tc>
-                <a:tc>
-                  <a:txBody>
-                    <a:bodyPr/>
-                    <a:lstStyle/>
-                    <a:p>
-                      <a:pPr marL="0" algn="ctr" defTabSz="2194560" rtl="0" eaLnBrk="1" fontAlgn="b" latinLnBrk="0" hangingPunct="1"/>
-                      <a:endParaRPr lang="en-US" sz="1800" b="1" kern="1200" dirty="0" smtClean="0">
+                  <a:tcPr marL="9525" marR="9525" marT="9525" marB="0" anchor="b"/>
+                </a:tc>
+                <a:tc>
+                  <a:txBody>
+                    <a:bodyPr/>
+                    <a:lstStyle/>
+                    <a:p>
+                      <a:pPr marL="0" algn="ctr" defTabSz="2194560" rtl="0" eaLnBrk="1" fontAlgn="b" latinLnBrk="0" hangingPunct="1"/>
+                      <a:r>
+                        <a:rPr lang="en-US" sz="1800" kern="1200" dirty="0"/>
+                        <a:t>1</a:t>
+                      </a:r>
+                      <a:endParaRPr lang="en-US" sz="1800" b="1" kern="1200" dirty="0">
                         <a:solidFill>
-                          <a:schemeClr val="bg1"/>
+                          <a:schemeClr val="dk1"/>
                         </a:solidFill>
                         <a:latin typeface="Arial" panose="020B0604020202020204" pitchFamily="34" charset="0"/>
                         <a:ea typeface="+mn-ea"/>
                         <a:cs typeface="Arial" panose="020B0604020202020204" pitchFamily="34" charset="0"/>
                       </a:endParaRPr>
                     </a:p>
-                    <a:p>
-                      <a:pPr marL="0" algn="ctr" defTabSz="2194560" rtl="0" eaLnBrk="1" fontAlgn="b" latinLnBrk="0" hangingPunct="1"/>
-                      <a:r>
-                        <a:rPr lang="en-US" sz="1800" b="1" kern="1200" dirty="0" smtClean="0">
-                          <a:solidFill>
-                            <a:schemeClr val="bg1"/>
-                          </a:solidFill>
-                          <a:latin typeface="Arial" panose="020B0604020202020204" pitchFamily="34" charset="0"/>
-                          <a:ea typeface="+mn-ea"/>
-                          <a:cs typeface="Arial" panose="020B0604020202020204" pitchFamily="34" charset="0"/>
-                        </a:rPr>
-                        <a:t>Out-Degree</a:t>
+                  </a:txBody>
+                  <a:tcPr marL="9525" marR="9525" marT="9525" marB="0" anchor="b"/>
+                </a:tc>
+                <a:tc>
+                  <a:txBody>
+                    <a:bodyPr/>
+                    <a:lstStyle/>
+                    <a:p>
+                      <a:pPr marL="0" algn="ctr" defTabSz="2194560" rtl="0" eaLnBrk="1" fontAlgn="b" latinLnBrk="0" hangingPunct="1"/>
+                      <a:r>
+                        <a:rPr lang="en-US" sz="1800" kern="1200" dirty="0"/>
+                        <a:t>1</a:t>
                       </a:r>
                       <a:endParaRPr lang="en-US" sz="1800" b="1" kern="1200" dirty="0">
                         <a:solidFill>
-                          <a:schemeClr val="bg1"/>
+                          <a:schemeClr val="dk1"/>
                         </a:solidFill>
                         <a:latin typeface="Arial" panose="020B0604020202020204" pitchFamily="34" charset="0"/>
                         <a:ea typeface="+mn-ea"/>
@@ -10105,85 +9654,45 @@
                       </a:endParaRPr>
                     </a:p>
                   </a:txBody>
-                  <a:tcPr marL="9525" marR="9525" marT="9525" marB="0" anchor="b">
-                    <a:lnL w="12700" cap="flat" cmpd="sng" algn="ctr">
-                      <a:solidFill>
-                        <a:schemeClr val="tx1"/>
-                      </a:solidFill>
-                      <a:prstDash val="solid"/>
-                      <a:round/>
-                      <a:headEnd type="none" w="med" len="med"/>
-                      <a:tailEnd type="none" w="med" len="med"/>
-                    </a:lnL>
-                    <a:lnR w="12700" cap="flat" cmpd="sng" algn="ctr">
-                      <a:solidFill>
-                        <a:schemeClr val="tx1"/>
-                      </a:solidFill>
-                      <a:prstDash val="solid"/>
-                      <a:round/>
-                      <a:headEnd type="none" w="med" len="med"/>
-                      <a:tailEnd type="none" w="med" len="med"/>
-                    </a:lnR>
-                    <a:lnT w="12700" cap="flat" cmpd="sng" algn="ctr">
-                      <a:solidFill>
-                        <a:schemeClr val="tx1"/>
-                      </a:solidFill>
-                      <a:prstDash val="solid"/>
-                      <a:round/>
-                      <a:headEnd type="none" w="med" len="med"/>
-                      <a:tailEnd type="none" w="med" len="med"/>
-                    </a:lnT>
-                    <a:lnB w="12700" cap="flat" cmpd="sng" algn="ctr">
-                      <a:noFill/>
-                      <a:prstDash val="solid"/>
-                      <a:round/>
-                      <a:headEnd type="none" w="med" len="med"/>
-                      <a:tailEnd type="none" w="med" len="med"/>
-                    </a:lnB>
-                    <a:lnTlToBr w="12700" cmpd="sng">
-                      <a:noFill/>
-                      <a:prstDash val="solid"/>
-                    </a:lnTlToBr>
-                    <a:lnBlToTr w="12700" cmpd="sng">
-                      <a:noFill/>
-                      <a:prstDash val="solid"/>
-                    </a:lnBlToTr>
-                    <a:solidFill>
-                      <a:schemeClr val="accent1"/>
-                    </a:solidFill>
-                  </a:tcPr>
-                </a:tc>
-                <a:tc>
-                  <a:txBody>
-                    <a:bodyPr/>
-                    <a:lstStyle/>
-                    <a:p>
-                      <a:pPr marL="0" algn="ctr" defTabSz="2194560" rtl="0" eaLnBrk="1" fontAlgn="b" latinLnBrk="0" hangingPunct="1"/>
-                      <a:endParaRPr lang="en-US" sz="1800" b="1" kern="1200" dirty="0" smtClean="0">
+                  <a:tcPr marL="9525" marR="9525" marT="9525" marB="0" anchor="b"/>
+                </a:tc>
+                <a:tc>
+                  <a:txBody>
+                    <a:bodyPr/>
+                    <a:lstStyle/>
+                    <a:p>
+                      <a:pPr marL="0" algn="ctr" defTabSz="2194560" rtl="0" eaLnBrk="1" fontAlgn="b" latinLnBrk="0" hangingPunct="1"/>
+                      <a:r>
+                        <a:rPr lang="en-US" sz="1800" kern="1200" dirty="0"/>
+                        <a:t>2</a:t>
+                      </a:r>
+                      <a:endParaRPr lang="en-US" sz="1800" b="1" kern="1200" dirty="0">
                         <a:solidFill>
-                          <a:schemeClr val="bg1"/>
+                          <a:schemeClr val="dk1"/>
                         </a:solidFill>
                         <a:latin typeface="Arial" panose="020B0604020202020204" pitchFamily="34" charset="0"/>
                         <a:ea typeface="+mn-ea"/>
                         <a:cs typeface="Arial" panose="020B0604020202020204" pitchFamily="34" charset="0"/>
                       </a:endParaRPr>
                     </a:p>
-                    <a:p>
-                      <a:pPr marL="0" algn="ctr" defTabSz="2194560" rtl="0" eaLnBrk="1" fontAlgn="b" latinLnBrk="0" hangingPunct="1"/>
-                      <a:r>
-                        <a:rPr lang="en-US" sz="1800" b="1" kern="1200" dirty="0" smtClean="0">
-                          <a:solidFill>
-                            <a:schemeClr val="bg1"/>
-                          </a:solidFill>
-                          <a:latin typeface="Arial" panose="020B0604020202020204" pitchFamily="34" charset="0"/>
-                          <a:ea typeface="+mn-ea"/>
-                          <a:cs typeface="Arial" panose="020B0604020202020204" pitchFamily="34" charset="0"/>
-                        </a:rPr>
-                        <a:t>Degree</a:t>
-                      </a:r>
-                      <a:endParaRPr lang="en-US" sz="1800" b="1" kern="1200" dirty="0">
+                  </a:txBody>
+                  <a:tcPr marL="9525" marR="9525" marT="9525" marB="0" anchor="b"/>
+                </a:tc>
+              </a:tr>
+              <a:tr h="310913">
+                <a:tc>
+                  <a:txBody>
+                    <a:bodyPr/>
+                    <a:lstStyle/>
+                    <a:p>
+                      <a:pPr marL="0" algn="ctr" defTabSz="2194560" rtl="0" eaLnBrk="1" fontAlgn="b" latinLnBrk="0" hangingPunct="1"/>
+                      <a:r>
+                        <a:rPr lang="en-US" sz="1800" kern="1200"/>
+                        <a:t>ASH1</a:t>
+                      </a:r>
+                      <a:endParaRPr lang="en-US" sz="1800" b="1" kern="1200">
                         <a:solidFill>
-                          <a:schemeClr val="bg1"/>
+                          <a:schemeClr val="dk1"/>
                         </a:solidFill>
                         <a:latin typeface="Arial" panose="020B0604020202020204" pitchFamily="34" charset="0"/>
                         <a:ea typeface="+mn-ea"/>
@@ -10191,51 +9700,73 @@
                       </a:endParaRPr>
                     </a:p>
                   </a:txBody>
-                  <a:tcPr marL="9525" marR="9525" marT="9525" marB="0" anchor="b">
-                    <a:lnL w="12700" cap="flat" cmpd="sng" algn="ctr">
-                      <a:solidFill>
-                        <a:schemeClr val="tx1"/>
-                      </a:solidFill>
-                      <a:prstDash val="solid"/>
-                      <a:round/>
-                      <a:headEnd type="none" w="med" len="med"/>
-                      <a:tailEnd type="none" w="med" len="med"/>
-                    </a:lnL>
-                    <a:lnR w="12700" cap="flat" cmpd="sng" algn="ctr">
-                      <a:noFill/>
-                      <a:prstDash val="solid"/>
-                      <a:round/>
-                      <a:headEnd type="none" w="med" len="med"/>
-                      <a:tailEnd type="none" w="med" len="med"/>
-                    </a:lnR>
-                    <a:lnT w="12700" cap="flat" cmpd="sng" algn="ctr">
-                      <a:solidFill>
-                        <a:schemeClr val="tx1"/>
-                      </a:solidFill>
-                      <a:prstDash val="solid"/>
-                      <a:round/>
-                      <a:headEnd type="none" w="med" len="med"/>
-                      <a:tailEnd type="none" w="med" len="med"/>
-                    </a:lnT>
-                    <a:lnB w="12700" cap="flat" cmpd="sng" algn="ctr">
-                      <a:noFill/>
-                      <a:prstDash val="solid"/>
-                      <a:round/>
-                      <a:headEnd type="none" w="med" len="med"/>
-                      <a:tailEnd type="none" w="med" len="med"/>
-                    </a:lnB>
-                    <a:lnTlToBr w="12700" cmpd="sng">
-                      <a:noFill/>
-                      <a:prstDash val="solid"/>
-                    </a:lnTlToBr>
-                    <a:lnBlToTr w="12700" cmpd="sng">
-                      <a:noFill/>
-                      <a:prstDash val="solid"/>
-                    </a:lnBlToTr>
-                    <a:solidFill>
-                      <a:schemeClr val="accent1"/>
-                    </a:solidFill>
-                  </a:tcPr>
+                  <a:tcPr marL="9525" marR="9525" marT="9525" marB="0" anchor="b"/>
+                </a:tc>
+                <a:tc>
+                  <a:txBody>
+                    <a:bodyPr/>
+                    <a:lstStyle/>
+                    <a:p>
+                      <a:pPr marL="0" algn="ctr" defTabSz="2194560" rtl="0" eaLnBrk="1" fontAlgn="b" latinLnBrk="0" hangingPunct="1"/>
+                      <a:r>
+                        <a:rPr lang="en-US" sz="1800" kern="1200" dirty="0"/>
+                        <a:t>3</a:t>
+                      </a:r>
+                      <a:endParaRPr lang="en-US" sz="1800" b="1" kern="1200" dirty="0">
+                        <a:solidFill>
+                          <a:schemeClr val="dk1"/>
+                        </a:solidFill>
+                        <a:latin typeface="Arial" panose="020B0604020202020204" pitchFamily="34" charset="0"/>
+                        <a:ea typeface="+mn-ea"/>
+                        <a:cs typeface="Arial" panose="020B0604020202020204" pitchFamily="34" charset="0"/>
+                      </a:endParaRPr>
+                    </a:p>
+                  </a:txBody>
+                  <a:tcPr marL="9525" marR="9525" marT="9525" marB="0" anchor="b"/>
+                </a:tc>
+                <a:tc>
+                  <a:txBody>
+                    <a:bodyPr/>
+                    <a:lstStyle/>
+                    <a:p>
+                      <a:pPr marL="0" algn="ctr" defTabSz="2194560" rtl="0" eaLnBrk="1" fontAlgn="b" latinLnBrk="0" hangingPunct="1"/>
+                      <a:r>
+                        <a:rPr lang="en-US" sz="1800" kern="1200" dirty="0"/>
+                        <a:t>1</a:t>
+                      </a:r>
+                      <a:endParaRPr lang="en-US" sz="1800" b="1" kern="1200" dirty="0">
+                        <a:solidFill>
+                          <a:schemeClr val="dk1"/>
+                        </a:solidFill>
+                        <a:latin typeface="Arial" panose="020B0604020202020204" pitchFamily="34" charset="0"/>
+                        <a:ea typeface="+mn-ea"/>
+                        <a:cs typeface="Arial" panose="020B0604020202020204" pitchFamily="34" charset="0"/>
+                      </a:endParaRPr>
+                    </a:p>
+                  </a:txBody>
+                  <a:tcPr marL="9525" marR="9525" marT="9525" marB="0" anchor="b"/>
+                </a:tc>
+                <a:tc>
+                  <a:txBody>
+                    <a:bodyPr/>
+                    <a:lstStyle/>
+                    <a:p>
+                      <a:pPr marL="0" algn="ctr" defTabSz="2194560" rtl="0" eaLnBrk="1" fontAlgn="b" latinLnBrk="0" hangingPunct="1"/>
+                      <a:r>
+                        <a:rPr lang="en-US" sz="1800" kern="1200" dirty="0"/>
+                        <a:t>4</a:t>
+                      </a:r>
+                      <a:endParaRPr lang="en-US" sz="1800" b="1" kern="1200" dirty="0">
+                        <a:solidFill>
+                          <a:schemeClr val="dk1"/>
+                        </a:solidFill>
+                        <a:latin typeface="Arial" panose="020B0604020202020204" pitchFamily="34" charset="0"/>
+                        <a:ea typeface="+mn-ea"/>
+                        <a:cs typeface="Arial" panose="020B0604020202020204" pitchFamily="34" charset="0"/>
+                      </a:endParaRPr>
+                    </a:p>
+                  </a:txBody>
+                  <a:tcPr marL="9525" marR="9525" marT="9525" marB="0" anchor="b"/>
                 </a:tc>
               </a:tr>
               <a:tr h="310913">
@@ -10246,134 +9777,39 @@
                     <a:p>
                       <a:pPr marL="0" algn="ctr" defTabSz="2194560" rtl="0" eaLnBrk="1" fontAlgn="b" latinLnBrk="0" hangingPunct="1"/>
                       <a:r>
-                        <a:rPr lang="en-US" sz="1800" b="1" kern="1200" dirty="0">
-                          <a:solidFill>
-                            <a:schemeClr val="dk1"/>
-                          </a:solidFill>
-                          <a:latin typeface="Arial" panose="020B0604020202020204" pitchFamily="34" charset="0"/>
-                          <a:ea typeface="+mn-ea"/>
-                          <a:cs typeface="Arial" panose="020B0604020202020204" pitchFamily="34" charset="0"/>
-                        </a:rPr>
-                        <a:t>ACE2</a:t>
-                      </a:r>
-                    </a:p>
-                  </a:txBody>
-                  <a:tcPr marL="9525" marR="9525" marT="9525" marB="0" anchor="b">
-                    <a:lnT w="12700" cap="flat" cmpd="sng" algn="ctr">
-                      <a:noFill/>
-                      <a:prstDash val="solid"/>
-                      <a:round/>
-                      <a:headEnd type="none" w="med" len="med"/>
-                      <a:tailEnd type="none" w="med" len="med"/>
-                    </a:lnT>
-                  </a:tcPr>
-                </a:tc>
-                <a:tc>
-                  <a:txBody>
-                    <a:bodyPr/>
-                    <a:lstStyle/>
-                    <a:p>
-                      <a:pPr marL="0" algn="ctr" defTabSz="2194560" rtl="0" eaLnBrk="1" fontAlgn="b" latinLnBrk="0" hangingPunct="1"/>
-                      <a:r>
-                        <a:rPr lang="en-US" sz="1800" b="1" kern="1200" dirty="0">
-                          <a:solidFill>
-                            <a:schemeClr val="dk1"/>
-                          </a:solidFill>
-                          <a:latin typeface="Arial" panose="020B0604020202020204" pitchFamily="34" charset="0"/>
-                          <a:ea typeface="+mn-ea"/>
-                          <a:cs typeface="Arial" panose="020B0604020202020204" pitchFamily="34" charset="0"/>
-                        </a:rPr>
-                        <a:t>1</a:t>
-                      </a:r>
-                    </a:p>
-                  </a:txBody>
-                  <a:tcPr marL="9525" marR="9525" marT="9525" marB="0" anchor="b">
-                    <a:lnT w="12700" cap="flat" cmpd="sng" algn="ctr">
-                      <a:noFill/>
-                      <a:prstDash val="solid"/>
-                      <a:round/>
-                      <a:headEnd type="none" w="med" len="med"/>
-                      <a:tailEnd type="none" w="med" len="med"/>
-                    </a:lnT>
-                  </a:tcPr>
-                </a:tc>
-                <a:tc>
-                  <a:txBody>
-                    <a:bodyPr/>
-                    <a:lstStyle/>
-                    <a:p>
-                      <a:pPr marL="0" algn="ctr" defTabSz="2194560" rtl="0" eaLnBrk="1" fontAlgn="b" latinLnBrk="0" hangingPunct="1"/>
-                      <a:r>
-                        <a:rPr lang="en-US" sz="1800" b="1" kern="1200" dirty="0">
-                          <a:solidFill>
-                            <a:schemeClr val="dk1"/>
-                          </a:solidFill>
-                          <a:latin typeface="Arial" panose="020B0604020202020204" pitchFamily="34" charset="0"/>
-                          <a:ea typeface="+mn-ea"/>
-                          <a:cs typeface="Arial" panose="020B0604020202020204" pitchFamily="34" charset="0"/>
-                        </a:rPr>
-                        <a:t>1</a:t>
-                      </a:r>
-                    </a:p>
-                  </a:txBody>
-                  <a:tcPr marL="9525" marR="9525" marT="9525" marB="0" anchor="b">
-                    <a:lnT w="12700" cap="flat" cmpd="sng" algn="ctr">
-                      <a:noFill/>
-                      <a:prstDash val="solid"/>
-                      <a:round/>
-                      <a:headEnd type="none" w="med" len="med"/>
-                      <a:tailEnd type="none" w="med" len="med"/>
-                    </a:lnT>
-                  </a:tcPr>
-                </a:tc>
-                <a:tc>
-                  <a:txBody>
-                    <a:bodyPr/>
-                    <a:lstStyle/>
-                    <a:p>
-                      <a:pPr marL="0" algn="ctr" defTabSz="2194560" rtl="0" eaLnBrk="1" fontAlgn="b" latinLnBrk="0" hangingPunct="1"/>
-                      <a:r>
-                        <a:rPr lang="en-US" sz="1800" b="1" kern="1200" dirty="0">
-                          <a:solidFill>
-                            <a:schemeClr val="dk1"/>
-                          </a:solidFill>
-                          <a:latin typeface="Arial" panose="020B0604020202020204" pitchFamily="34" charset="0"/>
-                          <a:ea typeface="+mn-ea"/>
-                          <a:cs typeface="Arial" panose="020B0604020202020204" pitchFamily="34" charset="0"/>
-                        </a:rPr>
+                        <a:rPr lang="en-US" sz="1800" kern="1200"/>
+                        <a:t>CIN5</a:t>
+                      </a:r>
+                      <a:endParaRPr lang="en-US" sz="1800" b="1" kern="1200">
+                        <a:solidFill>
+                          <a:schemeClr val="dk1"/>
+                        </a:solidFill>
+                        <a:latin typeface="Arial" panose="020B0604020202020204" pitchFamily="34" charset="0"/>
+                        <a:ea typeface="+mn-ea"/>
+                        <a:cs typeface="Arial" panose="020B0604020202020204" pitchFamily="34" charset="0"/>
+                      </a:endParaRPr>
+                    </a:p>
+                  </a:txBody>
+                  <a:tcPr marL="9525" marR="9525" marT="9525" marB="0" anchor="b"/>
+                </a:tc>
+                <a:tc>
+                  <a:txBody>
+                    <a:bodyPr/>
+                    <a:lstStyle/>
+                    <a:p>
+                      <a:pPr marL="0" algn="ctr" defTabSz="2194560" rtl="0" eaLnBrk="1" fontAlgn="b" latinLnBrk="0" hangingPunct="1"/>
+                      <a:r>
+                        <a:rPr lang="en-US" sz="1800" kern="1200" dirty="0"/>
                         <a:t>2</a:t>
                       </a:r>
-                    </a:p>
-                  </a:txBody>
-                  <a:tcPr marL="9525" marR="9525" marT="9525" marB="0" anchor="b">
-                    <a:lnT w="12700" cap="flat" cmpd="sng" algn="ctr">
-                      <a:noFill/>
-                      <a:prstDash val="solid"/>
-                      <a:round/>
-                      <a:headEnd type="none" w="med" len="med"/>
-                      <a:tailEnd type="none" w="med" len="med"/>
-                    </a:lnT>
-                  </a:tcPr>
-                </a:tc>
-              </a:tr>
-              <a:tr h="310913">
-                <a:tc>
-                  <a:txBody>
-                    <a:bodyPr/>
-                    <a:lstStyle/>
-                    <a:p>
-                      <a:pPr marL="0" algn="ctr" defTabSz="2194560" rtl="0" eaLnBrk="1" fontAlgn="b" latinLnBrk="0" hangingPunct="1"/>
-                      <a:r>
-                        <a:rPr lang="en-US" sz="1800" b="1" kern="1200">
-                          <a:solidFill>
-                            <a:schemeClr val="dk1"/>
-                          </a:solidFill>
-                          <a:latin typeface="Arial" panose="020B0604020202020204" pitchFamily="34" charset="0"/>
-                          <a:ea typeface="+mn-ea"/>
-                          <a:cs typeface="Arial" panose="020B0604020202020204" pitchFamily="34" charset="0"/>
-                        </a:rPr>
-                        <a:t>ASH1</a:t>
-                      </a:r>
+                      <a:endParaRPr lang="en-US" sz="1800" b="1" kern="1200" dirty="0">
+                        <a:solidFill>
+                          <a:schemeClr val="dk1"/>
+                        </a:solidFill>
+                        <a:latin typeface="Arial" panose="020B0604020202020204" pitchFamily="34" charset="0"/>
+                        <a:ea typeface="+mn-ea"/>
+                        <a:cs typeface="Arial" panose="020B0604020202020204" pitchFamily="34" charset="0"/>
+                      </a:endParaRPr>
                     </a:p>
                   </a:txBody>
                   <a:tcPr marL="9525" marR="9525" marT="9525" marB="0" anchor="b"/>
@@ -10385,16 +9821,17 @@
                     <a:p>
                       <a:pPr marL="0" algn="ctr" defTabSz="2194560" rtl="0" eaLnBrk="1" fontAlgn="b" latinLnBrk="0" hangingPunct="1"/>
                       <a:r>
-                        <a:rPr lang="en-US" sz="1800" b="1" kern="1200" dirty="0">
-                          <a:solidFill>
-                            <a:schemeClr val="dk1"/>
-                          </a:solidFill>
-                          <a:latin typeface="Arial" panose="020B0604020202020204" pitchFamily="34" charset="0"/>
-                          <a:ea typeface="+mn-ea"/>
-                          <a:cs typeface="Arial" panose="020B0604020202020204" pitchFamily="34" charset="0"/>
-                        </a:rPr>
-                        <a:t>3</a:t>
-                      </a:r>
+                        <a:rPr lang="en-US" sz="1800" kern="1200" dirty="0"/>
+                        <a:t>4</a:t>
+                      </a:r>
+                      <a:endParaRPr lang="en-US" sz="1800" b="1" kern="1200" dirty="0">
+                        <a:solidFill>
+                          <a:schemeClr val="dk1"/>
+                        </a:solidFill>
+                        <a:latin typeface="Arial" panose="020B0604020202020204" pitchFamily="34" charset="0"/>
+                        <a:ea typeface="+mn-ea"/>
+                        <a:cs typeface="Arial" panose="020B0604020202020204" pitchFamily="34" charset="0"/>
+                      </a:endParaRPr>
                     </a:p>
                   </a:txBody>
                   <a:tcPr marL="9525" marR="9525" marT="9525" marB="0" anchor="b"/>
@@ -10406,123 +9843,17 @@
                     <a:p>
                       <a:pPr marL="0" algn="ctr" defTabSz="2194560" rtl="0" eaLnBrk="1" fontAlgn="b" latinLnBrk="0" hangingPunct="1"/>
                       <a:r>
-                        <a:rPr lang="en-US" sz="1800" b="1" kern="1200" dirty="0">
-                          <a:solidFill>
-                            <a:schemeClr val="dk1"/>
-                          </a:solidFill>
-                          <a:latin typeface="Arial" panose="020B0604020202020204" pitchFamily="34" charset="0"/>
-                          <a:ea typeface="+mn-ea"/>
-                          <a:cs typeface="Arial" panose="020B0604020202020204" pitchFamily="34" charset="0"/>
-                        </a:rPr>
-                        <a:t>1</a:t>
-                      </a:r>
-                    </a:p>
-                  </a:txBody>
-                  <a:tcPr marL="9525" marR="9525" marT="9525" marB="0" anchor="b"/>
-                </a:tc>
-                <a:tc>
-                  <a:txBody>
-                    <a:bodyPr/>
-                    <a:lstStyle/>
-                    <a:p>
-                      <a:pPr marL="0" algn="ctr" defTabSz="2194560" rtl="0" eaLnBrk="1" fontAlgn="b" latinLnBrk="0" hangingPunct="1"/>
-                      <a:r>
-                        <a:rPr lang="en-US" sz="1800" b="1" kern="1200" dirty="0">
-                          <a:solidFill>
-                            <a:schemeClr val="dk1"/>
-                          </a:solidFill>
-                          <a:latin typeface="Arial" panose="020B0604020202020204" pitchFamily="34" charset="0"/>
-                          <a:ea typeface="+mn-ea"/>
-                          <a:cs typeface="Arial" panose="020B0604020202020204" pitchFamily="34" charset="0"/>
-                        </a:rPr>
-                        <a:t>4</a:t>
-                      </a:r>
-                    </a:p>
-                  </a:txBody>
-                  <a:tcPr marL="9525" marR="9525" marT="9525" marB="0" anchor="b"/>
-                </a:tc>
-              </a:tr>
-              <a:tr h="310913">
-                <a:tc>
-                  <a:txBody>
-                    <a:bodyPr/>
-                    <a:lstStyle/>
-                    <a:p>
-                      <a:pPr marL="0" algn="ctr" defTabSz="2194560" rtl="0" eaLnBrk="1" fontAlgn="b" latinLnBrk="0" hangingPunct="1"/>
-                      <a:r>
-                        <a:rPr lang="en-US" sz="1800" b="1" kern="1200">
-                          <a:solidFill>
-                            <a:schemeClr val="dk1"/>
-                          </a:solidFill>
-                          <a:latin typeface="Arial" panose="020B0604020202020204" pitchFamily="34" charset="0"/>
-                          <a:ea typeface="+mn-ea"/>
-                          <a:cs typeface="Arial" panose="020B0604020202020204" pitchFamily="34" charset="0"/>
-                        </a:rPr>
-                        <a:t>CIN5</a:t>
-                      </a:r>
-                    </a:p>
-                  </a:txBody>
-                  <a:tcPr marL="9525" marR="9525" marT="9525" marB="0" anchor="b"/>
-                </a:tc>
-                <a:tc>
-                  <a:txBody>
-                    <a:bodyPr/>
-                    <a:lstStyle/>
-                    <a:p>
-                      <a:pPr marL="0" algn="ctr" defTabSz="2194560" rtl="0" eaLnBrk="1" fontAlgn="b" latinLnBrk="0" hangingPunct="1"/>
-                      <a:r>
-                        <a:rPr lang="en-US" sz="1800" b="1" kern="1200" dirty="0">
-                          <a:solidFill>
-                            <a:schemeClr val="dk1"/>
-                          </a:solidFill>
-                          <a:latin typeface="Arial" panose="020B0604020202020204" pitchFamily="34" charset="0"/>
-                          <a:ea typeface="+mn-ea"/>
-                          <a:cs typeface="Arial" panose="020B0604020202020204" pitchFamily="34" charset="0"/>
-                        </a:rPr>
-                        <a:t>2</a:t>
-                      </a:r>
-                    </a:p>
-                  </a:txBody>
-                  <a:tcPr marL="9525" marR="9525" marT="9525" marB="0" anchor="b"/>
-                </a:tc>
-                <a:tc>
-                  <a:txBody>
-                    <a:bodyPr/>
-                    <a:lstStyle/>
-                    <a:p>
-                      <a:pPr marL="0" algn="ctr" defTabSz="2194560" rtl="0" eaLnBrk="1" fontAlgn="b" latinLnBrk="0" hangingPunct="1"/>
-                      <a:r>
-                        <a:rPr lang="en-US" sz="1800" b="1" kern="1200" dirty="0">
-                          <a:solidFill>
-                            <a:schemeClr val="dk1"/>
-                          </a:solidFill>
-                          <a:latin typeface="Arial" panose="020B0604020202020204" pitchFamily="34" charset="0"/>
-                          <a:ea typeface="+mn-ea"/>
-                          <a:cs typeface="Arial" panose="020B0604020202020204" pitchFamily="34" charset="0"/>
-                        </a:rPr>
-                        <a:t>4</a:t>
-                      </a:r>
-                    </a:p>
-                  </a:txBody>
-                  <a:tcPr marL="9525" marR="9525" marT="9525" marB="0" anchor="b"/>
-                </a:tc>
-                <a:tc>
-                  <a:txBody>
-                    <a:bodyPr/>
-                    <a:lstStyle/>
-                    <a:p>
-                      <a:pPr marL="0" algn="ctr" defTabSz="2194560" rtl="0" eaLnBrk="1" fontAlgn="b" latinLnBrk="0" hangingPunct="1"/>
-                      <a:r>
-                        <a:rPr lang="en-US" sz="1800" b="1" kern="1200" dirty="0">
-                          <a:solidFill>
-                            <a:schemeClr val="dk1"/>
-                          </a:solidFill>
-                          <a:latin typeface="Arial" panose="020B0604020202020204" pitchFamily="34" charset="0"/>
-                          <a:ea typeface="+mn-ea"/>
-                          <a:cs typeface="Arial" panose="020B0604020202020204" pitchFamily="34" charset="0"/>
-                        </a:rPr>
+                        <a:rPr lang="en-US" sz="1800" kern="1200" dirty="0"/>
                         <a:t>6</a:t>
                       </a:r>
+                      <a:endParaRPr lang="en-US" sz="1800" b="1" kern="1200" dirty="0">
+                        <a:solidFill>
+                          <a:schemeClr val="dk1"/>
+                        </a:solidFill>
+                        <a:latin typeface="Arial" panose="020B0604020202020204" pitchFamily="34" charset="0"/>
+                        <a:ea typeface="+mn-ea"/>
+                        <a:cs typeface="Arial" panose="020B0604020202020204" pitchFamily="34" charset="0"/>
+                      </a:endParaRPr>
                     </a:p>
                   </a:txBody>
                   <a:tcPr marL="9525" marR="9525" marT="9525" marB="0" anchor="b"/>
@@ -10536,16 +9867,17 @@
                     <a:p>
                       <a:pPr marL="0" algn="ctr" defTabSz="2194560" rtl="0" eaLnBrk="1" fontAlgn="b" latinLnBrk="0" hangingPunct="1"/>
                       <a:r>
-                        <a:rPr lang="en-US" sz="1800" b="1" kern="1200">
-                          <a:solidFill>
-                            <a:schemeClr val="dk1"/>
-                          </a:solidFill>
-                          <a:latin typeface="Arial" panose="020B0604020202020204" pitchFamily="34" charset="0"/>
-                          <a:ea typeface="+mn-ea"/>
-                          <a:cs typeface="Arial" panose="020B0604020202020204" pitchFamily="34" charset="0"/>
-                        </a:rPr>
+                        <a:rPr lang="en-US" sz="1800" kern="1200"/>
                         <a:t>GCR2</a:t>
                       </a:r>
+                      <a:endParaRPr lang="en-US" sz="1800" b="1" kern="1200">
+                        <a:solidFill>
+                          <a:schemeClr val="dk1"/>
+                        </a:solidFill>
+                        <a:latin typeface="Arial" panose="020B0604020202020204" pitchFamily="34" charset="0"/>
+                        <a:ea typeface="+mn-ea"/>
+                        <a:cs typeface="Arial" panose="020B0604020202020204" pitchFamily="34" charset="0"/>
+                      </a:endParaRPr>
                     </a:p>
                   </a:txBody>
                   <a:tcPr marL="9525" marR="9525" marT="9525" marB="0" anchor="b"/>
@@ -10557,16 +9889,17 @@
                     <a:p>
                       <a:pPr marL="0" algn="ctr" defTabSz="2194560" rtl="0" eaLnBrk="1" fontAlgn="b" latinLnBrk="0" hangingPunct="1"/>
                       <a:r>
-                        <a:rPr lang="en-US" sz="1800" b="1" kern="1200">
-                          <a:solidFill>
-                            <a:schemeClr val="dk1"/>
-                          </a:solidFill>
-                          <a:latin typeface="Arial" panose="020B0604020202020204" pitchFamily="34" charset="0"/>
-                          <a:ea typeface="+mn-ea"/>
-                          <a:cs typeface="Arial" panose="020B0604020202020204" pitchFamily="34" charset="0"/>
-                        </a:rPr>
+                        <a:rPr lang="en-US" sz="1800" kern="1200"/>
                         <a:t>0</a:t>
                       </a:r>
+                      <a:endParaRPr lang="en-US" sz="1800" b="1" kern="1200">
+                        <a:solidFill>
+                          <a:schemeClr val="dk1"/>
+                        </a:solidFill>
+                        <a:latin typeface="Arial" panose="020B0604020202020204" pitchFamily="34" charset="0"/>
+                        <a:ea typeface="+mn-ea"/>
+                        <a:cs typeface="Arial" panose="020B0604020202020204" pitchFamily="34" charset="0"/>
+                      </a:endParaRPr>
                     </a:p>
                   </a:txBody>
                   <a:tcPr marL="9525" marR="9525" marT="9525" marB="0" anchor="b"/>
@@ -10578,16 +9911,17 @@
                     <a:p>
                       <a:pPr marL="0" algn="ctr" defTabSz="2194560" rtl="0" eaLnBrk="1" fontAlgn="b" latinLnBrk="0" hangingPunct="1"/>
                       <a:r>
-                        <a:rPr lang="en-US" sz="1800" b="1" kern="1200" dirty="0">
-                          <a:solidFill>
-                            <a:schemeClr val="dk1"/>
-                          </a:solidFill>
-                          <a:latin typeface="Arial" panose="020B0604020202020204" pitchFamily="34" charset="0"/>
-                          <a:ea typeface="+mn-ea"/>
-                          <a:cs typeface="Arial" panose="020B0604020202020204" pitchFamily="34" charset="0"/>
-                        </a:rPr>
+                        <a:rPr lang="en-US" sz="1800" kern="1200" dirty="0"/>
                         <a:t>1</a:t>
                       </a:r>
+                      <a:endParaRPr lang="en-US" sz="1800" b="1" kern="1200" dirty="0">
+                        <a:solidFill>
+                          <a:schemeClr val="dk1"/>
+                        </a:solidFill>
+                        <a:latin typeface="Arial" panose="020B0604020202020204" pitchFamily="34" charset="0"/>
+                        <a:ea typeface="+mn-ea"/>
+                        <a:cs typeface="Arial" panose="020B0604020202020204" pitchFamily="34" charset="0"/>
+                      </a:endParaRPr>
                     </a:p>
                   </a:txBody>
                   <a:tcPr marL="9525" marR="9525" marT="9525" marB="0" anchor="b"/>
@@ -10599,16 +9933,17 @@
                     <a:p>
                       <a:pPr marL="0" algn="ctr" defTabSz="2194560" rtl="0" eaLnBrk="1" fontAlgn="b" latinLnBrk="0" hangingPunct="1"/>
                       <a:r>
-                        <a:rPr lang="en-US" sz="1800" b="1" kern="1200" dirty="0">
-                          <a:solidFill>
-                            <a:schemeClr val="dk1"/>
-                          </a:solidFill>
-                          <a:latin typeface="Arial" panose="020B0604020202020204" pitchFamily="34" charset="0"/>
-                          <a:ea typeface="+mn-ea"/>
-                          <a:cs typeface="Arial" panose="020B0604020202020204" pitchFamily="34" charset="0"/>
-                        </a:rPr>
+                        <a:rPr lang="en-US" sz="1800" kern="1200" dirty="0"/>
                         <a:t>1</a:t>
                       </a:r>
+                      <a:endParaRPr lang="en-US" sz="1800" b="1" kern="1200" dirty="0">
+                        <a:solidFill>
+                          <a:schemeClr val="dk1"/>
+                        </a:solidFill>
+                        <a:latin typeface="Arial" panose="020B0604020202020204" pitchFamily="34" charset="0"/>
+                        <a:ea typeface="+mn-ea"/>
+                        <a:cs typeface="Arial" panose="020B0604020202020204" pitchFamily="34" charset="0"/>
+                      </a:endParaRPr>
                     </a:p>
                   </a:txBody>
                   <a:tcPr marL="9525" marR="9525" marT="9525" marB="0" anchor="b"/>
@@ -10622,16 +9957,17 @@
                     <a:p>
                       <a:pPr marL="0" algn="ctr" defTabSz="2194560" rtl="0" eaLnBrk="1" fontAlgn="b" latinLnBrk="0" hangingPunct="1"/>
                       <a:r>
-                        <a:rPr lang="en-US" sz="1800" b="1" kern="1200">
-                          <a:solidFill>
-                            <a:schemeClr val="dk1"/>
-                          </a:solidFill>
-                          <a:latin typeface="Arial" panose="020B0604020202020204" pitchFamily="34" charset="0"/>
-                          <a:ea typeface="+mn-ea"/>
-                          <a:cs typeface="Arial" panose="020B0604020202020204" pitchFamily="34" charset="0"/>
-                        </a:rPr>
+                        <a:rPr lang="en-US" sz="1800" kern="1200"/>
                         <a:t>GLN3</a:t>
                       </a:r>
+                      <a:endParaRPr lang="en-US" sz="1800" b="1" kern="1200">
+                        <a:solidFill>
+                          <a:schemeClr val="dk1"/>
+                        </a:solidFill>
+                        <a:latin typeface="Arial" panose="020B0604020202020204" pitchFamily="34" charset="0"/>
+                        <a:ea typeface="+mn-ea"/>
+                        <a:cs typeface="Arial" panose="020B0604020202020204" pitchFamily="34" charset="0"/>
+                      </a:endParaRPr>
                     </a:p>
                   </a:txBody>
                   <a:tcPr marL="9525" marR="9525" marT="9525" marB="0" anchor="b"/>
@@ -10643,16 +9979,17 @@
                     <a:p>
                       <a:pPr marL="0" algn="ctr" defTabSz="2194560" rtl="0" eaLnBrk="1" fontAlgn="b" latinLnBrk="0" hangingPunct="1"/>
                       <a:r>
-                        <a:rPr lang="en-US" sz="1800" b="1" kern="1200" dirty="0">
-                          <a:solidFill>
-                            <a:schemeClr val="dk1"/>
-                          </a:solidFill>
-                          <a:latin typeface="Arial" panose="020B0604020202020204" pitchFamily="34" charset="0"/>
-                          <a:ea typeface="+mn-ea"/>
-                          <a:cs typeface="Arial" panose="020B0604020202020204" pitchFamily="34" charset="0"/>
-                        </a:rPr>
+                        <a:rPr lang="en-US" sz="1800" kern="1200" dirty="0"/>
                         <a:t>1</a:t>
                       </a:r>
+                      <a:endParaRPr lang="en-US" sz="1800" b="1" kern="1200" dirty="0">
+                        <a:solidFill>
+                          <a:schemeClr val="dk1"/>
+                        </a:solidFill>
+                        <a:latin typeface="Arial" panose="020B0604020202020204" pitchFamily="34" charset="0"/>
+                        <a:ea typeface="+mn-ea"/>
+                        <a:cs typeface="Arial" panose="020B0604020202020204" pitchFamily="34" charset="0"/>
+                      </a:endParaRPr>
                     </a:p>
                   </a:txBody>
                   <a:tcPr marL="9525" marR="9525" marT="9525" marB="0" anchor="b"/>
@@ -10664,16 +10001,17 @@
                     <a:p>
                       <a:pPr marL="0" algn="ctr" defTabSz="2194560" rtl="0" eaLnBrk="1" fontAlgn="b" latinLnBrk="0" hangingPunct="1"/>
                       <a:r>
-                        <a:rPr lang="en-US" sz="1800" b="1" kern="1200" dirty="0">
-                          <a:solidFill>
-                            <a:schemeClr val="dk1"/>
-                          </a:solidFill>
-                          <a:latin typeface="Arial" panose="020B0604020202020204" pitchFamily="34" charset="0"/>
-                          <a:ea typeface="+mn-ea"/>
-                          <a:cs typeface="Arial" panose="020B0604020202020204" pitchFamily="34" charset="0"/>
-                        </a:rPr>
+                        <a:rPr lang="en-US" sz="1800" kern="1200" dirty="0"/>
                         <a:t>0</a:t>
                       </a:r>
+                      <a:endParaRPr lang="en-US" sz="1800" b="1" kern="1200" dirty="0">
+                        <a:solidFill>
+                          <a:schemeClr val="dk1"/>
+                        </a:solidFill>
+                        <a:latin typeface="Arial" panose="020B0604020202020204" pitchFamily="34" charset="0"/>
+                        <a:ea typeface="+mn-ea"/>
+                        <a:cs typeface="Arial" panose="020B0604020202020204" pitchFamily="34" charset="0"/>
+                      </a:endParaRPr>
                     </a:p>
                   </a:txBody>
                   <a:tcPr marL="9525" marR="9525" marT="9525" marB="0" anchor="b"/>
@@ -10685,16 +10023,17 @@
                     <a:p>
                       <a:pPr marL="0" algn="ctr" defTabSz="2194560" rtl="0" eaLnBrk="1" fontAlgn="b" latinLnBrk="0" hangingPunct="1"/>
                       <a:r>
-                        <a:rPr lang="en-US" sz="1800" b="1" kern="1200" dirty="0">
-                          <a:solidFill>
-                            <a:schemeClr val="dk1"/>
-                          </a:solidFill>
-                          <a:latin typeface="Arial" panose="020B0604020202020204" pitchFamily="34" charset="0"/>
-                          <a:ea typeface="+mn-ea"/>
-                          <a:cs typeface="Arial" panose="020B0604020202020204" pitchFamily="34" charset="0"/>
-                        </a:rPr>
+                        <a:rPr lang="en-US" sz="1800" kern="1200" dirty="0"/>
                         <a:t>1</a:t>
                       </a:r>
+                      <a:endParaRPr lang="en-US" sz="1800" b="1" kern="1200" dirty="0">
+                        <a:solidFill>
+                          <a:schemeClr val="dk1"/>
+                        </a:solidFill>
+                        <a:latin typeface="Arial" panose="020B0604020202020204" pitchFamily="34" charset="0"/>
+                        <a:ea typeface="+mn-ea"/>
+                        <a:cs typeface="Arial" panose="020B0604020202020204" pitchFamily="34" charset="0"/>
+                      </a:endParaRPr>
                     </a:p>
                   </a:txBody>
                   <a:tcPr marL="9525" marR="9525" marT="9525" marB="0" anchor="b"/>
@@ -10708,16 +10047,17 @@
                     <a:p>
                       <a:pPr marL="0" algn="ctr" defTabSz="2194560" rtl="0" eaLnBrk="1" fontAlgn="b" latinLnBrk="0" hangingPunct="1"/>
                       <a:r>
-                        <a:rPr lang="en-US" sz="1800" b="1" kern="1200">
-                          <a:solidFill>
-                            <a:schemeClr val="dk1"/>
-                          </a:solidFill>
-                          <a:latin typeface="Arial" panose="020B0604020202020204" pitchFamily="34" charset="0"/>
-                          <a:ea typeface="+mn-ea"/>
-                          <a:cs typeface="Arial" panose="020B0604020202020204" pitchFamily="34" charset="0"/>
-                        </a:rPr>
+                        <a:rPr lang="en-US" sz="1800" kern="1200"/>
                         <a:t>HAP4</a:t>
                       </a:r>
+                      <a:endParaRPr lang="en-US" sz="1800" b="1" kern="1200">
+                        <a:solidFill>
+                          <a:schemeClr val="dk1"/>
+                        </a:solidFill>
+                        <a:latin typeface="Arial" panose="020B0604020202020204" pitchFamily="34" charset="0"/>
+                        <a:ea typeface="+mn-ea"/>
+                        <a:cs typeface="Arial" panose="020B0604020202020204" pitchFamily="34" charset="0"/>
+                      </a:endParaRPr>
                     </a:p>
                   </a:txBody>
                   <a:tcPr marL="9525" marR="9525" marT="9525" marB="0" anchor="b"/>
@@ -10729,16 +10069,17 @@
                     <a:p>
                       <a:pPr marL="0" algn="ctr" defTabSz="2194560" rtl="0" eaLnBrk="1" fontAlgn="b" latinLnBrk="0" hangingPunct="1"/>
                       <a:r>
-                        <a:rPr lang="en-US" sz="1800" b="1" kern="1200">
-                          <a:solidFill>
-                            <a:schemeClr val="dk1"/>
-                          </a:solidFill>
-                          <a:latin typeface="Arial" panose="020B0604020202020204" pitchFamily="34" charset="0"/>
-                          <a:ea typeface="+mn-ea"/>
-                          <a:cs typeface="Arial" panose="020B0604020202020204" pitchFamily="34" charset="0"/>
-                        </a:rPr>
+                        <a:rPr lang="en-US" sz="1800" kern="1200"/>
                         <a:t>5</a:t>
                       </a:r>
+                      <a:endParaRPr lang="en-US" sz="1800" b="1" kern="1200">
+                        <a:solidFill>
+                          <a:schemeClr val="dk1"/>
+                        </a:solidFill>
+                        <a:latin typeface="Arial" panose="020B0604020202020204" pitchFamily="34" charset="0"/>
+                        <a:ea typeface="+mn-ea"/>
+                        <a:cs typeface="Arial" panose="020B0604020202020204" pitchFamily="34" charset="0"/>
+                      </a:endParaRPr>
                     </a:p>
                   </a:txBody>
                   <a:tcPr marL="9525" marR="9525" marT="9525" marB="0" anchor="b"/>
@@ -10750,16 +10091,17 @@
                     <a:p>
                       <a:pPr marL="0" algn="ctr" defTabSz="2194560" rtl="0" eaLnBrk="1" fontAlgn="b" latinLnBrk="0" hangingPunct="1"/>
                       <a:r>
-                        <a:rPr lang="en-US" sz="1800" b="1" kern="1200" dirty="0">
-                          <a:solidFill>
-                            <a:schemeClr val="dk1"/>
-                          </a:solidFill>
-                          <a:latin typeface="Arial" panose="020B0604020202020204" pitchFamily="34" charset="0"/>
-                          <a:ea typeface="+mn-ea"/>
-                          <a:cs typeface="Arial" panose="020B0604020202020204" pitchFamily="34" charset="0"/>
-                        </a:rPr>
+                        <a:rPr lang="en-US" sz="1800" kern="1200" dirty="0"/>
                         <a:t>0</a:t>
                       </a:r>
+                      <a:endParaRPr lang="en-US" sz="1800" b="1" kern="1200" dirty="0">
+                        <a:solidFill>
+                          <a:schemeClr val="dk1"/>
+                        </a:solidFill>
+                        <a:latin typeface="Arial" panose="020B0604020202020204" pitchFamily="34" charset="0"/>
+                        <a:ea typeface="+mn-ea"/>
+                        <a:cs typeface="Arial" panose="020B0604020202020204" pitchFamily="34" charset="0"/>
+                      </a:endParaRPr>
                     </a:p>
                   </a:txBody>
                   <a:tcPr marL="9525" marR="9525" marT="9525" marB="0" anchor="b"/>
@@ -10771,16 +10113,17 @@
                     <a:p>
                       <a:pPr marL="0" algn="ctr" defTabSz="2194560" rtl="0" eaLnBrk="1" fontAlgn="b" latinLnBrk="0" hangingPunct="1"/>
                       <a:r>
-                        <a:rPr lang="en-US" sz="1800" b="1" kern="1200" dirty="0">
-                          <a:solidFill>
-                            <a:schemeClr val="dk1"/>
-                          </a:solidFill>
-                          <a:latin typeface="Arial" panose="020B0604020202020204" pitchFamily="34" charset="0"/>
-                          <a:ea typeface="+mn-ea"/>
-                          <a:cs typeface="Arial" panose="020B0604020202020204" pitchFamily="34" charset="0"/>
-                        </a:rPr>
+                        <a:rPr lang="en-US" sz="1800" kern="1200" dirty="0"/>
                         <a:t>5</a:t>
                       </a:r>
+                      <a:endParaRPr lang="en-US" sz="1800" b="1" kern="1200" dirty="0">
+                        <a:solidFill>
+                          <a:schemeClr val="dk1"/>
+                        </a:solidFill>
+                        <a:latin typeface="Arial" panose="020B0604020202020204" pitchFamily="34" charset="0"/>
+                        <a:ea typeface="+mn-ea"/>
+                        <a:cs typeface="Arial" panose="020B0604020202020204" pitchFamily="34" charset="0"/>
+                      </a:endParaRPr>
                     </a:p>
                   </a:txBody>
                   <a:tcPr marL="9525" marR="9525" marT="9525" marB="0" anchor="b"/>
@@ -10794,16 +10137,17 @@
                     <a:p>
                       <a:pPr marL="0" algn="ctr" defTabSz="2194560" rtl="0" eaLnBrk="1" fontAlgn="b" latinLnBrk="0" hangingPunct="1"/>
                       <a:r>
-                        <a:rPr lang="en-US" sz="1800" b="1" kern="1200">
-                          <a:solidFill>
-                            <a:schemeClr val="dk1"/>
-                          </a:solidFill>
-                          <a:latin typeface="Arial" panose="020B0604020202020204" pitchFamily="34" charset="0"/>
-                          <a:ea typeface="+mn-ea"/>
-                          <a:cs typeface="Arial" panose="020B0604020202020204" pitchFamily="34" charset="0"/>
-                        </a:rPr>
+                        <a:rPr lang="en-US" sz="1800" kern="1200"/>
                         <a:t>HMO1</a:t>
                       </a:r>
+                      <a:endParaRPr lang="en-US" sz="1800" b="1" kern="1200">
+                        <a:solidFill>
+                          <a:schemeClr val="dk1"/>
+                        </a:solidFill>
+                        <a:latin typeface="Arial" panose="020B0604020202020204" pitchFamily="34" charset="0"/>
+                        <a:ea typeface="+mn-ea"/>
+                        <a:cs typeface="Arial" panose="020B0604020202020204" pitchFamily="34" charset="0"/>
+                      </a:endParaRPr>
                     </a:p>
                   </a:txBody>
                   <a:tcPr marL="9525" marR="9525" marT="9525" marB="0" anchor="b"/>
@@ -10815,16 +10159,17 @@
                     <a:p>
                       <a:pPr marL="0" algn="ctr" defTabSz="2194560" rtl="0" eaLnBrk="1" fontAlgn="b" latinLnBrk="0" hangingPunct="1"/>
                       <a:r>
-                        <a:rPr lang="en-US" sz="1800" b="1" kern="1200" dirty="0">
-                          <a:solidFill>
-                            <a:schemeClr val="dk1"/>
-                          </a:solidFill>
-                          <a:latin typeface="Arial" panose="020B0604020202020204" pitchFamily="34" charset="0"/>
-                          <a:ea typeface="+mn-ea"/>
-                          <a:cs typeface="Arial" panose="020B0604020202020204" pitchFamily="34" charset="0"/>
-                        </a:rPr>
+                        <a:rPr lang="en-US" sz="1800" kern="1200" dirty="0"/>
                         <a:t>1</a:t>
                       </a:r>
+                      <a:endParaRPr lang="en-US" sz="1800" b="1" kern="1200" dirty="0">
+                        <a:solidFill>
+                          <a:schemeClr val="dk1"/>
+                        </a:solidFill>
+                        <a:latin typeface="Arial" panose="020B0604020202020204" pitchFamily="34" charset="0"/>
+                        <a:ea typeface="+mn-ea"/>
+                        <a:cs typeface="Arial" panose="020B0604020202020204" pitchFamily="34" charset="0"/>
+                      </a:endParaRPr>
                     </a:p>
                   </a:txBody>
                   <a:tcPr marL="9525" marR="9525" marT="9525" marB="0" anchor="b"/>
@@ -10836,16 +10181,17 @@
                     <a:p>
                       <a:pPr marL="0" algn="ctr" defTabSz="2194560" rtl="0" eaLnBrk="1" fontAlgn="b" latinLnBrk="0" hangingPunct="1"/>
                       <a:r>
-                        <a:rPr lang="en-US" sz="1800" b="1" kern="1200" dirty="0">
-                          <a:solidFill>
-                            <a:schemeClr val="dk1"/>
-                          </a:solidFill>
-                          <a:latin typeface="Arial" panose="020B0604020202020204" pitchFamily="34" charset="0"/>
-                          <a:ea typeface="+mn-ea"/>
-                          <a:cs typeface="Arial" panose="020B0604020202020204" pitchFamily="34" charset="0"/>
-                        </a:rPr>
+                        <a:rPr lang="en-US" sz="1800" kern="1200" dirty="0"/>
                         <a:t>5</a:t>
                       </a:r>
+                      <a:endParaRPr lang="en-US" sz="1800" b="1" kern="1200" dirty="0">
+                        <a:solidFill>
+                          <a:schemeClr val="dk1"/>
+                        </a:solidFill>
+                        <a:latin typeface="Arial" panose="020B0604020202020204" pitchFamily="34" charset="0"/>
+                        <a:ea typeface="+mn-ea"/>
+                        <a:cs typeface="Arial" panose="020B0604020202020204" pitchFamily="34" charset="0"/>
+                      </a:endParaRPr>
                     </a:p>
                   </a:txBody>
                   <a:tcPr marL="9525" marR="9525" marT="9525" marB="0" anchor="b"/>
@@ -10857,16 +10203,17 @@
                     <a:p>
                       <a:pPr marL="0" algn="ctr" defTabSz="2194560" rtl="0" eaLnBrk="1" fontAlgn="b" latinLnBrk="0" hangingPunct="1"/>
                       <a:r>
-                        <a:rPr lang="en-US" sz="1800" b="1" kern="1200" dirty="0">
-                          <a:solidFill>
-                            <a:schemeClr val="dk1"/>
-                          </a:solidFill>
-                          <a:latin typeface="Arial" panose="020B0604020202020204" pitchFamily="34" charset="0"/>
-                          <a:ea typeface="+mn-ea"/>
-                          <a:cs typeface="Arial" panose="020B0604020202020204" pitchFamily="34" charset="0"/>
-                        </a:rPr>
+                        <a:rPr lang="en-US" sz="1800" kern="1200" dirty="0"/>
                         <a:t>6</a:t>
                       </a:r>
+                      <a:endParaRPr lang="en-US" sz="1800" b="1" kern="1200" dirty="0">
+                        <a:solidFill>
+                          <a:schemeClr val="dk1"/>
+                        </a:solidFill>
+                        <a:latin typeface="Arial" panose="020B0604020202020204" pitchFamily="34" charset="0"/>
+                        <a:ea typeface="+mn-ea"/>
+                        <a:cs typeface="Arial" panose="020B0604020202020204" pitchFamily="34" charset="0"/>
+                      </a:endParaRPr>
                     </a:p>
                   </a:txBody>
                   <a:tcPr marL="9525" marR="9525" marT="9525" marB="0" anchor="b"/>
@@ -10880,16 +10227,17 @@
                     <a:p>
                       <a:pPr marL="0" algn="ctr" defTabSz="2194560" rtl="0" eaLnBrk="1" fontAlgn="b" latinLnBrk="0" hangingPunct="1"/>
                       <a:r>
-                        <a:rPr lang="en-US" sz="1800" b="1" kern="1200">
-                          <a:solidFill>
-                            <a:schemeClr val="dk1"/>
-                          </a:solidFill>
-                          <a:latin typeface="Arial" panose="020B0604020202020204" pitchFamily="34" charset="0"/>
-                          <a:ea typeface="+mn-ea"/>
-                          <a:cs typeface="Arial" panose="020B0604020202020204" pitchFamily="34" charset="0"/>
-                        </a:rPr>
+                        <a:rPr lang="en-US" sz="1800" kern="1200"/>
                         <a:t>MSN2</a:t>
                       </a:r>
+                      <a:endParaRPr lang="en-US" sz="1800" b="1" kern="1200">
+                        <a:solidFill>
+                          <a:schemeClr val="dk1"/>
+                        </a:solidFill>
+                        <a:latin typeface="Arial" panose="020B0604020202020204" pitchFamily="34" charset="0"/>
+                        <a:ea typeface="+mn-ea"/>
+                        <a:cs typeface="Arial" panose="020B0604020202020204" pitchFamily="34" charset="0"/>
+                      </a:endParaRPr>
                     </a:p>
                   </a:txBody>
                   <a:tcPr marL="9525" marR="9525" marT="9525" marB="0" anchor="b"/>
@@ -10901,16 +10249,17 @@
                     <a:p>
                       <a:pPr marL="0" algn="ctr" defTabSz="2194560" rtl="0" eaLnBrk="1" fontAlgn="b" latinLnBrk="0" hangingPunct="1"/>
                       <a:r>
-                        <a:rPr lang="en-US" sz="1800" b="1" kern="1200" dirty="0">
-                          <a:solidFill>
-                            <a:schemeClr val="dk1"/>
-                          </a:solidFill>
-                          <a:latin typeface="Arial" panose="020B0604020202020204" pitchFamily="34" charset="0"/>
-                          <a:ea typeface="+mn-ea"/>
-                          <a:cs typeface="Arial" panose="020B0604020202020204" pitchFamily="34" charset="0"/>
-                        </a:rPr>
+                        <a:rPr lang="en-US" sz="1800" kern="1200" dirty="0"/>
                         <a:t>2</a:t>
                       </a:r>
+                      <a:endParaRPr lang="en-US" sz="1800" b="1" kern="1200" dirty="0">
+                        <a:solidFill>
+                          <a:schemeClr val="dk1"/>
+                        </a:solidFill>
+                        <a:latin typeface="Arial" panose="020B0604020202020204" pitchFamily="34" charset="0"/>
+                        <a:ea typeface="+mn-ea"/>
+                        <a:cs typeface="Arial" panose="020B0604020202020204" pitchFamily="34" charset="0"/>
+                      </a:endParaRPr>
                     </a:p>
                   </a:txBody>
                   <a:tcPr marL="9525" marR="9525" marT="9525" marB="0" anchor="b"/>
@@ -10922,16 +10271,17 @@
                     <a:p>
                       <a:pPr marL="0" algn="ctr" defTabSz="2194560" rtl="0" eaLnBrk="1" fontAlgn="b" latinLnBrk="0" hangingPunct="1"/>
                       <a:r>
-                        <a:rPr lang="en-US" sz="1800" b="1" kern="1200" dirty="0">
-                          <a:solidFill>
-                            <a:schemeClr val="dk1"/>
-                          </a:solidFill>
-                          <a:latin typeface="Arial" panose="020B0604020202020204" pitchFamily="34" charset="0"/>
-                          <a:ea typeface="+mn-ea"/>
-                          <a:cs typeface="Arial" panose="020B0604020202020204" pitchFamily="34" charset="0"/>
-                        </a:rPr>
+                        <a:rPr lang="en-US" sz="1800" kern="1200" dirty="0"/>
                         <a:t>7</a:t>
                       </a:r>
+                      <a:endParaRPr lang="en-US" sz="1800" b="1" kern="1200" dirty="0">
+                        <a:solidFill>
+                          <a:schemeClr val="dk1"/>
+                        </a:solidFill>
+                        <a:latin typeface="Arial" panose="020B0604020202020204" pitchFamily="34" charset="0"/>
+                        <a:ea typeface="+mn-ea"/>
+                        <a:cs typeface="Arial" panose="020B0604020202020204" pitchFamily="34" charset="0"/>
+                      </a:endParaRPr>
                     </a:p>
                   </a:txBody>
                   <a:tcPr marL="9525" marR="9525" marT="9525" marB="0" anchor="b"/>
@@ -10943,16 +10293,17 @@
                     <a:p>
                       <a:pPr marL="0" algn="ctr" defTabSz="2194560" rtl="0" eaLnBrk="1" fontAlgn="b" latinLnBrk="0" hangingPunct="1"/>
                       <a:r>
-                        <a:rPr lang="en-US" sz="1800" b="1" kern="1200" dirty="0">
-                          <a:solidFill>
-                            <a:schemeClr val="dk1"/>
-                          </a:solidFill>
-                          <a:latin typeface="Arial" panose="020B0604020202020204" pitchFamily="34" charset="0"/>
-                          <a:ea typeface="+mn-ea"/>
-                          <a:cs typeface="Arial" panose="020B0604020202020204" pitchFamily="34" charset="0"/>
-                        </a:rPr>
+                        <a:rPr lang="en-US" sz="1800" kern="1200" dirty="0"/>
                         <a:t>9</a:t>
                       </a:r>
+                      <a:endParaRPr lang="en-US" sz="1800" b="1" kern="1200" dirty="0">
+                        <a:solidFill>
+                          <a:schemeClr val="dk1"/>
+                        </a:solidFill>
+                        <a:latin typeface="Arial" panose="020B0604020202020204" pitchFamily="34" charset="0"/>
+                        <a:ea typeface="+mn-ea"/>
+                        <a:cs typeface="Arial" panose="020B0604020202020204" pitchFamily="34" charset="0"/>
+                      </a:endParaRPr>
                     </a:p>
                   </a:txBody>
                   <a:tcPr marL="9525" marR="9525" marT="9525" marB="0" anchor="b"/>
@@ -10966,16 +10317,17 @@
                     <a:p>
                       <a:pPr marL="0" algn="ctr" defTabSz="2194560" rtl="0" eaLnBrk="1" fontAlgn="b" latinLnBrk="0" hangingPunct="1"/>
                       <a:r>
-                        <a:rPr lang="en-US" sz="1800" b="1" kern="1200">
-                          <a:solidFill>
-                            <a:schemeClr val="dk1"/>
-                          </a:solidFill>
-                          <a:latin typeface="Arial" panose="020B0604020202020204" pitchFamily="34" charset="0"/>
-                          <a:ea typeface="+mn-ea"/>
-                          <a:cs typeface="Arial" panose="020B0604020202020204" pitchFamily="34" charset="0"/>
-                        </a:rPr>
+                        <a:rPr lang="en-US" sz="1800" kern="1200"/>
                         <a:t>SFP1</a:t>
                       </a:r>
+                      <a:endParaRPr lang="en-US" sz="1800" b="1" kern="1200">
+                        <a:solidFill>
+                          <a:schemeClr val="dk1"/>
+                        </a:solidFill>
+                        <a:latin typeface="Arial" panose="020B0604020202020204" pitchFamily="34" charset="0"/>
+                        <a:ea typeface="+mn-ea"/>
+                        <a:cs typeface="Arial" panose="020B0604020202020204" pitchFamily="34" charset="0"/>
+                      </a:endParaRPr>
                     </a:p>
                   </a:txBody>
                   <a:tcPr marL="9525" marR="9525" marT="9525" marB="0" anchor="b"/>
@@ -10987,16 +10339,17 @@
                     <a:p>
                       <a:pPr marL="0" algn="ctr" defTabSz="2194560" rtl="0" eaLnBrk="1" fontAlgn="b" latinLnBrk="0" hangingPunct="1"/>
                       <a:r>
-                        <a:rPr lang="en-US" sz="1800" b="1" kern="1200">
-                          <a:solidFill>
-                            <a:schemeClr val="dk1"/>
-                          </a:solidFill>
-                          <a:latin typeface="Arial" panose="020B0604020202020204" pitchFamily="34" charset="0"/>
-                          <a:ea typeface="+mn-ea"/>
-                          <a:cs typeface="Arial" panose="020B0604020202020204" pitchFamily="34" charset="0"/>
-                        </a:rPr>
+                        <a:rPr lang="en-US" sz="1800" kern="1200"/>
                         <a:t>3</a:t>
                       </a:r>
+                      <a:endParaRPr lang="en-US" sz="1800" b="1" kern="1200">
+                        <a:solidFill>
+                          <a:schemeClr val="dk1"/>
+                        </a:solidFill>
+                        <a:latin typeface="Arial" panose="020B0604020202020204" pitchFamily="34" charset="0"/>
+                        <a:ea typeface="+mn-ea"/>
+                        <a:cs typeface="Arial" panose="020B0604020202020204" pitchFamily="34" charset="0"/>
+                      </a:endParaRPr>
                     </a:p>
                   </a:txBody>
                   <a:tcPr marL="9525" marR="9525" marT="9525" marB="0" anchor="b"/>
@@ -11008,16 +10361,17 @@
                     <a:p>
                       <a:pPr marL="0" algn="ctr" defTabSz="2194560" rtl="0" eaLnBrk="1" fontAlgn="b" latinLnBrk="0" hangingPunct="1"/>
                       <a:r>
-                        <a:rPr lang="en-US" sz="1800" b="1" kern="1200" dirty="0">
-                          <a:solidFill>
-                            <a:schemeClr val="dk1"/>
-                          </a:solidFill>
-                          <a:latin typeface="Arial" panose="020B0604020202020204" pitchFamily="34" charset="0"/>
-                          <a:ea typeface="+mn-ea"/>
-                          <a:cs typeface="Arial" panose="020B0604020202020204" pitchFamily="34" charset="0"/>
-                        </a:rPr>
+                        <a:rPr lang="en-US" sz="1800" kern="1200" dirty="0"/>
                         <a:t>1</a:t>
                       </a:r>
+                      <a:endParaRPr lang="en-US" sz="1800" b="1" kern="1200" dirty="0">
+                        <a:solidFill>
+                          <a:schemeClr val="dk1"/>
+                        </a:solidFill>
+                        <a:latin typeface="Arial" panose="020B0604020202020204" pitchFamily="34" charset="0"/>
+                        <a:ea typeface="+mn-ea"/>
+                        <a:cs typeface="Arial" panose="020B0604020202020204" pitchFamily="34" charset="0"/>
+                      </a:endParaRPr>
                     </a:p>
                   </a:txBody>
                   <a:tcPr marL="9525" marR="9525" marT="9525" marB="0" anchor="b"/>
@@ -11029,16 +10383,17 @@
                     <a:p>
                       <a:pPr marL="0" algn="ctr" defTabSz="2194560" rtl="0" eaLnBrk="1" fontAlgn="b" latinLnBrk="0" hangingPunct="1"/>
                       <a:r>
-                        <a:rPr lang="en-US" sz="1800" b="1" kern="1200" dirty="0">
-                          <a:solidFill>
-                            <a:schemeClr val="dk1"/>
-                          </a:solidFill>
-                          <a:latin typeface="Arial" panose="020B0604020202020204" pitchFamily="34" charset="0"/>
-                          <a:ea typeface="+mn-ea"/>
-                          <a:cs typeface="Arial" panose="020B0604020202020204" pitchFamily="34" charset="0"/>
-                        </a:rPr>
+                        <a:rPr lang="en-US" sz="1800" kern="1200" dirty="0"/>
                         <a:t>4</a:t>
                       </a:r>
+                      <a:endParaRPr lang="en-US" sz="1800" b="1" kern="1200" dirty="0">
+                        <a:solidFill>
+                          <a:schemeClr val="dk1"/>
+                        </a:solidFill>
+                        <a:latin typeface="Arial" panose="020B0604020202020204" pitchFamily="34" charset="0"/>
+                        <a:ea typeface="+mn-ea"/>
+                        <a:cs typeface="Arial" panose="020B0604020202020204" pitchFamily="34" charset="0"/>
+                      </a:endParaRPr>
                     </a:p>
                   </a:txBody>
                   <a:tcPr marL="9525" marR="9525" marT="9525" marB="0" anchor="b"/>
@@ -11052,16 +10407,17 @@
                     <a:p>
                       <a:pPr marL="0" algn="ctr" defTabSz="2194560" rtl="0" eaLnBrk="1" fontAlgn="b" latinLnBrk="0" hangingPunct="1"/>
                       <a:r>
-                        <a:rPr lang="en-US" sz="1800" b="1" kern="1200">
-                          <a:solidFill>
-                            <a:schemeClr val="dk1"/>
-                          </a:solidFill>
-                          <a:latin typeface="Arial" panose="020B0604020202020204" pitchFamily="34" charset="0"/>
-                          <a:ea typeface="+mn-ea"/>
-                          <a:cs typeface="Arial" panose="020B0604020202020204" pitchFamily="34" charset="0"/>
-                        </a:rPr>
+                        <a:rPr lang="en-US" sz="1800" kern="1200"/>
                         <a:t>STB5</a:t>
                       </a:r>
+                      <a:endParaRPr lang="en-US" sz="1800" b="1" kern="1200">
+                        <a:solidFill>
+                          <a:schemeClr val="dk1"/>
+                        </a:solidFill>
+                        <a:latin typeface="Arial" panose="020B0604020202020204" pitchFamily="34" charset="0"/>
+                        <a:ea typeface="+mn-ea"/>
+                        <a:cs typeface="Arial" panose="020B0604020202020204" pitchFamily="34" charset="0"/>
+                      </a:endParaRPr>
                     </a:p>
                   </a:txBody>
                   <a:tcPr marL="9525" marR="9525" marT="9525" marB="0" anchor="b"/>
@@ -11073,16 +10429,17 @@
                     <a:p>
                       <a:pPr marL="0" algn="ctr" defTabSz="2194560" rtl="0" eaLnBrk="1" fontAlgn="b" latinLnBrk="0" hangingPunct="1"/>
                       <a:r>
-                        <a:rPr lang="en-US" sz="1800" b="1" kern="1200">
-                          <a:solidFill>
-                            <a:schemeClr val="dk1"/>
-                          </a:solidFill>
-                          <a:latin typeface="Arial" panose="020B0604020202020204" pitchFamily="34" charset="0"/>
-                          <a:ea typeface="+mn-ea"/>
-                          <a:cs typeface="Arial" panose="020B0604020202020204" pitchFamily="34" charset="0"/>
-                        </a:rPr>
+                        <a:rPr lang="en-US" sz="1800" kern="1200"/>
                         <a:t>1</a:t>
                       </a:r>
+                      <a:endParaRPr lang="en-US" sz="1800" b="1" kern="1200">
+                        <a:solidFill>
+                          <a:schemeClr val="dk1"/>
+                        </a:solidFill>
+                        <a:latin typeface="Arial" panose="020B0604020202020204" pitchFamily="34" charset="0"/>
+                        <a:ea typeface="+mn-ea"/>
+                        <a:cs typeface="Arial" panose="020B0604020202020204" pitchFamily="34" charset="0"/>
+                      </a:endParaRPr>
                     </a:p>
                   </a:txBody>
                   <a:tcPr marL="9525" marR="9525" marT="9525" marB="0" anchor="b"/>
@@ -11094,16 +10451,17 @@
                     <a:p>
                       <a:pPr marL="0" algn="ctr" defTabSz="2194560" rtl="0" eaLnBrk="1" fontAlgn="b" latinLnBrk="0" hangingPunct="1"/>
                       <a:r>
-                        <a:rPr lang="en-US" sz="1800" b="1" kern="1200" dirty="0">
-                          <a:solidFill>
-                            <a:schemeClr val="dk1"/>
-                          </a:solidFill>
-                          <a:latin typeface="Arial" panose="020B0604020202020204" pitchFamily="34" charset="0"/>
-                          <a:ea typeface="+mn-ea"/>
-                          <a:cs typeface="Arial" panose="020B0604020202020204" pitchFamily="34" charset="0"/>
-                        </a:rPr>
+                        <a:rPr lang="en-US" sz="1800" kern="1200" dirty="0"/>
                         <a:t>2</a:t>
                       </a:r>
+                      <a:endParaRPr lang="en-US" sz="1800" b="1" kern="1200" dirty="0">
+                        <a:solidFill>
+                          <a:schemeClr val="dk1"/>
+                        </a:solidFill>
+                        <a:latin typeface="Arial" panose="020B0604020202020204" pitchFamily="34" charset="0"/>
+                        <a:ea typeface="+mn-ea"/>
+                        <a:cs typeface="Arial" panose="020B0604020202020204" pitchFamily="34" charset="0"/>
+                      </a:endParaRPr>
                     </a:p>
                   </a:txBody>
                   <a:tcPr marL="9525" marR="9525" marT="9525" marB="0" anchor="b"/>
@@ -11115,16 +10473,17 @@
                     <a:p>
                       <a:pPr marL="0" algn="ctr" defTabSz="2194560" rtl="0" eaLnBrk="1" fontAlgn="b" latinLnBrk="0" hangingPunct="1"/>
                       <a:r>
-                        <a:rPr lang="en-US" sz="1800" b="1" kern="1200" dirty="0">
-                          <a:solidFill>
-                            <a:schemeClr val="dk1"/>
-                          </a:solidFill>
-                          <a:latin typeface="Arial" panose="020B0604020202020204" pitchFamily="34" charset="0"/>
-                          <a:ea typeface="+mn-ea"/>
-                          <a:cs typeface="Arial" panose="020B0604020202020204" pitchFamily="34" charset="0"/>
-                        </a:rPr>
+                        <a:rPr lang="en-US" sz="1800" kern="1200" dirty="0"/>
                         <a:t>3</a:t>
                       </a:r>
+                      <a:endParaRPr lang="en-US" sz="1800" b="1" kern="1200" dirty="0">
+                        <a:solidFill>
+                          <a:schemeClr val="dk1"/>
+                        </a:solidFill>
+                        <a:latin typeface="Arial" panose="020B0604020202020204" pitchFamily="34" charset="0"/>
+                        <a:ea typeface="+mn-ea"/>
+                        <a:cs typeface="Arial" panose="020B0604020202020204" pitchFamily="34" charset="0"/>
+                      </a:endParaRPr>
                     </a:p>
                   </a:txBody>
                   <a:tcPr marL="9525" marR="9525" marT="9525" marB="0" anchor="b"/>
@@ -11138,16 +10497,17 @@
                     <a:p>
                       <a:pPr marL="0" algn="ctr" defTabSz="2194560" rtl="0" eaLnBrk="1" fontAlgn="b" latinLnBrk="0" hangingPunct="1"/>
                       <a:r>
-                        <a:rPr lang="en-US" sz="1800" b="1" kern="1200">
-                          <a:solidFill>
-                            <a:schemeClr val="dk1"/>
-                          </a:solidFill>
-                          <a:latin typeface="Arial" panose="020B0604020202020204" pitchFamily="34" charset="0"/>
-                          <a:ea typeface="+mn-ea"/>
-                          <a:cs typeface="Arial" panose="020B0604020202020204" pitchFamily="34" charset="0"/>
-                        </a:rPr>
+                        <a:rPr lang="en-US" sz="1800" kern="1200"/>
                         <a:t>SWI4</a:t>
                       </a:r>
+                      <a:endParaRPr lang="en-US" sz="1800" b="1" kern="1200">
+                        <a:solidFill>
+                          <a:schemeClr val="dk1"/>
+                        </a:solidFill>
+                        <a:latin typeface="Arial" panose="020B0604020202020204" pitchFamily="34" charset="0"/>
+                        <a:ea typeface="+mn-ea"/>
+                        <a:cs typeface="Arial" panose="020B0604020202020204" pitchFamily="34" charset="0"/>
+                      </a:endParaRPr>
                     </a:p>
                   </a:txBody>
                   <a:tcPr marL="9525" marR="9525" marT="9525" marB="0" anchor="b"/>
@@ -11159,16 +10519,17 @@
                     <a:p>
                       <a:pPr marL="0" algn="ctr" defTabSz="2194560" rtl="0" eaLnBrk="1" fontAlgn="b" latinLnBrk="0" hangingPunct="1"/>
                       <a:r>
-                        <a:rPr lang="en-US" sz="1800" b="1" kern="1200">
-                          <a:solidFill>
-                            <a:schemeClr val="dk1"/>
-                          </a:solidFill>
-                          <a:latin typeface="Arial" panose="020B0604020202020204" pitchFamily="34" charset="0"/>
-                          <a:ea typeface="+mn-ea"/>
-                          <a:cs typeface="Arial" panose="020B0604020202020204" pitchFamily="34" charset="0"/>
-                        </a:rPr>
+                        <a:rPr lang="en-US" sz="1800" kern="1200"/>
                         <a:t>1</a:t>
                       </a:r>
+                      <a:endParaRPr lang="en-US" sz="1800" b="1" kern="1200">
+                        <a:solidFill>
+                          <a:schemeClr val="dk1"/>
+                        </a:solidFill>
+                        <a:latin typeface="Arial" panose="020B0604020202020204" pitchFamily="34" charset="0"/>
+                        <a:ea typeface="+mn-ea"/>
+                        <a:cs typeface="Arial" panose="020B0604020202020204" pitchFamily="34" charset="0"/>
+                      </a:endParaRPr>
                     </a:p>
                   </a:txBody>
                   <a:tcPr marL="9525" marR="9525" marT="9525" marB="0" anchor="b"/>
@@ -11180,16 +10541,17 @@
                     <a:p>
                       <a:pPr marL="0" algn="ctr" defTabSz="2194560" rtl="0" eaLnBrk="1" fontAlgn="b" latinLnBrk="0" hangingPunct="1"/>
                       <a:r>
-                        <a:rPr lang="en-US" sz="1800" b="1" kern="1200" dirty="0">
-                          <a:solidFill>
-                            <a:schemeClr val="dk1"/>
-                          </a:solidFill>
-                          <a:latin typeface="Arial" panose="020B0604020202020204" pitchFamily="34" charset="0"/>
-                          <a:ea typeface="+mn-ea"/>
-                          <a:cs typeface="Arial" panose="020B0604020202020204" pitchFamily="34" charset="0"/>
-                        </a:rPr>
+                        <a:rPr lang="en-US" sz="1800" kern="1200" dirty="0"/>
                         <a:t>3</a:t>
                       </a:r>
+                      <a:endParaRPr lang="en-US" sz="1800" b="1" kern="1200" dirty="0">
+                        <a:solidFill>
+                          <a:schemeClr val="dk1"/>
+                        </a:solidFill>
+                        <a:latin typeface="Arial" panose="020B0604020202020204" pitchFamily="34" charset="0"/>
+                        <a:ea typeface="+mn-ea"/>
+                        <a:cs typeface="Arial" panose="020B0604020202020204" pitchFamily="34" charset="0"/>
+                      </a:endParaRPr>
                     </a:p>
                   </a:txBody>
                   <a:tcPr marL="9525" marR="9525" marT="9525" marB="0" anchor="b"/>
@@ -11201,16 +10563,17 @@
                     <a:p>
                       <a:pPr marL="0" algn="ctr" defTabSz="2194560" rtl="0" eaLnBrk="1" fontAlgn="b" latinLnBrk="0" hangingPunct="1"/>
                       <a:r>
-                        <a:rPr lang="en-US" sz="1800" b="1" kern="1200" dirty="0">
-                          <a:solidFill>
-                            <a:schemeClr val="dk1"/>
-                          </a:solidFill>
-                          <a:latin typeface="Arial" panose="020B0604020202020204" pitchFamily="34" charset="0"/>
-                          <a:ea typeface="+mn-ea"/>
-                          <a:cs typeface="Arial" panose="020B0604020202020204" pitchFamily="34" charset="0"/>
-                        </a:rPr>
+                        <a:rPr lang="en-US" sz="1800" kern="1200" dirty="0"/>
                         <a:t>4</a:t>
                       </a:r>
+                      <a:endParaRPr lang="en-US" sz="1800" b="1" kern="1200" dirty="0">
+                        <a:solidFill>
+                          <a:schemeClr val="dk1"/>
+                        </a:solidFill>
+                        <a:latin typeface="Arial" panose="020B0604020202020204" pitchFamily="34" charset="0"/>
+                        <a:ea typeface="+mn-ea"/>
+                        <a:cs typeface="Arial" panose="020B0604020202020204" pitchFamily="34" charset="0"/>
+                      </a:endParaRPr>
                     </a:p>
                   </a:txBody>
                   <a:tcPr marL="9525" marR="9525" marT="9525" marB="0" anchor="b"/>
@@ -11224,16 +10587,17 @@
                     <a:p>
                       <a:pPr marL="0" algn="ctr" defTabSz="2194560" rtl="0" eaLnBrk="1" fontAlgn="b" latinLnBrk="0" hangingPunct="1"/>
                       <a:r>
-                        <a:rPr lang="en-US" sz="1800" b="1" kern="1200">
-                          <a:solidFill>
-                            <a:schemeClr val="dk1"/>
-                          </a:solidFill>
-                          <a:latin typeface="Arial" panose="020B0604020202020204" pitchFamily="34" charset="0"/>
-                          <a:ea typeface="+mn-ea"/>
-                          <a:cs typeface="Arial" panose="020B0604020202020204" pitchFamily="34" charset="0"/>
-                        </a:rPr>
+                        <a:rPr lang="en-US" sz="1800" kern="1200"/>
                         <a:t>SWI5</a:t>
                       </a:r>
+                      <a:endParaRPr lang="en-US" sz="1800" b="1" kern="1200">
+                        <a:solidFill>
+                          <a:schemeClr val="dk1"/>
+                        </a:solidFill>
+                        <a:latin typeface="Arial" panose="020B0604020202020204" pitchFamily="34" charset="0"/>
+                        <a:ea typeface="+mn-ea"/>
+                        <a:cs typeface="Arial" panose="020B0604020202020204" pitchFamily="34" charset="0"/>
+                      </a:endParaRPr>
                     </a:p>
                   </a:txBody>
                   <a:tcPr marL="9525" marR="9525" marT="9525" marB="0" anchor="b"/>
@@ -11245,16 +10609,17 @@
                     <a:p>
                       <a:pPr marL="0" algn="ctr" defTabSz="2194560" rtl="0" eaLnBrk="1" fontAlgn="b" latinLnBrk="0" hangingPunct="1"/>
                       <a:r>
-                        <a:rPr lang="en-US" sz="1800" b="1" kern="1200">
-                          <a:solidFill>
-                            <a:schemeClr val="dk1"/>
-                          </a:solidFill>
-                          <a:latin typeface="Arial" panose="020B0604020202020204" pitchFamily="34" charset="0"/>
-                          <a:ea typeface="+mn-ea"/>
-                          <a:cs typeface="Arial" panose="020B0604020202020204" pitchFamily="34" charset="0"/>
-                        </a:rPr>
+                        <a:rPr lang="en-US" sz="1800" kern="1200"/>
                         <a:t>1</a:t>
                       </a:r>
+                      <a:endParaRPr lang="en-US" sz="1800" b="1" kern="1200">
+                        <a:solidFill>
+                          <a:schemeClr val="dk1"/>
+                        </a:solidFill>
+                        <a:latin typeface="Arial" panose="020B0604020202020204" pitchFamily="34" charset="0"/>
+                        <a:ea typeface="+mn-ea"/>
+                        <a:cs typeface="Arial" panose="020B0604020202020204" pitchFamily="34" charset="0"/>
+                      </a:endParaRPr>
                     </a:p>
                   </a:txBody>
                   <a:tcPr marL="9525" marR="9525" marT="9525" marB="0" anchor="b"/>
@@ -11266,16 +10631,17 @@
                     <a:p>
                       <a:pPr marL="0" algn="ctr" defTabSz="2194560" rtl="0" eaLnBrk="1" fontAlgn="b" latinLnBrk="0" hangingPunct="1"/>
                       <a:r>
-                        <a:rPr lang="en-US" sz="1800" b="1" kern="1200" dirty="0">
-                          <a:solidFill>
-                            <a:schemeClr val="dk1"/>
-                          </a:solidFill>
-                          <a:latin typeface="Arial" panose="020B0604020202020204" pitchFamily="34" charset="0"/>
-                          <a:ea typeface="+mn-ea"/>
-                          <a:cs typeface="Arial" panose="020B0604020202020204" pitchFamily="34" charset="0"/>
-                        </a:rPr>
+                        <a:rPr lang="en-US" sz="1800" kern="1200" dirty="0"/>
                         <a:t>1</a:t>
                       </a:r>
+                      <a:endParaRPr lang="en-US" sz="1800" b="1" kern="1200" dirty="0">
+                        <a:solidFill>
+                          <a:schemeClr val="dk1"/>
+                        </a:solidFill>
+                        <a:latin typeface="Arial" panose="020B0604020202020204" pitchFamily="34" charset="0"/>
+                        <a:ea typeface="+mn-ea"/>
+                        <a:cs typeface="Arial" panose="020B0604020202020204" pitchFamily="34" charset="0"/>
+                      </a:endParaRPr>
                     </a:p>
                   </a:txBody>
                   <a:tcPr marL="9525" marR="9525" marT="9525" marB="0" anchor="b"/>
@@ -11287,16 +10653,17 @@
                     <a:p>
                       <a:pPr marL="0" algn="ctr" defTabSz="2194560" rtl="0" eaLnBrk="1" fontAlgn="b" latinLnBrk="0" hangingPunct="1"/>
                       <a:r>
-                        <a:rPr lang="en-US" sz="1800" b="1" kern="1200" dirty="0">
-                          <a:solidFill>
-                            <a:schemeClr val="dk1"/>
-                          </a:solidFill>
-                          <a:latin typeface="Arial" panose="020B0604020202020204" pitchFamily="34" charset="0"/>
-                          <a:ea typeface="+mn-ea"/>
-                          <a:cs typeface="Arial" panose="020B0604020202020204" pitchFamily="34" charset="0"/>
-                        </a:rPr>
+                        <a:rPr lang="en-US" sz="1800" kern="1200" dirty="0"/>
                         <a:t>2</a:t>
                       </a:r>
+                      <a:endParaRPr lang="en-US" sz="1800" b="1" kern="1200" dirty="0">
+                        <a:solidFill>
+                          <a:schemeClr val="dk1"/>
+                        </a:solidFill>
+                        <a:latin typeface="Arial" panose="020B0604020202020204" pitchFamily="34" charset="0"/>
+                        <a:ea typeface="+mn-ea"/>
+                        <a:cs typeface="Arial" panose="020B0604020202020204" pitchFamily="34" charset="0"/>
+                      </a:endParaRPr>
                     </a:p>
                   </a:txBody>
                   <a:tcPr marL="9525" marR="9525" marT="9525" marB="0" anchor="b"/>
@@ -11310,16 +10677,17 @@
                     <a:p>
                       <a:pPr marL="0" algn="ctr" defTabSz="2194560" rtl="0" eaLnBrk="1" fontAlgn="b" latinLnBrk="0" hangingPunct="1"/>
                       <a:r>
-                        <a:rPr lang="en-US" sz="1800" b="1" kern="1200" dirty="0">
-                          <a:solidFill>
-                            <a:schemeClr val="dk1"/>
-                          </a:solidFill>
-                          <a:latin typeface="Arial" panose="020B0604020202020204" pitchFamily="34" charset="0"/>
-                          <a:ea typeface="+mn-ea"/>
-                          <a:cs typeface="Arial" panose="020B0604020202020204" pitchFamily="34" charset="0"/>
-                        </a:rPr>
+                        <a:rPr lang="en-US" sz="1800" kern="1200" dirty="0"/>
                         <a:t>YHP1</a:t>
                       </a:r>
+                      <a:endParaRPr lang="en-US" sz="1800" b="1" kern="1200" dirty="0">
+                        <a:solidFill>
+                          <a:schemeClr val="dk1"/>
+                        </a:solidFill>
+                        <a:latin typeface="Arial" panose="020B0604020202020204" pitchFamily="34" charset="0"/>
+                        <a:ea typeface="+mn-ea"/>
+                        <a:cs typeface="Arial" panose="020B0604020202020204" pitchFamily="34" charset="0"/>
+                      </a:endParaRPr>
                     </a:p>
                   </a:txBody>
                   <a:tcPr marL="9525" marR="9525" marT="9525" marB="0" anchor="b"/>
@@ -11331,16 +10699,17 @@
                     <a:p>
                       <a:pPr marL="0" algn="ctr" defTabSz="2194560" rtl="0" eaLnBrk="1" fontAlgn="b" latinLnBrk="0" hangingPunct="1"/>
                       <a:r>
-                        <a:rPr lang="en-US" sz="1800" b="1" kern="1200">
-                          <a:solidFill>
-                            <a:schemeClr val="dk1"/>
-                          </a:solidFill>
-                          <a:latin typeface="Arial" panose="020B0604020202020204" pitchFamily="34" charset="0"/>
-                          <a:ea typeface="+mn-ea"/>
-                          <a:cs typeface="Arial" panose="020B0604020202020204" pitchFamily="34" charset="0"/>
-                        </a:rPr>
+                        <a:rPr lang="en-US" sz="1800" kern="1200"/>
                         <a:t>4</a:t>
                       </a:r>
+                      <a:endParaRPr lang="en-US" sz="1800" b="1" kern="1200">
+                        <a:solidFill>
+                          <a:schemeClr val="dk1"/>
+                        </a:solidFill>
+                        <a:latin typeface="Arial" panose="020B0604020202020204" pitchFamily="34" charset="0"/>
+                        <a:ea typeface="+mn-ea"/>
+                        <a:cs typeface="Arial" panose="020B0604020202020204" pitchFamily="34" charset="0"/>
+                      </a:endParaRPr>
                     </a:p>
                   </a:txBody>
                   <a:tcPr marL="9525" marR="9525" marT="9525" marB="0" anchor="b"/>
@@ -11352,16 +10721,17 @@
                     <a:p>
                       <a:pPr marL="0" algn="ctr" defTabSz="2194560" rtl="0" eaLnBrk="1" fontAlgn="b" latinLnBrk="0" hangingPunct="1"/>
                       <a:r>
-                        <a:rPr lang="en-US" sz="1800" b="1" kern="1200" dirty="0">
-                          <a:solidFill>
-                            <a:schemeClr val="dk1"/>
-                          </a:solidFill>
-                          <a:latin typeface="Arial" panose="020B0604020202020204" pitchFamily="34" charset="0"/>
-                          <a:ea typeface="+mn-ea"/>
-                          <a:cs typeface="Arial" panose="020B0604020202020204" pitchFamily="34" charset="0"/>
-                        </a:rPr>
+                        <a:rPr lang="en-US" sz="1800" kern="1200" dirty="0"/>
                         <a:t>1</a:t>
                       </a:r>
+                      <a:endParaRPr lang="en-US" sz="1800" b="1" kern="1200" dirty="0">
+                        <a:solidFill>
+                          <a:schemeClr val="dk1"/>
+                        </a:solidFill>
+                        <a:latin typeface="Arial" panose="020B0604020202020204" pitchFamily="34" charset="0"/>
+                        <a:ea typeface="+mn-ea"/>
+                        <a:cs typeface="Arial" panose="020B0604020202020204" pitchFamily="34" charset="0"/>
+                      </a:endParaRPr>
                     </a:p>
                   </a:txBody>
                   <a:tcPr marL="9525" marR="9525" marT="9525" marB="0" anchor="b"/>
@@ -11373,16 +10743,17 @@
                     <a:p>
                       <a:pPr marL="0" algn="ctr" defTabSz="2194560" rtl="0" eaLnBrk="1" fontAlgn="b" latinLnBrk="0" hangingPunct="1"/>
                       <a:r>
-                        <a:rPr lang="en-US" sz="1800" b="1" kern="1200" dirty="0">
-                          <a:solidFill>
-                            <a:schemeClr val="dk1"/>
-                          </a:solidFill>
-                          <a:latin typeface="Arial" panose="020B0604020202020204" pitchFamily="34" charset="0"/>
-                          <a:ea typeface="+mn-ea"/>
-                          <a:cs typeface="Arial" panose="020B0604020202020204" pitchFamily="34" charset="0"/>
-                        </a:rPr>
+                        <a:rPr lang="en-US" sz="1800" kern="1200" dirty="0"/>
                         <a:t>5</a:t>
                       </a:r>
+                      <a:endParaRPr lang="en-US" sz="1800" b="1" kern="1200" dirty="0">
+                        <a:solidFill>
+                          <a:schemeClr val="dk1"/>
+                        </a:solidFill>
+                        <a:latin typeface="Arial" panose="020B0604020202020204" pitchFamily="34" charset="0"/>
+                        <a:ea typeface="+mn-ea"/>
+                        <a:cs typeface="Arial" panose="020B0604020202020204" pitchFamily="34" charset="0"/>
+                      </a:endParaRPr>
                     </a:p>
                   </a:txBody>
                   <a:tcPr marL="9525" marR="9525" marT="9525" marB="0" anchor="b"/>
@@ -11396,16 +10767,17 @@
                     <a:p>
                       <a:pPr marL="0" algn="ctr" defTabSz="2194560" rtl="0" eaLnBrk="1" fontAlgn="b" latinLnBrk="0" hangingPunct="1"/>
                       <a:r>
-                        <a:rPr lang="en-US" sz="1800" b="1" kern="1200">
-                          <a:solidFill>
-                            <a:schemeClr val="dk1"/>
-                          </a:solidFill>
-                          <a:latin typeface="Arial" panose="020B0604020202020204" pitchFamily="34" charset="0"/>
-                          <a:ea typeface="+mn-ea"/>
-                          <a:cs typeface="Arial" panose="020B0604020202020204" pitchFamily="34" charset="0"/>
-                        </a:rPr>
+                        <a:rPr lang="en-US" sz="1800" kern="1200"/>
                         <a:t>YOX1</a:t>
                       </a:r>
+                      <a:endParaRPr lang="en-US" sz="1800" b="1" kern="1200">
+                        <a:solidFill>
+                          <a:schemeClr val="dk1"/>
+                        </a:solidFill>
+                        <a:latin typeface="Arial" panose="020B0604020202020204" pitchFamily="34" charset="0"/>
+                        <a:ea typeface="+mn-ea"/>
+                        <a:cs typeface="Arial" panose="020B0604020202020204" pitchFamily="34" charset="0"/>
+                      </a:endParaRPr>
                     </a:p>
                   </a:txBody>
                   <a:tcPr marL="9525" marR="9525" marT="9525" marB="0" anchor="b"/>
@@ -11417,16 +10789,17 @@
                     <a:p>
                       <a:pPr marL="0" algn="ctr" defTabSz="2194560" rtl="0" eaLnBrk="1" fontAlgn="b" latinLnBrk="0" hangingPunct="1"/>
                       <a:r>
-                        <a:rPr lang="en-US" sz="1800" b="1" kern="1200" dirty="0">
-                          <a:solidFill>
-                            <a:schemeClr val="dk1"/>
-                          </a:solidFill>
-                          <a:latin typeface="Arial" panose="020B0604020202020204" pitchFamily="34" charset="0"/>
-                          <a:ea typeface="+mn-ea"/>
-                          <a:cs typeface="Arial" panose="020B0604020202020204" pitchFamily="34" charset="0"/>
-                        </a:rPr>
+                        <a:rPr lang="en-US" sz="1800" kern="1200" dirty="0"/>
                         <a:t>3</a:t>
                       </a:r>
+                      <a:endParaRPr lang="en-US" sz="1800" b="1" kern="1200" dirty="0">
+                        <a:solidFill>
+                          <a:schemeClr val="dk1"/>
+                        </a:solidFill>
+                        <a:latin typeface="Arial" panose="020B0604020202020204" pitchFamily="34" charset="0"/>
+                        <a:ea typeface="+mn-ea"/>
+                        <a:cs typeface="Arial" panose="020B0604020202020204" pitchFamily="34" charset="0"/>
+                      </a:endParaRPr>
                     </a:p>
                   </a:txBody>
                   <a:tcPr marL="9525" marR="9525" marT="9525" marB="0" anchor="b"/>
@@ -11438,16 +10811,17 @@
                     <a:p>
                       <a:pPr marL="0" algn="ctr" defTabSz="2194560" rtl="0" eaLnBrk="1" fontAlgn="b" latinLnBrk="0" hangingPunct="1"/>
                       <a:r>
-                        <a:rPr lang="en-US" sz="1800" b="1" kern="1200">
-                          <a:solidFill>
-                            <a:schemeClr val="dk1"/>
-                          </a:solidFill>
-                          <a:latin typeface="Arial" panose="020B0604020202020204" pitchFamily="34" charset="0"/>
-                          <a:ea typeface="+mn-ea"/>
-                          <a:cs typeface="Arial" panose="020B0604020202020204" pitchFamily="34" charset="0"/>
-                        </a:rPr>
+                        <a:rPr lang="en-US" sz="1800" kern="1200"/>
                         <a:t>0</a:t>
                       </a:r>
+                      <a:endParaRPr lang="en-US" sz="1800" b="1" kern="1200">
+                        <a:solidFill>
+                          <a:schemeClr val="dk1"/>
+                        </a:solidFill>
+                        <a:latin typeface="Arial" panose="020B0604020202020204" pitchFamily="34" charset="0"/>
+                        <a:ea typeface="+mn-ea"/>
+                        <a:cs typeface="Arial" panose="020B0604020202020204" pitchFamily="34" charset="0"/>
+                      </a:endParaRPr>
                     </a:p>
                   </a:txBody>
                   <a:tcPr marL="9525" marR="9525" marT="9525" marB="0" anchor="b"/>
@@ -11459,16 +10833,17 @@
                     <a:p>
                       <a:pPr marL="0" algn="ctr" defTabSz="2194560" rtl="0" eaLnBrk="1" fontAlgn="b" latinLnBrk="0" hangingPunct="1"/>
                       <a:r>
-                        <a:rPr lang="en-US" sz="1800" b="1" kern="1200" dirty="0">
-                          <a:solidFill>
-                            <a:schemeClr val="dk1"/>
-                          </a:solidFill>
-                          <a:latin typeface="Arial" panose="020B0604020202020204" pitchFamily="34" charset="0"/>
-                          <a:ea typeface="+mn-ea"/>
-                          <a:cs typeface="Arial" panose="020B0604020202020204" pitchFamily="34" charset="0"/>
-                        </a:rPr>
+                        <a:rPr lang="en-US" sz="1800" kern="1200" dirty="0"/>
                         <a:t>3</a:t>
                       </a:r>
+                      <a:endParaRPr lang="en-US" sz="1800" b="1" kern="1200" dirty="0">
+                        <a:solidFill>
+                          <a:schemeClr val="dk1"/>
+                        </a:solidFill>
+                        <a:latin typeface="Arial" panose="020B0604020202020204" pitchFamily="34" charset="0"/>
+                        <a:ea typeface="+mn-ea"/>
+                        <a:cs typeface="Arial" panose="020B0604020202020204" pitchFamily="34" charset="0"/>
+                      </a:endParaRPr>
                     </a:p>
                   </a:txBody>
                   <a:tcPr marL="9525" marR="9525" marT="9525" marB="0" anchor="b"/>
@@ -11482,16 +10857,17 @@
                     <a:p>
                       <a:pPr marL="0" algn="ctr" defTabSz="2194560" rtl="0" eaLnBrk="1" fontAlgn="b" latinLnBrk="0" hangingPunct="1"/>
                       <a:r>
-                        <a:rPr lang="en-US" sz="1800" b="1" kern="1200">
-                          <a:solidFill>
-                            <a:schemeClr val="dk1"/>
-                          </a:solidFill>
-                          <a:latin typeface="Arial" panose="020B0604020202020204" pitchFamily="34" charset="0"/>
-                          <a:ea typeface="+mn-ea"/>
-                          <a:cs typeface="Arial" panose="020B0604020202020204" pitchFamily="34" charset="0"/>
-                        </a:rPr>
+                        <a:rPr lang="en-US" sz="1800" kern="1200"/>
                         <a:t>ZAP1</a:t>
                       </a:r>
+                      <a:endParaRPr lang="en-US" sz="1800" b="1" kern="1200">
+                        <a:solidFill>
+                          <a:schemeClr val="dk1"/>
+                        </a:solidFill>
+                        <a:latin typeface="Arial" panose="020B0604020202020204" pitchFamily="34" charset="0"/>
+                        <a:ea typeface="+mn-ea"/>
+                        <a:cs typeface="Arial" panose="020B0604020202020204" pitchFamily="34" charset="0"/>
+                      </a:endParaRPr>
                     </a:p>
                   </a:txBody>
                   <a:tcPr marL="9525" marR="9525" marT="9525" marB="0" anchor="b"/>
@@ -11503,16 +10879,17 @@
                     <a:p>
                       <a:pPr marL="0" algn="ctr" defTabSz="2194560" rtl="0" eaLnBrk="1" fontAlgn="b" latinLnBrk="0" hangingPunct="1"/>
                       <a:r>
-                        <a:rPr lang="en-US" sz="1800" b="1" kern="1200">
-                          <a:solidFill>
-                            <a:schemeClr val="dk1"/>
-                          </a:solidFill>
-                          <a:latin typeface="Arial" panose="020B0604020202020204" pitchFamily="34" charset="0"/>
-                          <a:ea typeface="+mn-ea"/>
-                          <a:cs typeface="Arial" panose="020B0604020202020204" pitchFamily="34" charset="0"/>
-                        </a:rPr>
+                        <a:rPr lang="en-US" sz="1800" kern="1200"/>
                         <a:t>0</a:t>
                       </a:r>
+                      <a:endParaRPr lang="en-US" sz="1800" b="1" kern="1200">
+                        <a:solidFill>
+                          <a:schemeClr val="dk1"/>
+                        </a:solidFill>
+                        <a:latin typeface="Arial" panose="020B0604020202020204" pitchFamily="34" charset="0"/>
+                        <a:ea typeface="+mn-ea"/>
+                        <a:cs typeface="Arial" panose="020B0604020202020204" pitchFamily="34" charset="0"/>
+                      </a:endParaRPr>
                     </a:p>
                   </a:txBody>
                   <a:tcPr marL="9525" marR="9525" marT="9525" marB="0" anchor="b"/>
@@ -11524,16 +10901,17 @@
                     <a:p>
                       <a:pPr marL="0" algn="ctr" defTabSz="2194560" rtl="0" eaLnBrk="1" fontAlgn="b" latinLnBrk="0" hangingPunct="1"/>
                       <a:r>
-                        <a:rPr lang="en-US" sz="1800" b="1" kern="1200">
-                          <a:solidFill>
-                            <a:schemeClr val="dk1"/>
-                          </a:solidFill>
-                          <a:latin typeface="Arial" panose="020B0604020202020204" pitchFamily="34" charset="0"/>
-                          <a:ea typeface="+mn-ea"/>
-                          <a:cs typeface="Arial" panose="020B0604020202020204" pitchFamily="34" charset="0"/>
-                        </a:rPr>
+                        <a:rPr lang="en-US" sz="1800" kern="1200"/>
                         <a:t>1</a:t>
                       </a:r>
+                      <a:endParaRPr lang="en-US" sz="1800" b="1" kern="1200">
+                        <a:solidFill>
+                          <a:schemeClr val="dk1"/>
+                        </a:solidFill>
+                        <a:latin typeface="Arial" panose="020B0604020202020204" pitchFamily="34" charset="0"/>
+                        <a:ea typeface="+mn-ea"/>
+                        <a:cs typeface="Arial" panose="020B0604020202020204" pitchFamily="34" charset="0"/>
+                      </a:endParaRPr>
                     </a:p>
                   </a:txBody>
                   <a:tcPr marL="9525" marR="9525" marT="9525" marB="0" anchor="b"/>
@@ -11545,16 +10923,17 @@
                     <a:p>
                       <a:pPr marL="0" algn="ctr" defTabSz="2194560" rtl="0" eaLnBrk="1" fontAlgn="b" latinLnBrk="0" hangingPunct="1"/>
                       <a:r>
-                        <a:rPr lang="en-US" sz="1800" b="1" kern="1200" dirty="0">
-                          <a:solidFill>
-                            <a:schemeClr val="dk1"/>
-                          </a:solidFill>
-                          <a:latin typeface="Arial" panose="020B0604020202020204" pitchFamily="34" charset="0"/>
-                          <a:ea typeface="+mn-ea"/>
-                          <a:cs typeface="Arial" panose="020B0604020202020204" pitchFamily="34" charset="0"/>
-                        </a:rPr>
+                        <a:rPr lang="en-US" sz="1800" kern="1200" dirty="0"/>
                         <a:t>1</a:t>
                       </a:r>
+                      <a:endParaRPr lang="en-US" sz="1800" b="1" kern="1200" dirty="0">
+                        <a:solidFill>
+                          <a:schemeClr val="dk1"/>
+                        </a:solidFill>
+                        <a:latin typeface="Arial" panose="020B0604020202020204" pitchFamily="34" charset="0"/>
+                        <a:ea typeface="+mn-ea"/>
+                        <a:cs typeface="Arial" panose="020B0604020202020204" pitchFamily="34" charset="0"/>
+                      </a:endParaRPr>
                     </a:p>
                   </a:txBody>
                   <a:tcPr marL="9525" marR="9525" marT="9525" marB="0" anchor="b"/>
@@ -11672,35 +11051,7 @@
                 <a:latin typeface="Arial" panose="020B0604020202020204" pitchFamily="34" charset="0"/>
                 <a:cs typeface="Arial" panose="020B0604020202020204" pitchFamily="34" charset="0"/>
               </a:rPr>
-              <a:t>From the </a:t>
-            </a:r>
-            <a:r>
-              <a:rPr lang="en-US" sz="1800" b="1" dirty="0" err="1" smtClean="0">
-                <a:latin typeface="Arial" panose="020B0604020202020204" pitchFamily="34" charset="0"/>
-                <a:cs typeface="Arial" panose="020B0604020202020204" pitchFamily="34" charset="0"/>
-              </a:rPr>
-              <a:t>GRNsight</a:t>
-            </a:r>
-            <a:r>
-              <a:rPr lang="en-US" sz="1800" b="1" dirty="0" smtClean="0">
-                <a:latin typeface="Arial" panose="020B0604020202020204" pitchFamily="34" charset="0"/>
-                <a:cs typeface="Arial" panose="020B0604020202020204" pitchFamily="34" charset="0"/>
-              </a:rPr>
-              <a:t> visualized network as well as the </a:t>
-            </a:r>
-            <a:r>
-              <a:rPr lang="en-US" sz="1800" b="1" dirty="0" err="1" smtClean="0">
-                <a:latin typeface="Arial" panose="020B0604020202020204" pitchFamily="34" charset="0"/>
-                <a:cs typeface="Arial" panose="020B0604020202020204" pitchFamily="34" charset="0"/>
-              </a:rPr>
-              <a:t>Gephi</a:t>
-            </a:r>
-            <a:r>
-              <a:rPr lang="en-US" sz="1800" b="1" dirty="0" smtClean="0">
-                <a:latin typeface="Arial" panose="020B0604020202020204" pitchFamily="34" charset="0"/>
-                <a:cs typeface="Arial" panose="020B0604020202020204" pitchFamily="34" charset="0"/>
-              </a:rPr>
-              <a:t> outputs, MSN2, CIN5, HMO1, HAP4, and YHP1 are some of the most active genes, with having totals of 9 degrees, 6 degrees, and 5 degrees.</a:t>
+              <a:t>From the GRNsight visualized network as well as the Gephi outputs, MSN2, CIN5, HMO1, HAP4, and YHP1 are some of the most active genes, with having totals of 9 degrees, 6 degrees, and 5 degrees.</a:t>
             </a:r>
           </a:p>
           <a:p>
@@ -11862,7 +11213,21 @@
                 <a:latin typeface="Arial"/>
                 <a:cs typeface="Arial"/>
               </a:rPr>
-              <a:t> is the node listed in the table and j is any other node in the network.</a:t>
+              <a:t> is the node listed in the table and</a:t>
+            </a:r>
+            <a:r>
+              <a:rPr lang="en-US" sz="1800" b="1" i="1" dirty="0" smtClean="0">
+                <a:latin typeface="Arial"/>
+                <a:cs typeface="Arial"/>
+              </a:rPr>
+              <a:t> j </a:t>
+            </a:r>
+            <a:r>
+              <a:rPr lang="en-US" sz="1800" b="1" dirty="0" smtClean="0">
+                <a:latin typeface="Arial"/>
+                <a:cs typeface="Arial"/>
+              </a:rPr>
+              <a:t>is any other node in the network.</a:t>
             </a:r>
           </a:p>
           <a:p>
@@ -11887,8 +11252,8 @@
             </p:nvSpPr>
             <p:spPr>
               <a:xfrm>
-                <a:off x="25168076" y="25043090"/>
-                <a:ext cx="4778239" cy="890885"/>
+                <a:off x="14632567" y="25536616"/>
+                <a:ext cx="4778239" cy="757643"/>
               </a:xfrm>
               <a:prstGeom prst="rect">
                 <a:avLst/>
@@ -11909,25 +11274,25 @@
                     </m:oMathParaPr>
                     <m:oMath xmlns:m="http://schemas.openxmlformats.org/officeDocument/2006/math">
                       <m:r>
-                        <a:rPr lang="en-US" sz="2400" b="0" i="1" smtClean="0">
+                        <a:rPr lang="en-US" sz="2000" b="0" i="1" smtClean="0">
                           <a:latin typeface="Cambria Math"/>
                         </a:rPr>
                         <m:t>𝐶</m:t>
                       </m:r>
                       <m:r>
-                        <a:rPr lang="en-US" sz="2400" b="0" i="1" smtClean="0">
+                        <a:rPr lang="en-US" sz="2000" b="0" i="1" smtClean="0">
                           <a:latin typeface="Cambria Math"/>
                         </a:rPr>
                         <m:t>(</m:t>
                       </m:r>
                       <m:r>
-                        <a:rPr lang="en-US" sz="2400" b="0" i="1" smtClean="0">
+                        <a:rPr lang="en-US" sz="2000" b="0" i="1" smtClean="0">
                           <a:latin typeface="Cambria Math"/>
                         </a:rPr>
                         <m:t>𝑥</m:t>
                       </m:r>
                       <m:r>
-                        <a:rPr lang="en-US" sz="2400" b="0" i="1" smtClean="0">
+                        <a:rPr lang="en-US" sz="2000" b="0" i="1" smtClean="0">
                           <a:latin typeface="Cambria Math"/>
                         </a:rPr>
                         <m:t>)=</m:t>
@@ -11935,14 +11300,14 @@
                       <m:f>
                         <m:fPr>
                           <m:ctrlPr>
-                            <a:rPr lang="en-US" sz="2400" i="1">
-                              <a:latin typeface="Cambria Math" panose="02040503050406030204" pitchFamily="18" charset="0"/>
+                            <a:rPr lang="en-US" sz="2000" i="1">
+                              <a:latin typeface="Cambria Math"/>
                             </a:rPr>
                           </m:ctrlPr>
                         </m:fPr>
                         <m:num>
                           <m:r>
-                            <a:rPr lang="en-US" sz="2400" b="0" i="1" smtClean="0">
+                            <a:rPr lang="en-US" sz="2000" b="0" i="1" smtClean="0">
                               <a:latin typeface="Cambria Math"/>
                             </a:rPr>
                             <m:t>1</m:t>
@@ -11955,8 +11320,8 @@
                               <m:limLoc m:val="subSup"/>
                               <m:supHide m:val="on"/>
                               <m:ctrlPr>
-                                <a:rPr lang="en-US" sz="2400" i="1" smtClean="0">
-                                  <a:latin typeface="Cambria Math" panose="02040503050406030204" pitchFamily="18" charset="0"/>
+                                <a:rPr lang="en-US" sz="2000" i="1" smtClean="0">
+                                  <a:latin typeface="Cambria Math"/>
                                 </a:rPr>
                               </m:ctrlPr>
                             </m:naryPr>
@@ -11965,7 +11330,7 @@
                                 <m:rPr>
                                   <m:brk m:alnAt="9"/>
                                 </m:rPr>
-                                <a:rPr lang="en-US" sz="2400" b="0" i="1" smtClean="0">
+                                <a:rPr lang="en-US" sz="2000" b="0" i="1" smtClean="0">
                                   <a:latin typeface="Cambria Math"/>
                                 </a:rPr>
                                 <m:t>𝑦</m:t>
@@ -11974,7 +11339,7 @@
                             <m:sup/>
                             <m:e>
                               <m:r>
-                                <a:rPr lang="en-US" sz="2400" b="0" i="1" smtClean="0">
+                                <a:rPr lang="en-US" sz="2000" b="0" i="1" smtClean="0">
                                   <a:latin typeface="Cambria Math"/>
                                 </a:rPr>
                                 <m:t>𝑑</m:t>
@@ -11982,26 +11347,26 @@
                               <m:d>
                                 <m:dPr>
                                   <m:ctrlPr>
-                                    <a:rPr lang="en-US" sz="2400" b="0" i="1" smtClean="0">
-                                      <a:latin typeface="Cambria Math" panose="02040503050406030204" pitchFamily="18" charset="0"/>
+                                    <a:rPr lang="en-US" sz="2000" b="0" i="1" smtClean="0">
+                                      <a:latin typeface="Cambria Math"/>
                                     </a:rPr>
                                   </m:ctrlPr>
                                 </m:dPr>
                                 <m:e>
                                   <m:r>
-                                    <a:rPr lang="en-US" sz="2400" b="0" i="1" smtClean="0">
+                                    <a:rPr lang="en-US" sz="2000" b="0" i="1" smtClean="0">
                                       <a:latin typeface="Cambria Math"/>
                                     </a:rPr>
                                     <m:t>𝑥</m:t>
                                   </m:r>
                                   <m:r>
-                                    <a:rPr lang="en-US" sz="2400" b="0" i="1" smtClean="0">
+                                    <a:rPr lang="en-US" sz="2000" b="0" i="1" smtClean="0">
                                       <a:latin typeface="Cambria Math"/>
                                     </a:rPr>
                                     <m:t>,</m:t>
                                   </m:r>
                                   <m:r>
-                                    <a:rPr lang="en-US" sz="2400" b="0" i="1" smtClean="0">
+                                    <a:rPr lang="en-US" sz="2000" b="0" i="1" smtClean="0">
                                       <a:latin typeface="Cambria Math"/>
                                     </a:rPr>
                                     <m:t>𝑦</m:t>
@@ -12013,19 +11378,19 @@
                         </m:den>
                       </m:f>
                       <m:r>
-                        <a:rPr lang="en-US" sz="2400" b="0" i="1" smtClean="0">
+                        <a:rPr lang="en-US" sz="2000" b="0" i="1" smtClean="0">
                           <a:latin typeface="Cambria Math"/>
                         </a:rPr>
                         <m:t>(</m:t>
                       </m:r>
                       <m:r>
-                        <a:rPr lang="en-US" sz="2400" b="0" i="1" smtClean="0">
+                        <a:rPr lang="en-US" sz="2000" b="0" i="1" smtClean="0">
                           <a:latin typeface="Cambria Math"/>
                         </a:rPr>
                         <m:t>𝑛</m:t>
                       </m:r>
                       <m:r>
-                        <a:rPr lang="en-US" sz="2400" b="0" i="1" smtClean="0">
+                        <a:rPr lang="en-US" sz="2000" b="0" i="1" smtClean="0">
                           <a:latin typeface="Cambria Math"/>
                         </a:rPr>
                         <m:t>−1)</m:t>
@@ -12033,7 +11398,7 @@
                     </m:oMath>
                   </m:oMathPara>
                 </a14:m>
-                <a:endParaRPr lang="en-US" sz="2400" dirty="0"/>
+                <a:endParaRPr lang="en-US" sz="2000" dirty="0"/>
               </a:p>
             </p:txBody>
           </p:sp>
@@ -12049,264 +11414,14 @@
             </p:nvSpPr>
             <p:spPr>
               <a:xfrm>
-                <a:off x="25168076" y="25043090"/>
-                <a:ext cx="4778239" cy="890885"/>
+                <a:off x="14632567" y="25536616"/>
+                <a:ext cx="4778239" cy="757643"/>
               </a:xfrm>
               <a:prstGeom prst="rect">
                 <a:avLst/>
               </a:prstGeom>
-              <a:blipFill rotWithShape="0">
+              <a:blipFill rotWithShape="1">
                 <a:blip r:embed="rId21"/>
-                <a:stretch>
-                  <a:fillRect/>
-                </a:stretch>
-              </a:blipFill>
-            </p:spPr>
-            <p:txBody>
-              <a:bodyPr/>
-              <a:lstStyle/>
-              <a:p>
-                <a:r>
-                  <a:rPr lang="en-US">
-                    <a:noFill/>
-                  </a:rPr>
-                  <a:t> </a:t>
-                </a:r>
-              </a:p>
-            </p:txBody>
-          </p:sp>
-        </mc:Fallback>
-      </mc:AlternateContent>
-      <mc:AlternateContent xmlns:mc="http://schemas.openxmlformats.org/markup-compatibility/2006">
-        <mc:Choice xmlns:a14="http://schemas.microsoft.com/office/drawing/2010/main" Requires="a14">
-          <p:sp>
-            <p:nvSpPr>
-              <p:cNvPr id="70" name="TextBox 69"/>
-              <p:cNvSpPr txBox="1"/>
-              <p:nvPr/>
-            </p:nvSpPr>
-            <p:spPr>
-              <a:xfrm>
-                <a:off x="25808476" y="28424696"/>
-                <a:ext cx="3933499" cy="988540"/>
-              </a:xfrm>
-              <a:prstGeom prst="rect">
-                <a:avLst/>
-              </a:prstGeom>
-              <a:noFill/>
-            </p:spPr>
-            <p:txBody>
-              <a:bodyPr wrap="square" rtlCol="0">
-                <a:spAutoFit/>
-              </a:bodyPr>
-              <a:lstStyle/>
-              <a:p>
-                <a:pPr/>
-                <a14:m>
-                  <m:oMathPara xmlns:m="http://schemas.openxmlformats.org/officeDocument/2006/math">
-                    <m:oMathParaPr>
-                      <m:jc m:val="centerGroup"/>
-                    </m:oMathParaPr>
-                    <m:oMath xmlns:m="http://schemas.openxmlformats.org/officeDocument/2006/math">
-                      <m:r>
-                        <a:rPr lang="en-US" sz="2400" b="0" i="1" smtClean="0">
-                          <a:latin typeface="Cambria Math"/>
-                        </a:rPr>
-                        <m:t>𝑔</m:t>
-                      </m:r>
-                      <m:d>
-                        <m:dPr>
-                          <m:ctrlPr>
-                            <a:rPr lang="en-US" sz="2400" b="0" i="1" smtClean="0">
-                              <a:latin typeface="Cambria Math" panose="02040503050406030204" pitchFamily="18" charset="0"/>
-                            </a:rPr>
-                          </m:ctrlPr>
-                        </m:dPr>
-                        <m:e>
-                          <m:r>
-                            <a:rPr lang="en-US" sz="2400" b="0" i="1" smtClean="0">
-                              <a:latin typeface="Cambria Math"/>
-                            </a:rPr>
-                            <m:t>𝑣</m:t>
-                          </m:r>
-                        </m:e>
-                      </m:d>
-                      <m:r>
-                        <a:rPr lang="en-US" sz="2400" b="0" i="1" smtClean="0">
-                          <a:latin typeface="Cambria Math"/>
-                        </a:rPr>
-                        <m:t>=</m:t>
-                      </m:r>
-                      <m:nary>
-                        <m:naryPr>
-                          <m:chr m:val="∑"/>
-                          <m:supHide m:val="on"/>
-                          <m:ctrlPr>
-                            <a:rPr lang="en-US" sz="2400" i="1" smtClean="0">
-                              <a:latin typeface="Cambria Math" panose="02040503050406030204" pitchFamily="18" charset="0"/>
-                            </a:rPr>
-                          </m:ctrlPr>
-                        </m:naryPr>
-                        <m:sub>
-                          <m:r>
-                            <m:rPr>
-                              <m:brk m:alnAt="7"/>
-                            </m:rPr>
-                            <a:rPr lang="en-US" sz="2400" b="0" i="1" smtClean="0">
-                              <a:latin typeface="Cambria Math"/>
-                            </a:rPr>
-                            <m:t>𝑠</m:t>
-                          </m:r>
-                          <m:r>
-                            <a:rPr lang="en-US" sz="2400" b="0" i="1" smtClean="0">
-                              <a:latin typeface="Cambria Math"/>
-                              <a:ea typeface="Cambria Math"/>
-                            </a:rPr>
-                            <m:t>≠</m:t>
-                          </m:r>
-                          <m:r>
-                            <a:rPr lang="en-US" sz="2400" b="0" i="1" smtClean="0">
-                              <a:latin typeface="Cambria Math"/>
-                              <a:ea typeface="Cambria Math"/>
-                            </a:rPr>
-                            <m:t>𝑣</m:t>
-                          </m:r>
-                          <m:r>
-                            <a:rPr lang="en-US" sz="2400" b="0" i="1" smtClean="0">
-                              <a:latin typeface="Cambria Math"/>
-                              <a:ea typeface="Cambria Math"/>
-                            </a:rPr>
-                            <m:t>≠</m:t>
-                          </m:r>
-                          <m:r>
-                            <a:rPr lang="en-US" sz="2400" b="0" i="1" smtClean="0">
-                              <a:latin typeface="Cambria Math"/>
-                              <a:ea typeface="Cambria Math"/>
-                            </a:rPr>
-                            <m:t>𝑡</m:t>
-                          </m:r>
-                        </m:sub>
-                        <m:sup/>
-                        <m:e>
-                          <m:f>
-                            <m:fPr>
-                              <m:ctrlPr>
-                                <a:rPr lang="en-US" sz="2400" i="1" smtClean="0">
-                                  <a:latin typeface="Cambria Math" panose="02040503050406030204" pitchFamily="18" charset="0"/>
-                                </a:rPr>
-                              </m:ctrlPr>
-                            </m:fPr>
-                            <m:num>
-                              <m:sSub>
-                                <m:sSubPr>
-                                  <m:ctrlPr>
-                                    <a:rPr lang="en-US" sz="2400" i="1" smtClean="0">
-                                      <a:latin typeface="Cambria Math" panose="02040503050406030204" pitchFamily="18" charset="0"/>
-                                      <a:ea typeface="Cambria Math"/>
-                                    </a:rPr>
-                                  </m:ctrlPr>
-                                </m:sSubPr>
-                                <m:e>
-                                  <m:r>
-                                    <a:rPr lang="en-US" sz="2400" i="1">
-                                      <a:latin typeface="Cambria Math"/>
-                                      <a:ea typeface="Cambria Math"/>
-                                    </a:rPr>
-                                    <m:t>𝜎</m:t>
-                                  </m:r>
-                                </m:e>
-                                <m:sub>
-                                  <m:r>
-                                    <a:rPr lang="en-US" sz="2400" b="0" i="1" smtClean="0">
-                                      <a:latin typeface="Cambria Math"/>
-                                      <a:ea typeface="Cambria Math"/>
-                                    </a:rPr>
-                                    <m:t>𝑠𝑡</m:t>
-                                  </m:r>
-                                </m:sub>
-                              </m:sSub>
-                              <m:r>
-                                <a:rPr lang="en-US" sz="2400" b="0" i="1" smtClean="0">
-                                  <a:latin typeface="Cambria Math"/>
-                                  <a:ea typeface="Cambria Math"/>
-                                </a:rPr>
-                                <m:t>(</m:t>
-                              </m:r>
-                              <m:r>
-                                <a:rPr lang="en-US" sz="2400" b="0" i="1" smtClean="0">
-                                  <a:latin typeface="Cambria Math"/>
-                                  <a:ea typeface="Cambria Math"/>
-                                </a:rPr>
-                                <m:t>𝑣</m:t>
-                              </m:r>
-                              <m:r>
-                                <a:rPr lang="en-US" sz="2400" b="0" i="1" smtClean="0">
-                                  <a:latin typeface="Cambria Math"/>
-                                  <a:ea typeface="Cambria Math"/>
-                                </a:rPr>
-                                <m:t>)</m:t>
-                              </m:r>
-                            </m:num>
-                            <m:den>
-                              <m:sSub>
-                                <m:sSubPr>
-                                  <m:ctrlPr>
-                                    <a:rPr lang="en-US" sz="2400" i="1">
-                                      <a:latin typeface="Cambria Math" panose="02040503050406030204" pitchFamily="18" charset="0"/>
-                                      <a:ea typeface="Cambria Math"/>
-                                    </a:rPr>
-                                  </m:ctrlPr>
-                                </m:sSubPr>
-                                <m:e>
-                                  <m:r>
-                                    <a:rPr lang="en-US" sz="2400" i="1">
-                                      <a:latin typeface="Cambria Math"/>
-                                      <a:ea typeface="Cambria Math"/>
-                                    </a:rPr>
-                                    <m:t>𝜎</m:t>
-                                  </m:r>
-                                </m:e>
-                                <m:sub>
-                                  <m:r>
-                                    <a:rPr lang="en-US" sz="2400" i="1">
-                                      <a:latin typeface="Cambria Math"/>
-                                      <a:ea typeface="Cambria Math"/>
-                                    </a:rPr>
-                                    <m:t>𝑠𝑡</m:t>
-                                  </m:r>
-                                </m:sub>
-                              </m:sSub>
-                            </m:den>
-                          </m:f>
-                        </m:e>
-                      </m:nary>
-                    </m:oMath>
-                  </m:oMathPara>
-                </a14:m>
-                <a:endParaRPr lang="en-US" sz="2400" dirty="0"/>
-              </a:p>
-            </p:txBody>
-          </p:sp>
-        </mc:Choice>
-        <mc:Fallback>
-          <p:sp>
-            <p:nvSpPr>
-              <p:cNvPr id="70" name="TextBox 69"/>
-              <p:cNvSpPr txBox="1">
-                <a:spLocks noRot="1" noChangeAspect="1" noMove="1" noResize="1" noEditPoints="1" noAdjustHandles="1" noChangeArrowheads="1" noChangeShapeType="1" noTextEdit="1"/>
-              </p:cNvSpPr>
-              <p:nvPr/>
-            </p:nvSpPr>
-            <p:spPr>
-              <a:xfrm>
-                <a:off x="25808476" y="28424696"/>
-                <a:ext cx="3933499" cy="988540"/>
-              </a:xfrm>
-              <a:prstGeom prst="rect">
-                <a:avLst/>
-              </a:prstGeom>
-              <a:blipFill rotWithShape="0">
-                <a:blip r:embed="rId22"/>
                 <a:stretch>
                   <a:fillRect/>
                 </a:stretch>
@@ -13905,39 +13020,1617 @@
                 <a:latin typeface="Arial" panose="020B0604020202020204" pitchFamily="34" charset="0"/>
                 <a:cs typeface="Arial" panose="020B0604020202020204" pitchFamily="34" charset="0"/>
               </a:rPr>
-              <a:t> </a:t>
-            </a:r>
-            <a:r>
-              <a:rPr lang="en-US" sz="2800" b="1" dirty="0" smtClean="0">
-                <a:latin typeface="Arial" panose="020B0604020202020204" pitchFamily="34" charset="0"/>
-                <a:cs typeface="Arial" panose="020B0604020202020204" pitchFamily="34" charset="0"/>
-              </a:rPr>
-              <a:t>derived network was </a:t>
-            </a:r>
-            <a:r>
-              <a:rPr lang="en-US" sz="2800" b="1" dirty="0" smtClean="0">
-                <a:latin typeface="Arial" panose="020B0604020202020204" pitchFamily="34" charset="0"/>
-                <a:cs typeface="Arial" panose="020B0604020202020204" pitchFamily="34" charset="0"/>
-              </a:rPr>
-              <a:t>statistically analyzed using </a:t>
-            </a:r>
-            <a:r>
-              <a:rPr lang="en-US" sz="2800" b="1" dirty="0" err="1" smtClean="0">
-                <a:latin typeface="Arial" panose="020B0604020202020204" pitchFamily="34" charset="0"/>
-                <a:cs typeface="Arial" panose="020B0604020202020204" pitchFamily="34" charset="0"/>
-              </a:rPr>
-              <a:t>Gephi</a:t>
-            </a:r>
-            <a:r>
-              <a:rPr lang="en-US" sz="2800" b="1" dirty="0" smtClean="0">
-                <a:latin typeface="Arial" panose="020B0604020202020204" pitchFamily="34" charset="0"/>
-                <a:cs typeface="Arial" panose="020B0604020202020204" pitchFamily="34" charset="0"/>
-              </a:rPr>
-              <a:t> </a:t>
-            </a:r>
-            <a:endParaRPr lang="en-US" sz="2800" b="1" dirty="0" smtClean="0">
+              <a:t> derived network was statistically analyzed using Gephi </a:t>
+            </a:r>
+          </a:p>
+        </p:txBody>
+      </p:sp>
+      <p:pic>
+        <p:nvPicPr>
+          <p:cNvPr id="8" name="Picture 7"/>
+          <p:cNvPicPr>
+            <a:picLocks noChangeAspect="1"/>
+          </p:cNvPicPr>
+          <p:nvPr/>
+        </p:nvPicPr>
+        <p:blipFill>
+          <a:blip r:embed="rId22">
+            <a:extLst>
+              <a:ext uri="{28A0092B-C50C-407E-A947-70E740481C1C}">
+                <a14:useLocalDpi xmlns:a14="http://schemas.microsoft.com/office/drawing/2010/main" val="0"/>
+              </a:ext>
+            </a:extLst>
+          </a:blip>
+          <a:stretch>
+            <a:fillRect/>
+          </a:stretch>
+        </p:blipFill>
+        <p:spPr>
+          <a:xfrm>
+            <a:off x="36877386" y="12307180"/>
+            <a:ext cx="3965814" cy="3977080"/>
+          </a:xfrm>
+          <a:prstGeom prst="rect">
+            <a:avLst/>
+          </a:prstGeom>
+        </p:spPr>
+      </p:pic>
+      <p:pic>
+        <p:nvPicPr>
+          <p:cNvPr id="9" name="Picture 8"/>
+          <p:cNvPicPr>
+            <a:picLocks noChangeAspect="1"/>
+          </p:cNvPicPr>
+          <p:nvPr/>
+        </p:nvPicPr>
+        <p:blipFill>
+          <a:blip r:embed="rId23">
+            <a:extLst>
+              <a:ext uri="{28A0092B-C50C-407E-A947-70E740481C1C}">
+                <a14:useLocalDpi xmlns:a14="http://schemas.microsoft.com/office/drawing/2010/main" val="0"/>
+              </a:ext>
+            </a:extLst>
+          </a:blip>
+          <a:stretch>
+            <a:fillRect/>
+          </a:stretch>
+        </p:blipFill>
+        <p:spPr>
+          <a:xfrm>
+            <a:off x="41149454" y="13157670"/>
+            <a:ext cx="1419817" cy="2104671"/>
+          </a:xfrm>
+          <a:prstGeom prst="rect">
+            <a:avLst/>
+          </a:prstGeom>
+        </p:spPr>
+      </p:pic>
+      <mc:AlternateContent xmlns:mc="http://schemas.openxmlformats.org/markup-compatibility/2006" xmlns:a14="http://schemas.microsoft.com/office/drawing/2010/main">
+        <mc:Choice Requires="a14">
+          <p:sp>
+            <p:nvSpPr>
+              <p:cNvPr id="65" name="TextBox 64"/>
+              <p:cNvSpPr txBox="1"/>
+              <p:nvPr/>
+            </p:nvSpPr>
+            <p:spPr>
+              <a:xfrm>
+                <a:off x="15191078" y="29352175"/>
+                <a:ext cx="3566624" cy="839269"/>
+              </a:xfrm>
+              <a:prstGeom prst="rect">
+                <a:avLst/>
+              </a:prstGeom>
+              <a:noFill/>
+            </p:spPr>
+            <p:txBody>
+              <a:bodyPr wrap="square" rtlCol="0">
+                <a:spAutoFit/>
+              </a:bodyPr>
+              <a:lstStyle/>
+              <a:p>
+                <a:pPr/>
+                <a14:m>
+                  <m:oMathPara xmlns:m="http://schemas.openxmlformats.org/officeDocument/2006/math">
+                    <m:oMathParaPr>
+                      <m:jc m:val="centerGroup"/>
+                    </m:oMathParaPr>
+                    <m:oMath xmlns:m="http://schemas.openxmlformats.org/officeDocument/2006/math">
+                      <m:r>
+                        <a:rPr lang="en-US" sz="2000" b="0" i="1" smtClean="0">
+                          <a:latin typeface="Cambria Math"/>
+                        </a:rPr>
+                        <m:t>𝑔</m:t>
+                      </m:r>
+                      <m:d>
+                        <m:dPr>
+                          <m:ctrlPr>
+                            <a:rPr lang="en-US" sz="2000" b="0" i="1" smtClean="0">
+                              <a:latin typeface="Cambria Math"/>
+                            </a:rPr>
+                          </m:ctrlPr>
+                        </m:dPr>
+                        <m:e>
+                          <m:r>
+                            <a:rPr lang="en-US" sz="2000" b="0" i="1" smtClean="0">
+                              <a:latin typeface="Cambria Math"/>
+                            </a:rPr>
+                            <m:t>𝑣</m:t>
+                          </m:r>
+                        </m:e>
+                      </m:d>
+                      <m:r>
+                        <a:rPr lang="en-US" sz="2000" b="0" i="1" smtClean="0">
+                          <a:latin typeface="Cambria Math"/>
+                        </a:rPr>
+                        <m:t>=</m:t>
+                      </m:r>
+                      <m:nary>
+                        <m:naryPr>
+                          <m:chr m:val="∑"/>
+                          <m:supHide m:val="on"/>
+                          <m:ctrlPr>
+                            <a:rPr lang="en-US" sz="2000" i="1" smtClean="0">
+                              <a:latin typeface="Cambria Math"/>
+                            </a:rPr>
+                          </m:ctrlPr>
+                        </m:naryPr>
+                        <m:sub>
+                          <m:r>
+                            <m:rPr>
+                              <m:brk m:alnAt="7"/>
+                            </m:rPr>
+                            <a:rPr lang="en-US" sz="2000" b="0" i="1" smtClean="0">
+                              <a:latin typeface="Cambria Math"/>
+                            </a:rPr>
+                            <m:t>𝑠</m:t>
+                          </m:r>
+                          <m:r>
+                            <a:rPr lang="en-US" sz="2000" b="0" i="1" smtClean="0">
+                              <a:latin typeface="Cambria Math"/>
+                              <a:ea typeface="Cambria Math"/>
+                            </a:rPr>
+                            <m:t>≠</m:t>
+                          </m:r>
+                          <m:r>
+                            <a:rPr lang="en-US" sz="2000" b="0" i="1" smtClean="0">
+                              <a:latin typeface="Cambria Math"/>
+                              <a:ea typeface="Cambria Math"/>
+                            </a:rPr>
+                            <m:t>𝑣</m:t>
+                          </m:r>
+                          <m:r>
+                            <a:rPr lang="en-US" sz="2000" b="0" i="1" smtClean="0">
+                              <a:latin typeface="Cambria Math"/>
+                              <a:ea typeface="Cambria Math"/>
+                            </a:rPr>
+                            <m:t>≠</m:t>
+                          </m:r>
+                          <m:r>
+                            <a:rPr lang="en-US" sz="2000" b="0" i="1" smtClean="0">
+                              <a:latin typeface="Cambria Math"/>
+                              <a:ea typeface="Cambria Math"/>
+                            </a:rPr>
+                            <m:t>𝑡</m:t>
+                          </m:r>
+                        </m:sub>
+                        <m:sup/>
+                        <m:e>
+                          <m:f>
+                            <m:fPr>
+                              <m:ctrlPr>
+                                <a:rPr lang="en-US" sz="2000" i="1" smtClean="0">
+                                  <a:latin typeface="Cambria Math"/>
+                                </a:rPr>
+                              </m:ctrlPr>
+                            </m:fPr>
+                            <m:num>
+                              <m:sSub>
+                                <m:sSubPr>
+                                  <m:ctrlPr>
+                                    <a:rPr lang="en-US" sz="2000" i="1" smtClean="0">
+                                      <a:latin typeface="Cambria Math"/>
+                                      <a:ea typeface="Cambria Math"/>
+                                    </a:rPr>
+                                  </m:ctrlPr>
+                                </m:sSubPr>
+                                <m:e>
+                                  <m:r>
+                                    <a:rPr lang="en-US" sz="2000" i="1">
+                                      <a:latin typeface="Cambria Math"/>
+                                      <a:ea typeface="Cambria Math"/>
+                                    </a:rPr>
+                                    <m:t>𝜎</m:t>
+                                  </m:r>
+                                </m:e>
+                                <m:sub>
+                                  <m:r>
+                                    <a:rPr lang="en-US" sz="2000" b="0" i="1" smtClean="0">
+                                      <a:latin typeface="Cambria Math"/>
+                                      <a:ea typeface="Cambria Math"/>
+                                    </a:rPr>
+                                    <m:t>𝑠𝑡</m:t>
+                                  </m:r>
+                                </m:sub>
+                              </m:sSub>
+                              <m:r>
+                                <a:rPr lang="en-US" sz="2000" b="0" i="1" smtClean="0">
+                                  <a:latin typeface="Cambria Math"/>
+                                  <a:ea typeface="Cambria Math"/>
+                                </a:rPr>
+                                <m:t>(</m:t>
+                              </m:r>
+                              <m:r>
+                                <a:rPr lang="en-US" sz="2000" b="0" i="1" smtClean="0">
+                                  <a:latin typeface="Cambria Math"/>
+                                  <a:ea typeface="Cambria Math"/>
+                                </a:rPr>
+                                <m:t>𝑣</m:t>
+                              </m:r>
+                              <m:r>
+                                <a:rPr lang="en-US" sz="2000" b="0" i="1" smtClean="0">
+                                  <a:latin typeface="Cambria Math"/>
+                                  <a:ea typeface="Cambria Math"/>
+                                </a:rPr>
+                                <m:t>)</m:t>
+                              </m:r>
+                            </m:num>
+                            <m:den>
+                              <m:sSub>
+                                <m:sSubPr>
+                                  <m:ctrlPr>
+                                    <a:rPr lang="en-US" sz="2000" i="1">
+                                      <a:latin typeface="Cambria Math"/>
+                                      <a:ea typeface="Cambria Math"/>
+                                    </a:rPr>
+                                  </m:ctrlPr>
+                                </m:sSubPr>
+                                <m:e>
+                                  <m:r>
+                                    <a:rPr lang="en-US" sz="2000" i="1">
+                                      <a:latin typeface="Cambria Math"/>
+                                      <a:ea typeface="Cambria Math"/>
+                                    </a:rPr>
+                                    <m:t>𝜎</m:t>
+                                  </m:r>
+                                </m:e>
+                                <m:sub>
+                                  <m:r>
+                                    <a:rPr lang="en-US" sz="2000" i="1">
+                                      <a:latin typeface="Cambria Math"/>
+                                      <a:ea typeface="Cambria Math"/>
+                                    </a:rPr>
+                                    <m:t>𝑠𝑡</m:t>
+                                  </m:r>
+                                </m:sub>
+                              </m:sSub>
+                            </m:den>
+                          </m:f>
+                        </m:e>
+                      </m:nary>
+                    </m:oMath>
+                  </m:oMathPara>
+                </a14:m>
+                <a:endParaRPr lang="en-US" sz="2000" dirty="0"/>
+              </a:p>
+            </p:txBody>
+          </p:sp>
+        </mc:Choice>
+        <mc:Fallback xmlns="">
+          <p:sp>
+            <p:nvSpPr>
+              <p:cNvPr id="65" name="TextBox 64"/>
+              <p:cNvSpPr txBox="1">
+                <a:spLocks noRot="1" noChangeAspect="1" noMove="1" noResize="1" noEditPoints="1" noAdjustHandles="1" noChangeArrowheads="1" noChangeShapeType="1" noTextEdit="1"/>
+              </p:cNvSpPr>
+              <p:nvPr/>
+            </p:nvSpPr>
+            <p:spPr>
+              <a:xfrm>
+                <a:off x="15191078" y="29352175"/>
+                <a:ext cx="3566624" cy="839269"/>
+              </a:xfrm>
+              <a:prstGeom prst="rect">
+                <a:avLst/>
+              </a:prstGeom>
+              <a:blipFill rotWithShape="1">
+                <a:blip r:embed="rId24"/>
+                <a:stretch>
+                  <a:fillRect/>
+                </a:stretch>
+              </a:blipFill>
+            </p:spPr>
+            <p:txBody>
+              <a:bodyPr/>
+              <a:lstStyle/>
+              <a:p>
+                <a:r>
+                  <a:rPr lang="en-US">
+                    <a:noFill/>
+                  </a:rPr>
+                  <a:t> </a:t>
+                </a:r>
+              </a:p>
+            </p:txBody>
+          </p:sp>
+        </mc:Fallback>
+      </mc:AlternateContent>
+      <p:graphicFrame>
+        <p:nvGraphicFramePr>
+          <p:cNvPr id="78" name="Table 77"/>
+          <p:cNvGraphicFramePr>
+            <a:graphicFrameLocks noGrp="1"/>
+          </p:cNvGraphicFramePr>
+          <p:nvPr>
+            <p:extLst>
+              <p:ext uri="{D42A27DB-BD31-4B8C-83A1-F6EECF244321}">
+                <p14:modId xmlns:p14="http://schemas.microsoft.com/office/powerpoint/2010/main" val="3438223713"/>
+              </p:ext>
+            </p:extLst>
+          </p:nvPr>
+        </p:nvGraphicFramePr>
+        <p:xfrm>
+          <a:off x="13233385" y="30956593"/>
+          <a:ext cx="17126712" cy="1327972"/>
+        </p:xfrm>
+        <a:graphic>
+          <a:graphicData uri="http://schemas.openxmlformats.org/drawingml/2006/table">
+            <a:tbl>
+              <a:tblPr firstRow="1" bandRow="1">
+                <a:tableStyleId>{5C22544A-7EE6-4342-B048-85BDC9FD1C3A}</a:tableStyleId>
+              </a:tblPr>
+              <a:tblGrid>
+                <a:gridCol w="1490472"/>
+                <a:gridCol w="1042416"/>
+                <a:gridCol w="1042416"/>
+                <a:gridCol w="1042416"/>
+                <a:gridCol w="1042416"/>
+                <a:gridCol w="1042416"/>
+                <a:gridCol w="1042416"/>
+                <a:gridCol w="1042416"/>
+                <a:gridCol w="1042416"/>
+                <a:gridCol w="1042416"/>
+                <a:gridCol w="1042416"/>
+                <a:gridCol w="1042416"/>
+                <a:gridCol w="1042416"/>
+                <a:gridCol w="1042416"/>
+                <a:gridCol w="1042416"/>
+                <a:gridCol w="1042416"/>
+              </a:tblGrid>
+              <a:tr h="667724">
+                <a:tc>
+                  <a:txBody>
+                    <a:bodyPr/>
+                    <a:lstStyle/>
+                    <a:p>
+                      <a:pPr marL="0" algn="ctr" defTabSz="2194560" rtl="0" eaLnBrk="1" fontAlgn="b" latinLnBrk="0" hangingPunct="1"/>
+                      <a:endParaRPr lang="en-US" sz="1600" kern="1200" dirty="0">
+                        <a:solidFill>
+                          <a:schemeClr val="dk1"/>
+                        </a:solidFill>
+                        <a:latin typeface="+mn-lt"/>
+                        <a:ea typeface="+mn-ea"/>
+                        <a:cs typeface="+mn-cs"/>
+                      </a:endParaRPr>
+                    </a:p>
+                  </a:txBody>
+                  <a:tcPr marL="9525" marR="9525" marT="9525" marB="0" anchor="ctr"/>
+                </a:tc>
+                <a:tc>
+                  <a:txBody>
+                    <a:bodyPr/>
+                    <a:lstStyle/>
+                    <a:p>
+                      <a:pPr marL="0" algn="ctr" defTabSz="2194560" rtl="0" eaLnBrk="1" fontAlgn="b" latinLnBrk="0" hangingPunct="1"/>
+                      <a:r>
+                        <a:rPr lang="en-US" sz="1600" kern="1200" dirty="0">
+                          <a:solidFill>
+                            <a:schemeClr val="bg1"/>
+                          </a:solidFill>
+                          <a:latin typeface="+mn-lt"/>
+                          <a:ea typeface="+mn-ea"/>
+                          <a:cs typeface="+mn-cs"/>
+                        </a:rPr>
+                        <a:t>ACE2</a:t>
+                      </a:r>
+                    </a:p>
+                  </a:txBody>
+                  <a:tcPr marL="9525" marR="9525" marT="9525" marB="0" anchor="ctr"/>
+                </a:tc>
+                <a:tc>
+                  <a:txBody>
+                    <a:bodyPr/>
+                    <a:lstStyle/>
+                    <a:p>
+                      <a:pPr marL="0" algn="ctr" defTabSz="2194560" rtl="0" eaLnBrk="1" fontAlgn="b" latinLnBrk="0" hangingPunct="1"/>
+                      <a:r>
+                        <a:rPr lang="en-US" sz="1600" kern="1200" dirty="0">
+                          <a:solidFill>
+                            <a:schemeClr val="bg1"/>
+                          </a:solidFill>
+                          <a:latin typeface="+mn-lt"/>
+                          <a:ea typeface="+mn-ea"/>
+                          <a:cs typeface="+mn-cs"/>
+                        </a:rPr>
+                        <a:t>ASH1</a:t>
+                      </a:r>
+                    </a:p>
+                  </a:txBody>
+                  <a:tcPr marL="9525" marR="9525" marT="9525" marB="0" anchor="ctr"/>
+                </a:tc>
+                <a:tc>
+                  <a:txBody>
+                    <a:bodyPr/>
+                    <a:lstStyle/>
+                    <a:p>
+                      <a:pPr marL="0" algn="ctr" defTabSz="2194560" rtl="0" eaLnBrk="1" fontAlgn="b" latinLnBrk="0" hangingPunct="1"/>
+                      <a:r>
+                        <a:rPr lang="en-US" sz="1600" kern="1200" dirty="0">
+                          <a:solidFill>
+                            <a:schemeClr val="bg1"/>
+                          </a:solidFill>
+                          <a:latin typeface="+mn-lt"/>
+                          <a:ea typeface="+mn-ea"/>
+                          <a:cs typeface="+mn-cs"/>
+                        </a:rPr>
+                        <a:t>CIN5</a:t>
+                      </a:r>
+                    </a:p>
+                  </a:txBody>
+                  <a:tcPr marL="9525" marR="9525" marT="9525" marB="0" anchor="ctr"/>
+                </a:tc>
+                <a:tc>
+                  <a:txBody>
+                    <a:bodyPr/>
+                    <a:lstStyle/>
+                    <a:p>
+                      <a:pPr marL="0" algn="ctr" defTabSz="2194560" rtl="0" eaLnBrk="1" fontAlgn="b" latinLnBrk="0" hangingPunct="1"/>
+                      <a:r>
+                        <a:rPr lang="en-US" sz="1600" kern="1200" dirty="0">
+                          <a:solidFill>
+                            <a:schemeClr val="bg1"/>
+                          </a:solidFill>
+                          <a:latin typeface="+mn-lt"/>
+                          <a:ea typeface="+mn-ea"/>
+                          <a:cs typeface="+mn-cs"/>
+                        </a:rPr>
+                        <a:t>GCR2</a:t>
+                      </a:r>
+                    </a:p>
+                  </a:txBody>
+                  <a:tcPr marL="9525" marR="9525" marT="9525" marB="0" anchor="ctr"/>
+                </a:tc>
+                <a:tc>
+                  <a:txBody>
+                    <a:bodyPr/>
+                    <a:lstStyle/>
+                    <a:p>
+                      <a:pPr marL="0" algn="ctr" defTabSz="2194560" rtl="0" eaLnBrk="1" fontAlgn="b" latinLnBrk="0" hangingPunct="1"/>
+                      <a:r>
+                        <a:rPr lang="en-US" sz="1600" kern="1200" dirty="0">
+                          <a:solidFill>
+                            <a:schemeClr val="bg1"/>
+                          </a:solidFill>
+                          <a:latin typeface="+mn-lt"/>
+                          <a:ea typeface="+mn-ea"/>
+                          <a:cs typeface="+mn-cs"/>
+                        </a:rPr>
+                        <a:t>GLN3</a:t>
+                      </a:r>
+                    </a:p>
+                  </a:txBody>
+                  <a:tcPr marL="9525" marR="9525" marT="9525" marB="0" anchor="ctr"/>
+                </a:tc>
+                <a:tc>
+                  <a:txBody>
+                    <a:bodyPr/>
+                    <a:lstStyle/>
+                    <a:p>
+                      <a:pPr marL="0" algn="ctr" defTabSz="2194560" rtl="0" eaLnBrk="1" fontAlgn="b" latinLnBrk="0" hangingPunct="1"/>
+                      <a:r>
+                        <a:rPr lang="en-US" sz="1600" kern="1200" dirty="0">
+                          <a:solidFill>
+                            <a:schemeClr val="bg1"/>
+                          </a:solidFill>
+                          <a:latin typeface="+mn-lt"/>
+                          <a:ea typeface="+mn-ea"/>
+                          <a:cs typeface="+mn-cs"/>
+                        </a:rPr>
+                        <a:t>HAP4</a:t>
+                      </a:r>
+                    </a:p>
+                  </a:txBody>
+                  <a:tcPr marL="9525" marR="9525" marT="9525" marB="0" anchor="ctr"/>
+                </a:tc>
+                <a:tc>
+                  <a:txBody>
+                    <a:bodyPr/>
+                    <a:lstStyle/>
+                    <a:p>
+                      <a:pPr marL="0" algn="ctr" defTabSz="2194560" rtl="0" eaLnBrk="1" fontAlgn="b" latinLnBrk="0" hangingPunct="1"/>
+                      <a:r>
+                        <a:rPr lang="en-US" sz="1600" kern="1200" dirty="0">
+                          <a:solidFill>
+                            <a:schemeClr val="bg1"/>
+                          </a:solidFill>
+                          <a:latin typeface="+mn-lt"/>
+                          <a:ea typeface="+mn-ea"/>
+                          <a:cs typeface="+mn-cs"/>
+                        </a:rPr>
+                        <a:t>HMO1</a:t>
+                      </a:r>
+                    </a:p>
+                  </a:txBody>
+                  <a:tcPr marL="9525" marR="9525" marT="9525" marB="0" anchor="ctr"/>
+                </a:tc>
+                <a:tc>
+                  <a:txBody>
+                    <a:bodyPr/>
+                    <a:lstStyle/>
+                    <a:p>
+                      <a:pPr marL="0" algn="ctr" defTabSz="2194560" rtl="0" eaLnBrk="1" fontAlgn="b" latinLnBrk="0" hangingPunct="1"/>
+                      <a:r>
+                        <a:rPr lang="en-US" sz="1600" kern="1200" dirty="0">
+                          <a:solidFill>
+                            <a:schemeClr val="bg1"/>
+                          </a:solidFill>
+                          <a:latin typeface="+mn-lt"/>
+                          <a:ea typeface="+mn-ea"/>
+                          <a:cs typeface="+mn-cs"/>
+                        </a:rPr>
+                        <a:t>MSN2</a:t>
+                      </a:r>
+                    </a:p>
+                  </a:txBody>
+                  <a:tcPr marL="9525" marR="9525" marT="9525" marB="0" anchor="ctr"/>
+                </a:tc>
+                <a:tc>
+                  <a:txBody>
+                    <a:bodyPr/>
+                    <a:lstStyle/>
+                    <a:p>
+                      <a:pPr marL="0" algn="ctr" defTabSz="2194560" rtl="0" eaLnBrk="1" fontAlgn="b" latinLnBrk="0" hangingPunct="1"/>
+                      <a:r>
+                        <a:rPr lang="en-US" sz="1600" kern="1200" dirty="0">
+                          <a:solidFill>
+                            <a:schemeClr val="bg1"/>
+                          </a:solidFill>
+                          <a:latin typeface="+mn-lt"/>
+                          <a:ea typeface="+mn-ea"/>
+                          <a:cs typeface="+mn-cs"/>
+                        </a:rPr>
+                        <a:t>SFP1</a:t>
+                      </a:r>
+                    </a:p>
+                  </a:txBody>
+                  <a:tcPr marL="9525" marR="9525" marT="9525" marB="0" anchor="ctr"/>
+                </a:tc>
+                <a:tc>
+                  <a:txBody>
+                    <a:bodyPr/>
+                    <a:lstStyle/>
+                    <a:p>
+                      <a:pPr marL="0" algn="ctr" defTabSz="2194560" rtl="0" eaLnBrk="1" fontAlgn="b" latinLnBrk="0" hangingPunct="1"/>
+                      <a:r>
+                        <a:rPr lang="en-US" sz="1600" kern="1200" dirty="0">
+                          <a:solidFill>
+                            <a:schemeClr val="bg1"/>
+                          </a:solidFill>
+                          <a:latin typeface="+mn-lt"/>
+                          <a:ea typeface="+mn-ea"/>
+                          <a:cs typeface="+mn-cs"/>
+                        </a:rPr>
+                        <a:t>STB5</a:t>
+                      </a:r>
+                    </a:p>
+                  </a:txBody>
+                  <a:tcPr marL="9525" marR="9525" marT="9525" marB="0" anchor="ctr"/>
+                </a:tc>
+                <a:tc>
+                  <a:txBody>
+                    <a:bodyPr/>
+                    <a:lstStyle/>
+                    <a:p>
+                      <a:pPr marL="0" algn="ctr" defTabSz="2194560" rtl="0" eaLnBrk="1" fontAlgn="b" latinLnBrk="0" hangingPunct="1"/>
+                      <a:r>
+                        <a:rPr lang="en-US" sz="1600" kern="1200" dirty="0">
+                          <a:solidFill>
+                            <a:schemeClr val="bg1"/>
+                          </a:solidFill>
+                          <a:latin typeface="+mn-lt"/>
+                          <a:ea typeface="+mn-ea"/>
+                          <a:cs typeface="+mn-cs"/>
+                        </a:rPr>
+                        <a:t>SWI4</a:t>
+                      </a:r>
+                    </a:p>
+                  </a:txBody>
+                  <a:tcPr marL="9525" marR="9525" marT="9525" marB="0" anchor="ctr"/>
+                </a:tc>
+                <a:tc>
+                  <a:txBody>
+                    <a:bodyPr/>
+                    <a:lstStyle/>
+                    <a:p>
+                      <a:pPr marL="0" algn="ctr" defTabSz="2194560" rtl="0" eaLnBrk="1" fontAlgn="b" latinLnBrk="0" hangingPunct="1"/>
+                      <a:r>
+                        <a:rPr lang="en-US" sz="1600" kern="1200" dirty="0">
+                          <a:solidFill>
+                            <a:schemeClr val="bg1"/>
+                          </a:solidFill>
+                          <a:latin typeface="+mn-lt"/>
+                          <a:ea typeface="+mn-ea"/>
+                          <a:cs typeface="+mn-cs"/>
+                        </a:rPr>
+                        <a:t>SWI5</a:t>
+                      </a:r>
+                    </a:p>
+                  </a:txBody>
+                  <a:tcPr marL="9525" marR="9525" marT="9525" marB="0" anchor="ctr"/>
+                </a:tc>
+                <a:tc>
+                  <a:txBody>
+                    <a:bodyPr/>
+                    <a:lstStyle/>
+                    <a:p>
+                      <a:pPr marL="0" algn="ctr" defTabSz="2194560" rtl="0" eaLnBrk="1" fontAlgn="b" latinLnBrk="0" hangingPunct="1"/>
+                      <a:r>
+                        <a:rPr lang="en-US" sz="1600" kern="1200" dirty="0">
+                          <a:solidFill>
+                            <a:schemeClr val="bg1"/>
+                          </a:solidFill>
+                          <a:latin typeface="+mn-lt"/>
+                          <a:ea typeface="+mn-ea"/>
+                          <a:cs typeface="+mn-cs"/>
+                        </a:rPr>
+                        <a:t>YHP1</a:t>
+                      </a:r>
+                    </a:p>
+                  </a:txBody>
+                  <a:tcPr marL="9525" marR="9525" marT="9525" marB="0" anchor="ctr"/>
+                </a:tc>
+                <a:tc>
+                  <a:txBody>
+                    <a:bodyPr/>
+                    <a:lstStyle/>
+                    <a:p>
+                      <a:pPr marL="0" algn="ctr" defTabSz="2194560" rtl="0" eaLnBrk="1" fontAlgn="b" latinLnBrk="0" hangingPunct="1"/>
+                      <a:r>
+                        <a:rPr lang="en-US" sz="1600" kern="1200" dirty="0">
+                          <a:solidFill>
+                            <a:schemeClr val="bg1"/>
+                          </a:solidFill>
+                          <a:latin typeface="+mn-lt"/>
+                          <a:ea typeface="+mn-ea"/>
+                          <a:cs typeface="+mn-cs"/>
+                        </a:rPr>
+                        <a:t>YOX1</a:t>
+                      </a:r>
+                    </a:p>
+                  </a:txBody>
+                  <a:tcPr marL="9525" marR="9525" marT="9525" marB="0" anchor="ctr"/>
+                </a:tc>
+                <a:tc>
+                  <a:txBody>
+                    <a:bodyPr/>
+                    <a:lstStyle/>
+                    <a:p>
+                      <a:pPr marL="0" algn="ctr" defTabSz="2194560" rtl="0" eaLnBrk="1" fontAlgn="b" latinLnBrk="0" hangingPunct="1"/>
+                      <a:r>
+                        <a:rPr lang="en-US" sz="1600" kern="1200" dirty="0">
+                          <a:solidFill>
+                            <a:schemeClr val="bg1"/>
+                          </a:solidFill>
+                          <a:latin typeface="+mn-lt"/>
+                          <a:ea typeface="+mn-ea"/>
+                          <a:cs typeface="+mn-cs"/>
+                        </a:rPr>
+                        <a:t>ZAP1</a:t>
+                      </a:r>
+                    </a:p>
+                  </a:txBody>
+                  <a:tcPr marL="9525" marR="9525" marT="9525" marB="0" anchor="ctr"/>
+                </a:tc>
+              </a:tr>
+              <a:tr h="660248">
+                <a:tc>
+                  <a:txBody>
+                    <a:bodyPr/>
+                    <a:lstStyle/>
+                    <a:p>
+                      <a:pPr marL="0" algn="ctr" defTabSz="2194560" rtl="0" eaLnBrk="1" fontAlgn="b" latinLnBrk="0" hangingPunct="1"/>
+                      <a:r>
+                        <a:rPr lang="en-US" sz="2000" kern="1200" dirty="0">
+                          <a:solidFill>
+                            <a:schemeClr val="dk1"/>
+                          </a:solidFill>
+                          <a:latin typeface="+mn-lt"/>
+                          <a:ea typeface="+mn-ea"/>
+                          <a:cs typeface="+mn-cs"/>
+                        </a:rPr>
+                        <a:t>Betweenness Centrality</a:t>
+                      </a:r>
+                    </a:p>
+                  </a:txBody>
+                  <a:tcPr marL="9525" marR="9525" marT="9525" marB="0" anchor="ctr"/>
+                </a:tc>
+                <a:tc>
+                  <a:txBody>
+                    <a:bodyPr/>
+                    <a:lstStyle/>
+                    <a:p>
+                      <a:pPr marL="0" algn="ctr" defTabSz="2194560" rtl="0" eaLnBrk="1" fontAlgn="b" latinLnBrk="0" hangingPunct="1"/>
+                      <a:r>
+                        <a:rPr lang="en-US" sz="1600" kern="1200" dirty="0">
+                          <a:solidFill>
+                            <a:schemeClr val="dk1"/>
+                          </a:solidFill>
+                          <a:latin typeface="+mn-lt"/>
+                          <a:ea typeface="+mn-ea"/>
+                          <a:cs typeface="+mn-cs"/>
+                        </a:rPr>
+                        <a:t>3</a:t>
+                      </a:r>
+                    </a:p>
+                  </a:txBody>
+                  <a:tcPr marL="9525" marR="9525" marT="9525" marB="0" anchor="ctr"/>
+                </a:tc>
+                <a:tc>
+                  <a:txBody>
+                    <a:bodyPr/>
+                    <a:lstStyle/>
+                    <a:p>
+                      <a:pPr marL="0" algn="ctr" defTabSz="2194560" rtl="0" eaLnBrk="1" fontAlgn="b" latinLnBrk="0" hangingPunct="1"/>
+                      <a:r>
+                        <a:rPr lang="en-US" sz="1600" kern="1200" dirty="0">
+                          <a:solidFill>
+                            <a:schemeClr val="dk1"/>
+                          </a:solidFill>
+                          <a:latin typeface="+mn-lt"/>
+                          <a:ea typeface="+mn-ea"/>
+                          <a:cs typeface="+mn-cs"/>
+                        </a:rPr>
+                        <a:t>10</a:t>
+                      </a:r>
+                    </a:p>
+                  </a:txBody>
+                  <a:tcPr marL="9525" marR="9525" marT="9525" marB="0" anchor="ctr"/>
+                </a:tc>
+                <a:tc>
+                  <a:txBody>
+                    <a:bodyPr/>
+                    <a:lstStyle/>
+                    <a:p>
+                      <a:pPr marL="0" algn="ctr" defTabSz="2194560" rtl="0" eaLnBrk="1" fontAlgn="b" latinLnBrk="0" hangingPunct="1"/>
+                      <a:r>
+                        <a:rPr lang="en-US" sz="1600" kern="1200" dirty="0">
+                          <a:solidFill>
+                            <a:schemeClr val="dk1"/>
+                          </a:solidFill>
+                          <a:latin typeface="+mn-lt"/>
+                          <a:ea typeface="+mn-ea"/>
+                          <a:cs typeface="+mn-cs"/>
+                        </a:rPr>
+                        <a:t>5</a:t>
+                      </a:r>
+                    </a:p>
+                  </a:txBody>
+                  <a:tcPr marL="9525" marR="9525" marT="9525" marB="0" anchor="ctr"/>
+                </a:tc>
+                <a:tc>
+                  <a:txBody>
+                    <a:bodyPr/>
+                    <a:lstStyle/>
+                    <a:p>
+                      <a:pPr marL="0" algn="ctr" defTabSz="2194560" rtl="0" eaLnBrk="1" fontAlgn="b" latinLnBrk="0" hangingPunct="1"/>
+                      <a:r>
+                        <a:rPr lang="en-US" sz="1600" kern="1200" dirty="0">
+                          <a:solidFill>
+                            <a:schemeClr val="dk1"/>
+                          </a:solidFill>
+                          <a:latin typeface="+mn-lt"/>
+                          <a:ea typeface="+mn-ea"/>
+                          <a:cs typeface="+mn-cs"/>
+                        </a:rPr>
+                        <a:t>0</a:t>
+                      </a:r>
+                    </a:p>
+                  </a:txBody>
+                  <a:tcPr marL="9525" marR="9525" marT="9525" marB="0" anchor="ctr"/>
+                </a:tc>
+                <a:tc>
+                  <a:txBody>
+                    <a:bodyPr/>
+                    <a:lstStyle/>
+                    <a:p>
+                      <a:pPr marL="0" algn="ctr" defTabSz="2194560" rtl="0" eaLnBrk="1" fontAlgn="b" latinLnBrk="0" hangingPunct="1"/>
+                      <a:r>
+                        <a:rPr lang="en-US" sz="1600" kern="1200" dirty="0">
+                          <a:solidFill>
+                            <a:schemeClr val="dk1"/>
+                          </a:solidFill>
+                          <a:latin typeface="+mn-lt"/>
+                          <a:ea typeface="+mn-ea"/>
+                          <a:cs typeface="+mn-cs"/>
+                        </a:rPr>
+                        <a:t>0</a:t>
+                      </a:r>
+                    </a:p>
+                  </a:txBody>
+                  <a:tcPr marL="9525" marR="9525" marT="9525" marB="0" anchor="ctr"/>
+                </a:tc>
+                <a:tc>
+                  <a:txBody>
+                    <a:bodyPr/>
+                    <a:lstStyle/>
+                    <a:p>
+                      <a:pPr marL="0" algn="ctr" defTabSz="2194560" rtl="0" eaLnBrk="1" fontAlgn="b" latinLnBrk="0" hangingPunct="1"/>
+                      <a:r>
+                        <a:rPr lang="en-US" sz="1600" kern="1200" dirty="0">
+                          <a:solidFill>
+                            <a:schemeClr val="dk1"/>
+                          </a:solidFill>
+                          <a:latin typeface="+mn-lt"/>
+                          <a:ea typeface="+mn-ea"/>
+                          <a:cs typeface="+mn-cs"/>
+                        </a:rPr>
+                        <a:t>0</a:t>
+                      </a:r>
+                    </a:p>
+                  </a:txBody>
+                  <a:tcPr marL="9525" marR="9525" marT="9525" marB="0" anchor="ctr"/>
+                </a:tc>
+                <a:tc>
+                  <a:txBody>
+                    <a:bodyPr/>
+                    <a:lstStyle/>
+                    <a:p>
+                      <a:pPr marL="0" algn="ctr" defTabSz="2194560" rtl="0" eaLnBrk="1" fontAlgn="b" latinLnBrk="0" hangingPunct="1"/>
+                      <a:r>
+                        <a:rPr lang="en-US" sz="1600" kern="1200" dirty="0">
+                          <a:solidFill>
+                            <a:schemeClr val="dk1"/>
+                          </a:solidFill>
+                          <a:latin typeface="+mn-lt"/>
+                          <a:ea typeface="+mn-ea"/>
+                          <a:cs typeface="+mn-cs"/>
+                        </a:rPr>
+                        <a:t>0</a:t>
+                      </a:r>
+                    </a:p>
+                  </a:txBody>
+                  <a:tcPr marL="9525" marR="9525" marT="9525" marB="0" anchor="ctr"/>
+                </a:tc>
+                <a:tc>
+                  <a:txBody>
+                    <a:bodyPr/>
+                    <a:lstStyle/>
+                    <a:p>
+                      <a:pPr marL="0" algn="ctr" defTabSz="2194560" rtl="0" eaLnBrk="1" fontAlgn="b" latinLnBrk="0" hangingPunct="1"/>
+                      <a:r>
+                        <a:rPr lang="en-US" sz="1600" kern="1200" dirty="0">
+                          <a:solidFill>
+                            <a:schemeClr val="dk1"/>
+                          </a:solidFill>
+                          <a:latin typeface="+mn-lt"/>
+                          <a:ea typeface="+mn-ea"/>
+                          <a:cs typeface="+mn-cs"/>
+                        </a:rPr>
+                        <a:t>14</a:t>
+                      </a:r>
+                    </a:p>
+                  </a:txBody>
+                  <a:tcPr marL="9525" marR="9525" marT="9525" marB="0" anchor="ctr"/>
+                </a:tc>
+                <a:tc>
+                  <a:txBody>
+                    <a:bodyPr/>
+                    <a:lstStyle/>
+                    <a:p>
+                      <a:pPr marL="0" algn="ctr" defTabSz="2194560" rtl="0" eaLnBrk="1" fontAlgn="b" latinLnBrk="0" hangingPunct="1"/>
+                      <a:r>
+                        <a:rPr lang="en-US" sz="1600" kern="1200" dirty="0">
+                          <a:solidFill>
+                            <a:schemeClr val="dk1"/>
+                          </a:solidFill>
+                          <a:latin typeface="+mn-lt"/>
+                          <a:ea typeface="+mn-ea"/>
+                          <a:cs typeface="+mn-cs"/>
+                        </a:rPr>
+                        <a:t>9</a:t>
+                      </a:r>
+                    </a:p>
+                  </a:txBody>
+                  <a:tcPr marL="9525" marR="9525" marT="9525" marB="0" anchor="ctr"/>
+                </a:tc>
+                <a:tc>
+                  <a:txBody>
+                    <a:bodyPr/>
+                    <a:lstStyle/>
+                    <a:p>
+                      <a:pPr marL="0" algn="ctr" defTabSz="2194560" rtl="0" eaLnBrk="1" fontAlgn="b" latinLnBrk="0" hangingPunct="1"/>
+                      <a:r>
+                        <a:rPr lang="en-US" sz="1600" kern="1200" dirty="0">
+                          <a:solidFill>
+                            <a:schemeClr val="dk1"/>
+                          </a:solidFill>
+                          <a:latin typeface="+mn-lt"/>
+                          <a:ea typeface="+mn-ea"/>
+                          <a:cs typeface="+mn-cs"/>
+                        </a:rPr>
+                        <a:t>0</a:t>
+                      </a:r>
+                    </a:p>
+                  </a:txBody>
+                  <a:tcPr marL="9525" marR="9525" marT="9525" marB="0" anchor="ctr"/>
+                </a:tc>
+                <a:tc>
+                  <a:txBody>
+                    <a:bodyPr/>
+                    <a:lstStyle/>
+                    <a:p>
+                      <a:pPr marL="0" algn="ctr" defTabSz="2194560" rtl="0" eaLnBrk="1" fontAlgn="b" latinLnBrk="0" hangingPunct="1"/>
+                      <a:r>
+                        <a:rPr lang="en-US" sz="1600" kern="1200" dirty="0">
+                          <a:solidFill>
+                            <a:schemeClr val="dk1"/>
+                          </a:solidFill>
+                          <a:latin typeface="+mn-lt"/>
+                          <a:ea typeface="+mn-ea"/>
+                          <a:cs typeface="+mn-cs"/>
+                        </a:rPr>
+                        <a:t>0</a:t>
+                      </a:r>
+                    </a:p>
+                  </a:txBody>
+                  <a:tcPr marL="9525" marR="9525" marT="9525" marB="0" anchor="ctr"/>
+                </a:tc>
+                <a:tc>
+                  <a:txBody>
+                    <a:bodyPr/>
+                    <a:lstStyle/>
+                    <a:p>
+                      <a:pPr marL="0" algn="ctr" defTabSz="2194560" rtl="0" eaLnBrk="1" fontAlgn="b" latinLnBrk="0" hangingPunct="1"/>
+                      <a:r>
+                        <a:rPr lang="en-US" sz="1600" kern="1200" dirty="0">
+                          <a:solidFill>
+                            <a:schemeClr val="dk1"/>
+                          </a:solidFill>
+                          <a:latin typeface="+mn-lt"/>
+                          <a:ea typeface="+mn-ea"/>
+                          <a:cs typeface="+mn-cs"/>
+                        </a:rPr>
+                        <a:t>7</a:t>
+                      </a:r>
+                    </a:p>
+                  </a:txBody>
+                  <a:tcPr marL="9525" marR="9525" marT="9525" marB="0" anchor="ctr"/>
+                </a:tc>
+                <a:tc>
+                  <a:txBody>
+                    <a:bodyPr/>
+                    <a:lstStyle/>
+                    <a:p>
+                      <a:pPr marL="0" algn="ctr" defTabSz="2194560" rtl="0" eaLnBrk="1" fontAlgn="b" latinLnBrk="0" hangingPunct="1"/>
+                      <a:r>
+                        <a:rPr lang="en-US" sz="1600" kern="1200" dirty="0">
+                          <a:solidFill>
+                            <a:schemeClr val="dk1"/>
+                          </a:solidFill>
+                          <a:latin typeface="+mn-lt"/>
+                          <a:ea typeface="+mn-ea"/>
+                          <a:cs typeface="+mn-cs"/>
+                        </a:rPr>
+                        <a:t>11</a:t>
+                      </a:r>
+                    </a:p>
+                  </a:txBody>
+                  <a:tcPr marL="9525" marR="9525" marT="9525" marB="0" anchor="ctr"/>
+                </a:tc>
+                <a:tc>
+                  <a:txBody>
+                    <a:bodyPr/>
+                    <a:lstStyle/>
+                    <a:p>
+                      <a:pPr marL="0" algn="ctr" defTabSz="2194560" rtl="0" eaLnBrk="1" fontAlgn="b" latinLnBrk="0" hangingPunct="1"/>
+                      <a:r>
+                        <a:rPr lang="en-US" sz="1600" kern="1200" dirty="0">
+                          <a:solidFill>
+                            <a:schemeClr val="dk1"/>
+                          </a:solidFill>
+                          <a:latin typeface="+mn-lt"/>
+                          <a:ea typeface="+mn-ea"/>
+                          <a:cs typeface="+mn-cs"/>
+                        </a:rPr>
+                        <a:t>0</a:t>
+                      </a:r>
+                    </a:p>
+                  </a:txBody>
+                  <a:tcPr marL="9525" marR="9525" marT="9525" marB="0" anchor="ctr"/>
+                </a:tc>
+                <a:tc>
+                  <a:txBody>
+                    <a:bodyPr/>
+                    <a:lstStyle/>
+                    <a:p>
+                      <a:pPr marL="0" algn="ctr" defTabSz="2194560" rtl="0" eaLnBrk="1" fontAlgn="b" latinLnBrk="0" hangingPunct="1"/>
+                      <a:r>
+                        <a:rPr lang="en-US" sz="1600" kern="1200" dirty="0">
+                          <a:solidFill>
+                            <a:schemeClr val="dk1"/>
+                          </a:solidFill>
+                          <a:latin typeface="+mn-lt"/>
+                          <a:ea typeface="+mn-ea"/>
+                          <a:cs typeface="+mn-cs"/>
+                        </a:rPr>
+                        <a:t>0</a:t>
+                      </a:r>
+                    </a:p>
+                  </a:txBody>
+                  <a:tcPr marL="9525" marR="9525" marT="9525" marB="0" anchor="ctr"/>
+                </a:tc>
+              </a:tr>
+            </a:tbl>
+          </a:graphicData>
+        </a:graphic>
+      </p:graphicFrame>
+      <mc:AlternateContent xmlns:mc="http://schemas.openxmlformats.org/markup-compatibility/2006" xmlns:a14="http://schemas.microsoft.com/office/drawing/2010/main">
+        <mc:Choice Requires="a14">
+          <p:sp>
+            <p:nvSpPr>
+              <p:cNvPr id="79" name="TextBox 78"/>
+              <p:cNvSpPr txBox="1"/>
+              <p:nvPr/>
+            </p:nvSpPr>
+            <p:spPr>
+              <a:xfrm>
+                <a:off x="13230206" y="28107045"/>
+                <a:ext cx="8582140" cy="2985433"/>
+              </a:xfrm>
+              <a:prstGeom prst="rect">
+                <a:avLst/>
+              </a:prstGeom>
+              <a:noFill/>
+            </p:spPr>
+            <p:txBody>
+              <a:bodyPr wrap="square" rtlCol="0">
+                <a:spAutoFit/>
+              </a:bodyPr>
+              <a:lstStyle/>
+              <a:p>
+                <a:pPr marL="285750" indent="-285750" fontAlgn="base">
+                  <a:buFont typeface="Arial" panose="020B0604020202020204" pitchFamily="34" charset="0"/>
+                  <a:buChar char="•"/>
+                </a:pPr>
+                <a:r>
+                  <a:rPr lang="en-US" sz="1700" b="1" dirty="0" smtClean="0">
+                    <a:latin typeface="Arial" panose="020B0604020202020204" pitchFamily="34" charset="0"/>
+                    <a:cs typeface="Arial" panose="020B0604020202020204" pitchFamily="34" charset="0"/>
+                  </a:rPr>
+                  <a:t>Betweenness</a:t>
+                </a:r>
+                <a:r>
+                  <a:rPr lang="en-US" sz="1700" b="1" dirty="0">
+                    <a:latin typeface="Arial" panose="020B0604020202020204" pitchFamily="34" charset="0"/>
+                    <a:cs typeface="Arial" panose="020B0604020202020204" pitchFamily="34" charset="0"/>
+                  </a:rPr>
+                  <a:t> Centrality is a centrality measure that indicates how often a node is found on a shortest path between two nodes, s and t. (</a:t>
+                </a:r>
+                <a:r>
+                  <a:rPr lang="en-US" sz="1700" b="1" dirty="0" err="1">
+                    <a:latin typeface="Arial" panose="020B0604020202020204" pitchFamily="34" charset="0"/>
+                    <a:cs typeface="Arial" panose="020B0604020202020204" pitchFamily="34" charset="0"/>
+                  </a:rPr>
+                  <a:t>McSweeney</a:t>
+                </a:r>
+                <a:r>
+                  <a:rPr lang="en-US" sz="1700" b="1" dirty="0">
+                    <a:latin typeface="Arial" panose="020B0604020202020204" pitchFamily="34" charset="0"/>
+                    <a:cs typeface="Arial" panose="020B0604020202020204" pitchFamily="34" charset="0"/>
+                  </a:rPr>
+                  <a:t>, 2009.)</a:t>
+                </a:r>
+              </a:p>
+              <a:p>
+                <a:pPr marL="285750" indent="-285750" fontAlgn="base">
+                  <a:buFont typeface="Arial" panose="020B0604020202020204" pitchFamily="34" charset="0"/>
+                  <a:buChar char="•"/>
+                </a:pPr>
+                <a:r>
+                  <a:rPr lang="en-US" sz="1700" b="1" dirty="0">
+                    <a:latin typeface="Arial" panose="020B0604020202020204" pitchFamily="34" charset="0"/>
+                    <a:cs typeface="Arial" panose="020B0604020202020204" pitchFamily="34" charset="0"/>
+                  </a:rPr>
+                  <a:t>The betweenness centrality of a node can be calculated by the following</a:t>
+                </a:r>
+                <a:r>
+                  <a:rPr lang="en-US" sz="1700" b="1" dirty="0" smtClean="0">
+                    <a:latin typeface="Arial" panose="020B0604020202020204" pitchFamily="34" charset="0"/>
+                    <a:cs typeface="Arial" panose="020B0604020202020204" pitchFamily="34" charset="0"/>
+                  </a:rPr>
+                  <a:t>:</a:t>
+                </a:r>
+              </a:p>
+              <a:p>
+                <a:pPr marL="285750" indent="-285750" fontAlgn="base">
+                  <a:buFont typeface="Arial" panose="020B0604020202020204" pitchFamily="34" charset="0"/>
+                  <a:buChar char="•"/>
+                </a:pPr>
+                <a:endParaRPr lang="en-US" sz="1700" b="1" dirty="0">
+                  <a:latin typeface="Arial" panose="020B0604020202020204" pitchFamily="34" charset="0"/>
+                  <a:cs typeface="Arial" panose="020B0604020202020204" pitchFamily="34" charset="0"/>
+                </a:endParaRPr>
+              </a:p>
+              <a:p>
+                <a:pPr marL="285750" indent="-285750" fontAlgn="base">
+                  <a:buFont typeface="Arial" panose="020B0604020202020204" pitchFamily="34" charset="0"/>
+                  <a:buChar char="•"/>
+                </a:pPr>
+                <a:endParaRPr lang="en-US" sz="1700" b="1" dirty="0" smtClean="0">
+                  <a:latin typeface="Arial" panose="020B0604020202020204" pitchFamily="34" charset="0"/>
+                  <a:cs typeface="Arial" panose="020B0604020202020204" pitchFamily="34" charset="0"/>
+                </a:endParaRPr>
+              </a:p>
+              <a:p>
+                <a:pPr marL="285750" indent="-285750" fontAlgn="base">
+                  <a:buFont typeface="Arial" panose="020B0604020202020204" pitchFamily="34" charset="0"/>
+                  <a:buChar char="•"/>
+                </a:pPr>
+                <a:endParaRPr lang="en-US" sz="1700" b="1" dirty="0">
+                  <a:latin typeface="Arial" panose="020B0604020202020204" pitchFamily="34" charset="0"/>
+                  <a:cs typeface="Arial" panose="020B0604020202020204" pitchFamily="34" charset="0"/>
+                </a:endParaRPr>
+              </a:p>
+              <a:p>
+                <a:pPr fontAlgn="base"/>
+                <a:endParaRPr lang="en-US" sz="1700" b="1" dirty="0" smtClean="0">
+                  <a:latin typeface="Arial" panose="020B0604020202020204" pitchFamily="34" charset="0"/>
+                  <a:cs typeface="Arial" panose="020B0604020202020204" pitchFamily="34" charset="0"/>
+                </a:endParaRPr>
+              </a:p>
+              <a:p>
+                <a:pPr fontAlgn="base"/>
+                <a:r>
+                  <a:rPr lang="en-US" sz="1700" b="1" dirty="0" smtClean="0">
+                    <a:latin typeface="Arial" panose="020B0604020202020204" pitchFamily="34" charset="0"/>
+                    <a:cs typeface="Arial" panose="020B0604020202020204" pitchFamily="34" charset="0"/>
+                  </a:rPr>
+                  <a:t>where </a:t>
+                </a:r>
+                <a14:m>
+                  <m:oMath xmlns:m="http://schemas.openxmlformats.org/officeDocument/2006/math">
+                    <m:sSub>
+                      <m:sSubPr>
+                        <m:ctrlPr>
+                          <a:rPr lang="en-US" sz="1700" i="1">
+                            <a:latin typeface="Cambria Math"/>
+                            <a:ea typeface="Cambria Math"/>
+                          </a:rPr>
+                        </m:ctrlPr>
+                      </m:sSubPr>
+                      <m:e>
+                        <m:r>
+                          <a:rPr lang="en-US" sz="1700" i="1">
+                            <a:latin typeface="Cambria Math"/>
+                            <a:ea typeface="Cambria Math"/>
+                          </a:rPr>
+                          <m:t>𝜎</m:t>
+                        </m:r>
+                      </m:e>
+                      <m:sub>
+                        <m:r>
+                          <a:rPr lang="en-US" sz="1700" i="1">
+                            <a:latin typeface="Cambria Math"/>
+                            <a:ea typeface="Cambria Math"/>
+                          </a:rPr>
+                          <m:t>𝑠𝑡</m:t>
+                        </m:r>
+                      </m:sub>
+                    </m:sSub>
+                    <m:r>
+                      <a:rPr lang="en-US" sz="1700" b="1" i="0" smtClean="0">
+                        <a:latin typeface="Cambria Math"/>
+                        <a:ea typeface="Cambria Math"/>
+                      </a:rPr>
+                      <m:t>(</m:t>
+                    </m:r>
+                    <m:r>
+                      <a:rPr lang="en-US" sz="1700" b="1" i="0" smtClean="0">
+                        <a:latin typeface="Cambria Math"/>
+                        <a:ea typeface="Cambria Math"/>
+                      </a:rPr>
+                      <m:t>𝐯</m:t>
+                    </m:r>
+                    <m:r>
+                      <a:rPr lang="en-US" sz="1700" b="1" i="0" smtClean="0">
+                        <a:latin typeface="Cambria Math"/>
+                        <a:ea typeface="Cambria Math"/>
+                      </a:rPr>
+                      <m:t>)</m:t>
+                    </m:r>
+                  </m:oMath>
+                </a14:m>
+                <a:r>
+                  <a:rPr lang="en-US" sz="1700" b="1" dirty="0" smtClean="0">
+                    <a:latin typeface="Arial" panose="020B0604020202020204" pitchFamily="34" charset="0"/>
+                    <a:cs typeface="Arial" panose="020B0604020202020204" pitchFamily="34" charset="0"/>
+                  </a:rPr>
+                  <a:t> is the number of shortest paths that pass from s to t and </a:t>
+                </a:r>
+                <a14:m>
+                  <m:oMath xmlns:m="http://schemas.openxmlformats.org/officeDocument/2006/math">
+                    <m:sSub>
+                      <m:sSubPr>
+                        <m:ctrlPr>
+                          <a:rPr lang="en-US" sz="1700" i="1">
+                            <a:latin typeface="Cambria Math"/>
+                            <a:ea typeface="Cambria Math"/>
+                          </a:rPr>
+                        </m:ctrlPr>
+                      </m:sSubPr>
+                      <m:e>
+                        <m:r>
+                          <a:rPr lang="en-US" sz="1700" i="1">
+                            <a:latin typeface="Cambria Math"/>
+                            <a:ea typeface="Cambria Math"/>
+                          </a:rPr>
+                          <m:t>𝜎</m:t>
+                        </m:r>
+                      </m:e>
+                      <m:sub>
+                        <m:r>
+                          <a:rPr lang="en-US" sz="1700" i="1">
+                            <a:latin typeface="Cambria Math"/>
+                            <a:ea typeface="Cambria Math"/>
+                          </a:rPr>
+                          <m:t>𝑠𝑡</m:t>
+                        </m:r>
+                      </m:sub>
+                    </m:sSub>
+                  </m:oMath>
+                </a14:m>
+                <a:r>
+                  <a:rPr lang="en-US" sz="1700" b="1" dirty="0" smtClean="0">
+                    <a:latin typeface="Arial" panose="020B0604020202020204" pitchFamily="34" charset="0"/>
+                    <a:cs typeface="Arial" panose="020B0604020202020204" pitchFamily="34" charset="0"/>
+                  </a:rPr>
+                  <a:t> is        the total number of shortest paths from node s to node t</a:t>
+                </a:r>
+                <a:endParaRPr lang="en-US" sz="1700" b="1" dirty="0">
+                  <a:latin typeface="Arial" panose="020B0604020202020204" pitchFamily="34" charset="0"/>
+                  <a:cs typeface="Arial" panose="020B0604020202020204" pitchFamily="34" charset="0"/>
+                </a:endParaRPr>
+              </a:p>
+              <a:p>
+                <a:pPr fontAlgn="base"/>
+                <a:endParaRPr lang="en-US" sz="1800" b="1" dirty="0">
+                  <a:latin typeface="Arial" panose="020B0604020202020204" pitchFamily="34" charset="0"/>
+                  <a:cs typeface="Arial" panose="020B0604020202020204" pitchFamily="34" charset="0"/>
+                </a:endParaRPr>
+              </a:p>
+            </p:txBody>
+          </p:sp>
+        </mc:Choice>
+        <mc:Fallback xmlns="">
+          <p:sp>
+            <p:nvSpPr>
+              <p:cNvPr id="79" name="TextBox 78"/>
+              <p:cNvSpPr txBox="1">
+                <a:spLocks noRot="1" noChangeAspect="1" noMove="1" noResize="1" noEditPoints="1" noAdjustHandles="1" noChangeArrowheads="1" noChangeShapeType="1" noTextEdit="1"/>
+              </p:cNvSpPr>
+              <p:nvPr/>
+            </p:nvSpPr>
+            <p:spPr>
+              <a:xfrm>
+                <a:off x="13230206" y="28107045"/>
+                <a:ext cx="8582140" cy="2985433"/>
+              </a:xfrm>
+              <a:prstGeom prst="rect">
+                <a:avLst/>
+              </a:prstGeom>
+              <a:blipFill rotWithShape="1">
+                <a:blip r:embed="rId25"/>
+                <a:stretch>
+                  <a:fillRect l="-426" t="-613"/>
+                </a:stretch>
+              </a:blipFill>
+            </p:spPr>
+            <p:txBody>
+              <a:bodyPr/>
+              <a:lstStyle/>
+              <a:p>
+                <a:r>
+                  <a:rPr lang="en-US">
+                    <a:noFill/>
+                  </a:rPr>
+                  <a:t> </a:t>
+                </a:r>
+              </a:p>
+            </p:txBody>
+          </p:sp>
+        </mc:Fallback>
+      </mc:AlternateContent>
+      <p:sp>
+        <p:nvSpPr>
+          <p:cNvPr id="87" name="TextBox 86"/>
+          <p:cNvSpPr txBox="1"/>
+          <p:nvPr/>
+        </p:nvSpPr>
+        <p:spPr>
+          <a:xfrm>
+            <a:off x="21870927" y="28106984"/>
+            <a:ext cx="8582140" cy="2185214"/>
+          </a:xfrm>
+          <a:prstGeom prst="rect">
+            <a:avLst/>
+          </a:prstGeom>
+          <a:noFill/>
+        </p:spPr>
+        <p:txBody>
+          <a:bodyPr wrap="square" rtlCol="0">
+            <a:spAutoFit/>
+          </a:bodyPr>
+          <a:lstStyle/>
+          <a:p>
+            <a:pPr marL="285750" indent="-285750" algn="just" fontAlgn="base">
+              <a:buFont typeface="Arial" panose="020B0604020202020204" pitchFamily="34" charset="0"/>
+              <a:buChar char="•"/>
+            </a:pPr>
+            <a:r>
+              <a:rPr lang="en-US" sz="1700" b="1" dirty="0">
+                <a:latin typeface="Arial" panose="020B0604020202020204" pitchFamily="34" charset="0"/>
+                <a:cs typeface="Arial" panose="020B0604020202020204" pitchFamily="34" charset="0"/>
+              </a:rPr>
+              <a:t>Without these “between” nodes, there would be no way for two separated nodes to communicate.</a:t>
+            </a:r>
+          </a:p>
+          <a:p>
+            <a:pPr marL="285750" indent="-285750" algn="just" fontAlgn="base">
+              <a:buFont typeface="Arial" panose="020B0604020202020204" pitchFamily="34" charset="0"/>
+              <a:buChar char="•"/>
+            </a:pPr>
+            <a:r>
+              <a:rPr lang="en-US" sz="1700" b="1" dirty="0">
+                <a:latin typeface="Arial" panose="020B0604020202020204" pitchFamily="34" charset="0"/>
+                <a:cs typeface="Arial" panose="020B0604020202020204" pitchFamily="34" charset="0"/>
+              </a:rPr>
+              <a:t>Betweenness </a:t>
+            </a:r>
+            <a:r>
+              <a:rPr lang="en-US" sz="1700" b="1" dirty="0" smtClean="0">
+                <a:latin typeface="Arial" panose="020B0604020202020204" pitchFamily="34" charset="0"/>
+                <a:cs typeface="Arial" panose="020B0604020202020204" pitchFamily="34" charset="0"/>
+              </a:rPr>
+              <a:t>centrality requires there to be at least one in degree and one out degree in order to be calculated, so in cases where there is either no in degree or no out degree, the betweenness centrality of those nodes is 0</a:t>
+            </a:r>
+            <a:endParaRPr lang="en-US" sz="1700" b="1" dirty="0">
               <a:latin typeface="Arial" panose="020B0604020202020204" pitchFamily="34" charset="0"/>
               <a:cs typeface="Arial" panose="020B0604020202020204" pitchFamily="34" charset="0"/>
+            </a:endParaRPr>
+          </a:p>
+          <a:p>
+            <a:pPr marL="285750" indent="-285750" algn="just" fontAlgn="base">
+              <a:buFont typeface="Arial" panose="020B0604020202020204" pitchFamily="34" charset="0"/>
+              <a:buChar char="•"/>
+            </a:pPr>
+            <a:r>
+              <a:rPr lang="en-US" sz="1700" b="1" dirty="0" smtClean="0">
+                <a:latin typeface="Arial" panose="020B0604020202020204" pitchFamily="34" charset="0"/>
+                <a:cs typeface="Arial" panose="020B0604020202020204" pitchFamily="34" charset="0"/>
+              </a:rPr>
+              <a:t>Nodes </a:t>
+            </a:r>
+            <a:r>
+              <a:rPr lang="en-US" sz="1700" b="1" dirty="0">
+                <a:latin typeface="Arial" panose="020B0604020202020204" pitchFamily="34" charset="0"/>
+                <a:cs typeface="Arial" panose="020B0604020202020204" pitchFamily="34" charset="0"/>
+              </a:rPr>
+              <a:t>with high betweenness centralities are key genes associated with regulating other genes in the network, and are known as “bottlenecks” that must be passed through in the network</a:t>
+            </a:r>
+            <a:r>
+              <a:rPr lang="en-US" sz="1700" b="1" dirty="0" smtClean="0">
+                <a:latin typeface="Arial" panose="020B0604020202020204" pitchFamily="34" charset="0"/>
+                <a:cs typeface="Arial" panose="020B0604020202020204" pitchFamily="34" charset="0"/>
+              </a:rPr>
+              <a:t>.</a:t>
+            </a:r>
+          </a:p>
+        </p:txBody>
+      </p:sp>
+      <p:sp>
+        <p:nvSpPr>
+          <p:cNvPr id="70" name="TextBox 69"/>
+          <p:cNvSpPr txBox="1"/>
+          <p:nvPr/>
+        </p:nvSpPr>
+        <p:spPr>
+          <a:xfrm>
+            <a:off x="13308884" y="24431935"/>
+            <a:ext cx="8582140" cy="2446824"/>
+          </a:xfrm>
+          <a:prstGeom prst="rect">
+            <a:avLst/>
+          </a:prstGeom>
+          <a:noFill/>
+        </p:spPr>
+        <p:txBody>
+          <a:bodyPr wrap="square" rtlCol="0">
+            <a:spAutoFit/>
+          </a:bodyPr>
+          <a:lstStyle/>
+          <a:p>
+            <a:pPr marL="285750" indent="-285750" fontAlgn="base">
+              <a:buFont typeface="Arial" panose="020B0604020202020204" pitchFamily="34" charset="0"/>
+              <a:buChar char="•"/>
+            </a:pPr>
+            <a:r>
+              <a:rPr lang="en-US" sz="1700" b="1" dirty="0" smtClean="0">
+                <a:latin typeface="Arial" panose="020B0604020202020204" pitchFamily="34" charset="0"/>
+                <a:cs typeface="Arial" panose="020B0604020202020204" pitchFamily="34" charset="0"/>
+              </a:rPr>
+              <a:t>Closeness Centrality is a centrality measure that indicates how long it will take for information from a node </a:t>
+            </a:r>
+            <a:r>
+              <a:rPr lang="en-US" sz="1700" b="1" i="1" dirty="0" smtClean="0">
+                <a:latin typeface="Arial" panose="020B0604020202020204" pitchFamily="34" charset="0"/>
+                <a:cs typeface="Arial" panose="020B0604020202020204" pitchFamily="34" charset="0"/>
+              </a:rPr>
+              <a:t>x</a:t>
+            </a:r>
+            <a:r>
+              <a:rPr lang="en-US" sz="1700" b="1" dirty="0" smtClean="0">
+                <a:latin typeface="Arial" panose="020B0604020202020204" pitchFamily="34" charset="0"/>
+                <a:cs typeface="Arial" panose="020B0604020202020204" pitchFamily="34" charset="0"/>
+              </a:rPr>
+              <a:t> to reach other nodes in the network. (</a:t>
+            </a:r>
+            <a:r>
+              <a:rPr lang="en-US" sz="1700" b="1" dirty="0" err="1" smtClean="0">
+                <a:latin typeface="Arial" panose="020B0604020202020204" pitchFamily="34" charset="0"/>
+                <a:cs typeface="Arial" panose="020B0604020202020204" pitchFamily="34" charset="0"/>
+              </a:rPr>
+              <a:t>McSweeney</a:t>
+            </a:r>
+            <a:r>
+              <a:rPr lang="en-US" sz="1700" b="1" dirty="0" smtClean="0">
+                <a:latin typeface="Arial" panose="020B0604020202020204" pitchFamily="34" charset="0"/>
+                <a:cs typeface="Arial" panose="020B0604020202020204" pitchFamily="34" charset="0"/>
+              </a:rPr>
+              <a:t>, 2009)</a:t>
+            </a:r>
+          </a:p>
+          <a:p>
+            <a:pPr marL="285750" indent="-285750" fontAlgn="base">
+              <a:buFont typeface="Arial" panose="020B0604020202020204" pitchFamily="34" charset="0"/>
+              <a:buChar char="•"/>
+            </a:pPr>
+            <a:r>
+              <a:rPr lang="en-US" sz="1700" b="1" dirty="0" smtClean="0">
+                <a:latin typeface="Arial" panose="020B0604020202020204" pitchFamily="34" charset="0"/>
+                <a:cs typeface="Arial" panose="020B0604020202020204" pitchFamily="34" charset="0"/>
+              </a:rPr>
+              <a:t>The closeness centrality of a node can be determined using the following calculation:</a:t>
+            </a:r>
+          </a:p>
+          <a:p>
+            <a:pPr marL="285750" indent="-285750" fontAlgn="base">
+              <a:buFont typeface="Arial" panose="020B0604020202020204" pitchFamily="34" charset="0"/>
+              <a:buChar char="•"/>
+            </a:pPr>
+            <a:endParaRPr lang="en-US" sz="1700" b="1" dirty="0">
+              <a:latin typeface="Arial" panose="020B0604020202020204" pitchFamily="34" charset="0"/>
+              <a:cs typeface="Arial" panose="020B0604020202020204" pitchFamily="34" charset="0"/>
+            </a:endParaRPr>
+          </a:p>
+          <a:p>
+            <a:pPr marL="285750" indent="-285750" fontAlgn="base">
+              <a:buFont typeface="Arial" panose="020B0604020202020204" pitchFamily="34" charset="0"/>
+              <a:buChar char="•"/>
+            </a:pPr>
+            <a:endParaRPr lang="en-US" sz="1700" b="1" dirty="0" smtClean="0">
+              <a:latin typeface="Arial" panose="020B0604020202020204" pitchFamily="34" charset="0"/>
+              <a:cs typeface="Arial" panose="020B0604020202020204" pitchFamily="34" charset="0"/>
+            </a:endParaRPr>
+          </a:p>
+          <a:p>
+            <a:pPr marL="285750" indent="-285750" fontAlgn="base">
+              <a:buFont typeface="Arial" panose="020B0604020202020204" pitchFamily="34" charset="0"/>
+              <a:buChar char="•"/>
+            </a:pPr>
+            <a:endParaRPr lang="en-US" sz="1700" b="1" dirty="0">
+              <a:latin typeface="Arial" panose="020B0604020202020204" pitchFamily="34" charset="0"/>
+              <a:cs typeface="Arial" panose="020B0604020202020204" pitchFamily="34" charset="0"/>
+            </a:endParaRPr>
+          </a:p>
+          <a:p>
+            <a:pPr fontAlgn="base"/>
+            <a:r>
+              <a:rPr lang="en-US" sz="1700" b="1" dirty="0">
+                <a:latin typeface="Arial" panose="020B0604020202020204" pitchFamily="34" charset="0"/>
+                <a:cs typeface="Arial" panose="020B0604020202020204" pitchFamily="34" charset="0"/>
+              </a:rPr>
+              <a:t> </a:t>
+            </a:r>
+            <a:r>
+              <a:rPr lang="en-US" sz="1700" b="1" dirty="0" smtClean="0">
+                <a:latin typeface="Arial" panose="020B0604020202020204" pitchFamily="34" charset="0"/>
+                <a:cs typeface="Arial" panose="020B0604020202020204" pitchFamily="34" charset="0"/>
+              </a:rPr>
+              <a:t>  which is looking at the average shortest path from </a:t>
+            </a:r>
+            <a:r>
+              <a:rPr lang="en-US" sz="1700" b="1" i="1" dirty="0" smtClean="0">
+                <a:latin typeface="Arial" panose="020B0604020202020204" pitchFamily="34" charset="0"/>
+                <a:cs typeface="Arial" panose="020B0604020202020204" pitchFamily="34" charset="0"/>
+              </a:rPr>
+              <a:t>x</a:t>
+            </a:r>
+            <a:r>
+              <a:rPr lang="en-US" sz="1700" b="1" dirty="0" smtClean="0">
+                <a:latin typeface="Arial" panose="020B0604020202020204" pitchFamily="34" charset="0"/>
+                <a:cs typeface="Arial" panose="020B0604020202020204" pitchFamily="34" charset="0"/>
+              </a:rPr>
+              <a:t> to all other nodes</a:t>
+            </a:r>
+          </a:p>
+        </p:txBody>
+      </p:sp>
+      <p:sp>
+        <p:nvSpPr>
+          <p:cNvPr id="80" name="TextBox 79"/>
+          <p:cNvSpPr txBox="1"/>
+          <p:nvPr/>
+        </p:nvSpPr>
+        <p:spPr>
+          <a:xfrm>
+            <a:off x="21814824" y="24470035"/>
+            <a:ext cx="8582140" cy="1569660"/>
+          </a:xfrm>
+          <a:prstGeom prst="rect">
+            <a:avLst/>
+          </a:prstGeom>
+          <a:noFill/>
+        </p:spPr>
+        <p:txBody>
+          <a:bodyPr wrap="square" rtlCol="0">
+            <a:spAutoFit/>
+          </a:bodyPr>
+          <a:lstStyle/>
+          <a:p>
+            <a:pPr marL="285750" indent="-285750" algn="just" fontAlgn="base">
+              <a:buFont typeface="Arial" panose="020B0604020202020204" pitchFamily="34" charset="0"/>
+              <a:buChar char="•"/>
+            </a:pPr>
+            <a:r>
+              <a:rPr lang="en-US" sz="1600" b="1" dirty="0" smtClean="0">
+                <a:latin typeface="Arial"/>
+                <a:cs typeface="Arial"/>
+              </a:rPr>
+              <a:t>Closeness centrality, like eccentricity centrality </a:t>
+            </a:r>
+            <a:r>
+              <a:rPr lang="en-US" sz="1600" b="1" dirty="0">
+                <a:latin typeface="Arial"/>
+                <a:cs typeface="Arial"/>
+              </a:rPr>
+              <a:t>is a directional statistic, which only takes a node’s out degrees into </a:t>
+            </a:r>
+            <a:r>
+              <a:rPr lang="en-US" sz="1600" b="1" dirty="0" smtClean="0">
+                <a:latin typeface="Arial"/>
+                <a:cs typeface="Arial"/>
+              </a:rPr>
+              <a:t>account.</a:t>
+            </a:r>
+          </a:p>
+          <a:p>
+            <a:pPr marL="285750" indent="-285750" algn="just" fontAlgn="base">
+              <a:buFont typeface="Arial" panose="020B0604020202020204" pitchFamily="34" charset="0"/>
+              <a:buChar char="•"/>
+            </a:pPr>
+            <a:r>
+              <a:rPr lang="en-US" sz="1600" b="1" dirty="0" smtClean="0">
+                <a:latin typeface="Arial"/>
+                <a:cs typeface="Arial"/>
+              </a:rPr>
+              <a:t>Nodes with high closeness centralities are the most central nodes in the network. These are the nodes that can communicate the quickest in the network.</a:t>
+            </a:r>
+          </a:p>
+          <a:p>
+            <a:pPr marL="285750" indent="-285750" algn="just" fontAlgn="base">
+              <a:buFont typeface="Arial" panose="020B0604020202020204" pitchFamily="34" charset="0"/>
+              <a:buChar char="•"/>
+            </a:pPr>
+            <a:r>
+              <a:rPr lang="en-US" sz="1600" b="1" dirty="0" smtClean="0">
+                <a:latin typeface="Arial"/>
+                <a:cs typeface="Arial"/>
+              </a:rPr>
+              <a:t>The directional aspect of the closeness centrality measure means those genes and nodes with no out-degree connections have a closeness centrality of 0. </a:t>
+            </a:r>
+            <a:endParaRPr lang="en-US" sz="1600" b="1" dirty="0">
+              <a:latin typeface="Arial"/>
+              <a:cs typeface="Arial"/>
             </a:endParaRPr>
           </a:p>
         </p:txBody>
